--- a/doc/UserGuide.pptx
+++ b/doc/UserGuide.pptx
@@ -105,6 +105,11 @@
       </a:defRPr>
     </a:lvl9pPr>
   </p:defaultTextStyle>
+  <p:extLst>
+    <p:ext uri="{EFAFB233-063F-42B5-8137-9DF3F51BA10A}">
+      <p15:sldGuideLst xmlns:p15="http://schemas.microsoft.com/office/powerpoint/2012/main"/>
+    </p:ext>
+  </p:extLst>
 </p:presentation>
 </file>
 
@@ -2967,89 +2972,139 @@
       </p:grpSpPr>
       <p:grpSp>
         <p:nvGrpSpPr>
-          <p:cNvPr id="7" name="Group 6"/>
+          <p:cNvPr id="3" name="Group 2"/>
           <p:cNvGrpSpPr/>
           <p:nvPr/>
         </p:nvGrpSpPr>
         <p:grpSpPr>
           <a:xfrm>
             <a:off x="1887521" y="1201338"/>
-            <a:ext cx="6367245" cy="3790112"/>
+            <a:ext cx="6367245" cy="4097889"/>
             <a:chOff x="1887521" y="1201338"/>
-            <a:chExt cx="6367245" cy="3790112"/>
+            <a:chExt cx="6367245" cy="4097889"/>
           </a:xfrm>
         </p:grpSpPr>
-        <p:pic>
-          <p:nvPicPr>
-            <p:cNvPr id="5" name="Picture 4"/>
-            <p:cNvPicPr>
-              <a:picLocks noChangeAspect="1"/>
-            </p:cNvPicPr>
+        <p:grpSp>
+          <p:nvGrpSpPr>
+            <p:cNvPr id="7" name="Group 6"/>
+            <p:cNvGrpSpPr/>
             <p:nvPr/>
-          </p:nvPicPr>
-          <p:blipFill rotWithShape="1">
-            <a:blip r:embed="rId2"/>
-            <a:srcRect l="23394" t="11157" r="24381" b="33578"/>
-            <a:stretch/>
-          </p:blipFill>
-          <p:spPr>
+          </p:nvGrpSpPr>
+          <p:grpSpPr>
             <a:xfrm>
               <a:off x="1887521" y="1201338"/>
               <a:ext cx="6367245" cy="3790112"/>
+              <a:chOff x="1887521" y="1201338"/>
+              <a:chExt cx="6367245" cy="3790112"/>
+            </a:xfrm>
+          </p:grpSpPr>
+          <p:pic>
+            <p:nvPicPr>
+              <p:cNvPr id="5" name="Picture 4"/>
+              <p:cNvPicPr>
+                <a:picLocks noChangeAspect="1"/>
+              </p:cNvPicPr>
+              <p:nvPr/>
+            </p:nvPicPr>
+            <p:blipFill rotWithShape="1">
+              <a:blip r:embed="rId2"/>
+              <a:srcRect l="23394" t="11157" r="24381" b="33578"/>
+              <a:stretch/>
+            </p:blipFill>
+            <p:spPr>
+              <a:xfrm>
+                <a:off x="1887521" y="1201338"/>
+                <a:ext cx="6367245" cy="3790112"/>
+              </a:xfrm>
+              <a:prstGeom prst="rect">
+                <a:avLst/>
+              </a:prstGeom>
+              <a:ln>
+                <a:solidFill>
+                  <a:schemeClr val="accent1"/>
+                </a:solidFill>
+              </a:ln>
+            </p:spPr>
+          </p:pic>
+          <p:sp>
+            <p:nvSpPr>
+              <p:cNvPr id="6" name="Oval 5"/>
+              <p:cNvSpPr/>
+              <p:nvPr/>
+            </p:nvSpPr>
+            <p:spPr>
+              <a:xfrm>
+                <a:off x="3179428" y="3900881"/>
+                <a:ext cx="931178" cy="385893"/>
+              </a:xfrm>
+              <a:prstGeom prst="ellipse">
+                <a:avLst/>
+              </a:prstGeom>
+              <a:noFill/>
+              <a:ln>
+                <a:solidFill>
+                  <a:schemeClr val="accent2"/>
+                </a:solidFill>
+              </a:ln>
+            </p:spPr>
+            <p:style>
+              <a:lnRef idx="2">
+                <a:schemeClr val="accent1">
+                  <a:shade val="50000"/>
+                </a:schemeClr>
+              </a:lnRef>
+              <a:fillRef idx="1">
+                <a:schemeClr val="accent1"/>
+              </a:fillRef>
+              <a:effectRef idx="0">
+                <a:schemeClr val="accent1"/>
+              </a:effectRef>
+              <a:fontRef idx="minor">
+                <a:schemeClr val="lt1"/>
+              </a:fontRef>
+            </p:style>
+            <p:txBody>
+              <a:bodyPr rtlCol="0" anchor="ctr"/>
+              <a:lstStyle/>
+              <a:p>
+                <a:pPr algn="ctr"/>
+                <a:endParaRPr lang="en-SG"/>
+              </a:p>
+            </p:txBody>
+          </p:sp>
+        </p:grpSp>
+        <p:sp>
+          <p:nvSpPr>
+            <p:cNvPr id="2" name="TextBox 1"/>
+            <p:cNvSpPr txBox="1"/>
+            <p:nvPr/>
+          </p:nvSpPr>
+          <p:spPr>
+            <a:xfrm>
+              <a:off x="1887522" y="4991450"/>
+              <a:ext cx="2676090" cy="307777"/>
             </a:xfrm>
             <a:prstGeom prst="rect">
               <a:avLst/>
             </a:prstGeom>
-            <a:ln>
-              <a:solidFill>
-                <a:schemeClr val="accent1"/>
-              </a:solidFill>
-            </a:ln>
+            <a:noFill/>
           </p:spPr>
-        </p:pic>
-        <p:sp>
-          <p:nvSpPr>
-            <p:cNvPr id="6" name="Oval 5"/>
-            <p:cNvSpPr/>
-            <p:nvPr/>
-          </p:nvSpPr>
-          <p:spPr>
-            <a:xfrm>
-              <a:off x="3179428" y="3900881"/>
-              <a:ext cx="931178" cy="385893"/>
-            </a:xfrm>
-            <a:prstGeom prst="ellipse">
-              <a:avLst/>
-            </a:prstGeom>
-            <a:noFill/>
-            <a:ln>
-              <a:solidFill>
-                <a:schemeClr val="accent2"/>
-              </a:solidFill>
-            </a:ln>
-          </p:spPr>
-          <p:style>
-            <a:lnRef idx="2">
-              <a:schemeClr val="accent1">
-                <a:shade val="50000"/>
-              </a:schemeClr>
-            </a:lnRef>
-            <a:fillRef idx="1">
-              <a:schemeClr val="accent1"/>
-            </a:fillRef>
-            <a:effectRef idx="0">
-              <a:schemeClr val="accent1"/>
-            </a:effectRef>
-            <a:fontRef idx="minor">
-              <a:schemeClr val="lt1"/>
-            </a:fontRef>
-          </p:style>
           <p:txBody>
-            <a:bodyPr rtlCol="0" anchor="ctr"/>
+            <a:bodyPr wrap="square" rtlCol="0">
+              <a:spAutoFit/>
+            </a:bodyPr>
             <a:lstStyle/>
             <a:p>
-              <a:pPr algn="ctr"/>
-              <a:endParaRPr lang="en-SG"/>
+              <a:r>
+                <a:rPr lang="en-SG" sz="1400" dirty="0">
+                  <a:solidFill>
+                    <a:schemeClr val="accent1"/>
+                  </a:solidFill>
+                  <a:latin typeface="Franklin Gothic Medium Cond" panose="020B0606030402020204" pitchFamily="34" charset="0"/>
+                  <a:cs typeface="Times New Roman" panose="02020603050405020304" pitchFamily="18" charset="0"/>
+                </a:rPr>
+                <a:t>Figure 1: Downloading linenux.jar file</a:t>
+              </a:r>
             </a:p>
           </p:txBody>
         </p:sp>
@@ -3084,34 +3139,84 @@
           <a:chExt cx="0" cy="0"/>
         </a:xfrm>
       </p:grpSpPr>
-      <p:pic>
-        <p:nvPicPr>
-          <p:cNvPr id="2" name="Picture 1"/>
-          <p:cNvPicPr>
-            <a:picLocks noChangeAspect="1"/>
-          </p:cNvPicPr>
+      <p:grpSp>
+        <p:nvGrpSpPr>
+          <p:cNvPr id="4" name="Group 3"/>
+          <p:cNvGrpSpPr/>
           <p:nvPr/>
-        </p:nvPicPr>
-        <p:blipFill rotWithShape="1">
-          <a:blip r:embed="rId2"/>
-          <a:srcRect l="28762" t="23810" r="29748" b="27584"/>
-          <a:stretch/>
-        </p:blipFill>
-        <p:spPr>
+        </p:nvGrpSpPr>
+        <p:grpSpPr>
           <a:xfrm>
             <a:off x="2122414" y="1448298"/>
-            <a:ext cx="5058562" cy="3333427"/>
+            <a:ext cx="5058562" cy="3641204"/>
+            <a:chOff x="2122414" y="1448298"/>
+            <a:chExt cx="5058562" cy="3641204"/>
           </a:xfrm>
-          <a:prstGeom prst="rect">
-            <a:avLst/>
-          </a:prstGeom>
-          <a:ln>
-            <a:solidFill>
-              <a:schemeClr val="accent1"/>
-            </a:solidFill>
-          </a:ln>
-        </p:spPr>
-      </p:pic>
+        </p:grpSpPr>
+        <p:pic>
+          <p:nvPicPr>
+            <p:cNvPr id="2" name="Picture 1"/>
+            <p:cNvPicPr>
+              <a:picLocks noChangeAspect="1"/>
+            </p:cNvPicPr>
+            <p:nvPr/>
+          </p:nvPicPr>
+          <p:blipFill rotWithShape="1">
+            <a:blip r:embed="rId2"/>
+            <a:srcRect l="28762" t="23810" r="29748" b="27584"/>
+            <a:stretch/>
+          </p:blipFill>
+          <p:spPr>
+            <a:xfrm>
+              <a:off x="2122414" y="1448298"/>
+              <a:ext cx="5058562" cy="3333427"/>
+            </a:xfrm>
+            <a:prstGeom prst="rect">
+              <a:avLst/>
+            </a:prstGeom>
+            <a:ln>
+              <a:solidFill>
+                <a:schemeClr val="accent1"/>
+              </a:solidFill>
+            </a:ln>
+          </p:spPr>
+        </p:pic>
+        <p:sp>
+          <p:nvSpPr>
+            <p:cNvPr id="3" name="TextBox 2"/>
+            <p:cNvSpPr txBox="1"/>
+            <p:nvPr/>
+          </p:nvSpPr>
+          <p:spPr>
+            <a:xfrm>
+              <a:off x="2122414" y="4781725"/>
+              <a:ext cx="2676090" cy="307777"/>
+            </a:xfrm>
+            <a:prstGeom prst="rect">
+              <a:avLst/>
+            </a:prstGeom>
+            <a:noFill/>
+          </p:spPr>
+          <p:txBody>
+            <a:bodyPr wrap="square" rtlCol="0">
+              <a:spAutoFit/>
+            </a:bodyPr>
+            <a:lstStyle/>
+            <a:p>
+              <a:r>
+                <a:rPr lang="en-SG" sz="1400" dirty="0">
+                  <a:solidFill>
+                    <a:schemeClr val="accent1"/>
+                  </a:solidFill>
+                  <a:latin typeface="Franklin Gothic Medium Cond" panose="020B0606030402020204" pitchFamily="34" charset="0"/>
+                  <a:cs typeface="Times New Roman" panose="02020603050405020304" pitchFamily="18" charset="0"/>
+                </a:rPr>
+                <a:t>Figure 2: Linenux’s main window</a:t>
+              </a:r>
+            </a:p>
+          </p:txBody>
+        </p:sp>
+      </p:grpSp>
     </p:spTree>
     <p:extLst>
       <p:ext uri="{BB962C8B-B14F-4D97-AF65-F5344CB8AC3E}">

--- a/doc/UserGuide.pptx
+++ b/doc/UserGuide.pptx
@@ -7,6 +7,7 @@
   <p:sldIdLst>
     <p:sldId id="256" r:id="rId2"/>
     <p:sldId id="257" r:id="rId3"/>
+    <p:sldId id="258" r:id="rId4"/>
   </p:sldIdLst>
   <p:sldSz cx="12192000" cy="6858000"/>
   <p:notesSz cx="6858000" cy="9144000"/>
@@ -3230,6 +3231,36 @@
 </p:sld>
 </file>
 
+<file path=ppt/slides/slide3.xml><?xml version="1.0" encoding="utf-8"?>
+<p:sld xmlns:a="http://schemas.openxmlformats.org/drawingml/2006/main" xmlns:r="http://schemas.openxmlformats.org/officeDocument/2006/relationships" xmlns:p="http://schemas.openxmlformats.org/presentationml/2006/main">
+  <p:cSld>
+    <p:spTree>
+      <p:nvGrpSpPr>
+        <p:cNvPr id="1" name=""/>
+        <p:cNvGrpSpPr/>
+        <p:nvPr/>
+      </p:nvGrpSpPr>
+      <p:grpSpPr>
+        <a:xfrm>
+          <a:off x="0" y="0"/>
+          <a:ext cx="0" cy="0"/>
+          <a:chOff x="0" y="0"/>
+          <a:chExt cx="0" cy="0"/>
+        </a:xfrm>
+      </p:grpSpPr>
+    </p:spTree>
+    <p:extLst>
+      <p:ext uri="{BB962C8B-B14F-4D97-AF65-F5344CB8AC3E}">
+        <p14:creationId xmlns:p14="http://schemas.microsoft.com/office/powerpoint/2010/main" val="166592964"/>
+      </p:ext>
+    </p:extLst>
+  </p:cSld>
+  <p:clrMapOvr>
+    <a:masterClrMapping/>
+  </p:clrMapOvr>
+</p:sld>
+</file>
+
 <file path=ppt/theme/theme1.xml><?xml version="1.0" encoding="utf-8"?>
 <a:theme xmlns:a="http://schemas.openxmlformats.org/drawingml/2006/main" name="Office Theme">
   <a:themeElements>

--- a/doc/UserGuide.pptx
+++ b/doc/UserGuide.pptx
@@ -3248,6 +3248,528 @@
           <a:chExt cx="0" cy="0"/>
         </a:xfrm>
       </p:grpSpPr>
+      <p:grpSp>
+        <p:nvGrpSpPr>
+          <p:cNvPr id="14" name="Group 13"/>
+          <p:cNvGrpSpPr/>
+          <p:nvPr/>
+        </p:nvGrpSpPr>
+        <p:grpSpPr>
+          <a:xfrm>
+            <a:off x="2223081" y="1459684"/>
+            <a:ext cx="6493080" cy="3629818"/>
+            <a:chOff x="2223081" y="1459684"/>
+            <a:chExt cx="6493080" cy="3629818"/>
+          </a:xfrm>
+        </p:grpSpPr>
+        <p:sp>
+          <p:nvSpPr>
+            <p:cNvPr id="2" name="Rectangle 1"/>
+            <p:cNvSpPr/>
+            <p:nvPr/>
+          </p:nvSpPr>
+          <p:spPr>
+            <a:xfrm>
+              <a:off x="2223082" y="1459684"/>
+              <a:ext cx="6493079" cy="3322041"/>
+            </a:xfrm>
+            <a:prstGeom prst="rect">
+              <a:avLst/>
+            </a:prstGeom>
+            <a:solidFill>
+              <a:schemeClr val="tx2">
+                <a:lumMod val="60000"/>
+                <a:lumOff val="40000"/>
+              </a:schemeClr>
+            </a:solidFill>
+            <a:ln>
+              <a:noFill/>
+            </a:ln>
+          </p:spPr>
+          <p:style>
+            <a:lnRef idx="2">
+              <a:schemeClr val="accent1">
+                <a:shade val="50000"/>
+              </a:schemeClr>
+            </a:lnRef>
+            <a:fillRef idx="1">
+              <a:schemeClr val="accent1"/>
+            </a:fillRef>
+            <a:effectRef idx="0">
+              <a:schemeClr val="accent1"/>
+            </a:effectRef>
+            <a:fontRef idx="minor">
+              <a:schemeClr val="lt1"/>
+            </a:fontRef>
+          </p:style>
+          <p:txBody>
+            <a:bodyPr rtlCol="0" anchor="ctr"/>
+            <a:lstStyle/>
+            <a:p>
+              <a:pPr algn="ctr"/>
+              <a:endParaRPr lang="en-SG"/>
+            </a:p>
+          </p:txBody>
+        </p:sp>
+        <p:sp>
+          <p:nvSpPr>
+            <p:cNvPr id="3" name="Rectangle 2"/>
+            <p:cNvSpPr/>
+            <p:nvPr/>
+          </p:nvSpPr>
+          <p:spPr>
+            <a:xfrm>
+              <a:off x="2223082" y="4286774"/>
+              <a:ext cx="6493079" cy="494951"/>
+            </a:xfrm>
+            <a:prstGeom prst="rect">
+              <a:avLst/>
+            </a:prstGeom>
+            <a:solidFill>
+              <a:schemeClr val="tx2">
+                <a:lumMod val="40000"/>
+                <a:lumOff val="60000"/>
+              </a:schemeClr>
+            </a:solidFill>
+            <a:ln>
+              <a:noFill/>
+            </a:ln>
+          </p:spPr>
+          <p:style>
+            <a:lnRef idx="2">
+              <a:schemeClr val="accent1">
+                <a:shade val="50000"/>
+              </a:schemeClr>
+            </a:lnRef>
+            <a:fillRef idx="1">
+              <a:schemeClr val="accent1"/>
+            </a:fillRef>
+            <a:effectRef idx="0">
+              <a:schemeClr val="accent1"/>
+            </a:effectRef>
+            <a:fontRef idx="minor">
+              <a:schemeClr val="lt1"/>
+            </a:fontRef>
+          </p:style>
+          <p:txBody>
+            <a:bodyPr rtlCol="0" anchor="ctr"/>
+            <a:lstStyle/>
+            <a:p>
+              <a:pPr algn="ctr"/>
+              <a:endParaRPr lang="en-SG" dirty="0"/>
+            </a:p>
+          </p:txBody>
+        </p:sp>
+        <p:sp>
+          <p:nvSpPr>
+            <p:cNvPr id="4" name="Rectangle: Rounded Corners 3"/>
+            <p:cNvSpPr/>
+            <p:nvPr/>
+          </p:nvSpPr>
+          <p:spPr>
+            <a:xfrm>
+              <a:off x="2382473" y="1652631"/>
+              <a:ext cx="1359017" cy="2508308"/>
+            </a:xfrm>
+            <a:prstGeom prst="roundRect">
+              <a:avLst/>
+            </a:prstGeom>
+            <a:solidFill>
+              <a:schemeClr val="accent2">
+                <a:lumMod val="20000"/>
+                <a:lumOff val="80000"/>
+              </a:schemeClr>
+            </a:solidFill>
+            <a:ln>
+              <a:noFill/>
+            </a:ln>
+          </p:spPr>
+          <p:style>
+            <a:lnRef idx="2">
+              <a:schemeClr val="accent1">
+                <a:shade val="50000"/>
+              </a:schemeClr>
+            </a:lnRef>
+            <a:fillRef idx="1">
+              <a:schemeClr val="accent1"/>
+            </a:fillRef>
+            <a:effectRef idx="0">
+              <a:schemeClr val="accent1"/>
+            </a:effectRef>
+            <a:fontRef idx="minor">
+              <a:schemeClr val="lt1"/>
+            </a:fontRef>
+          </p:style>
+          <p:txBody>
+            <a:bodyPr rtlCol="0" anchor="ctr"/>
+            <a:lstStyle/>
+            <a:p>
+              <a:pPr algn="ctr"/>
+              <a:endParaRPr lang="en-SG"/>
+            </a:p>
+          </p:txBody>
+        </p:sp>
+        <p:sp>
+          <p:nvSpPr>
+            <p:cNvPr id="5" name="Rectangle: Rounded Corners 4"/>
+            <p:cNvSpPr/>
+            <p:nvPr/>
+          </p:nvSpPr>
+          <p:spPr>
+            <a:xfrm>
+              <a:off x="3977780" y="1652631"/>
+              <a:ext cx="1359017" cy="2508308"/>
+            </a:xfrm>
+            <a:prstGeom prst="roundRect">
+              <a:avLst/>
+            </a:prstGeom>
+            <a:solidFill>
+              <a:schemeClr val="accent1">
+                <a:lumMod val="20000"/>
+                <a:lumOff val="80000"/>
+              </a:schemeClr>
+            </a:solidFill>
+            <a:ln>
+              <a:noFill/>
+            </a:ln>
+          </p:spPr>
+          <p:style>
+            <a:lnRef idx="2">
+              <a:schemeClr val="accent1">
+                <a:shade val="50000"/>
+              </a:schemeClr>
+            </a:lnRef>
+            <a:fillRef idx="1">
+              <a:schemeClr val="accent1"/>
+            </a:fillRef>
+            <a:effectRef idx="0">
+              <a:schemeClr val="accent1"/>
+            </a:effectRef>
+            <a:fontRef idx="minor">
+              <a:schemeClr val="lt1"/>
+            </a:fontRef>
+          </p:style>
+          <p:txBody>
+            <a:bodyPr rtlCol="0" anchor="ctr"/>
+            <a:lstStyle/>
+            <a:p>
+              <a:pPr algn="ctr"/>
+              <a:endParaRPr lang="en-SG"/>
+            </a:p>
+          </p:txBody>
+        </p:sp>
+        <p:sp>
+          <p:nvSpPr>
+            <p:cNvPr id="6" name="Rectangle: Rounded Corners 5"/>
+            <p:cNvSpPr/>
+            <p:nvPr/>
+          </p:nvSpPr>
+          <p:spPr>
+            <a:xfrm>
+              <a:off x="5573087" y="1652631"/>
+              <a:ext cx="1359017" cy="2508308"/>
+            </a:xfrm>
+            <a:prstGeom prst="roundRect">
+              <a:avLst/>
+            </a:prstGeom>
+            <a:solidFill>
+              <a:schemeClr val="accent6">
+                <a:lumMod val="20000"/>
+                <a:lumOff val="80000"/>
+              </a:schemeClr>
+            </a:solidFill>
+            <a:ln>
+              <a:noFill/>
+            </a:ln>
+          </p:spPr>
+          <p:style>
+            <a:lnRef idx="2">
+              <a:schemeClr val="accent1">
+                <a:shade val="50000"/>
+              </a:schemeClr>
+            </a:lnRef>
+            <a:fillRef idx="1">
+              <a:schemeClr val="accent1"/>
+            </a:fillRef>
+            <a:effectRef idx="0">
+              <a:schemeClr val="accent1"/>
+            </a:effectRef>
+            <a:fontRef idx="minor">
+              <a:schemeClr val="lt1"/>
+            </a:fontRef>
+          </p:style>
+          <p:txBody>
+            <a:bodyPr rtlCol="0" anchor="ctr"/>
+            <a:lstStyle/>
+            <a:p>
+              <a:pPr algn="ctr"/>
+              <a:endParaRPr lang="en-SG" dirty="0"/>
+            </a:p>
+          </p:txBody>
+        </p:sp>
+        <p:sp>
+          <p:nvSpPr>
+            <p:cNvPr id="7" name="Rectangle: Rounded Corners 6"/>
+            <p:cNvSpPr/>
+            <p:nvPr/>
+          </p:nvSpPr>
+          <p:spPr>
+            <a:xfrm>
+              <a:off x="7168394" y="1652631"/>
+              <a:ext cx="1359017" cy="2508308"/>
+            </a:xfrm>
+            <a:prstGeom prst="roundRect">
+              <a:avLst/>
+            </a:prstGeom>
+            <a:solidFill>
+              <a:schemeClr val="accent4">
+                <a:lumMod val="20000"/>
+                <a:lumOff val="80000"/>
+              </a:schemeClr>
+            </a:solidFill>
+            <a:ln>
+              <a:noFill/>
+            </a:ln>
+          </p:spPr>
+          <p:style>
+            <a:lnRef idx="2">
+              <a:schemeClr val="accent1">
+                <a:shade val="50000"/>
+              </a:schemeClr>
+            </a:lnRef>
+            <a:fillRef idx="1">
+              <a:schemeClr val="accent1"/>
+            </a:fillRef>
+            <a:effectRef idx="0">
+              <a:schemeClr val="accent1"/>
+            </a:effectRef>
+            <a:fontRef idx="minor">
+              <a:schemeClr val="lt1"/>
+            </a:fontRef>
+          </p:style>
+          <p:txBody>
+            <a:bodyPr rtlCol="0" anchor="ctr"/>
+            <a:lstStyle/>
+            <a:p>
+              <a:pPr algn="ctr"/>
+              <a:endParaRPr lang="en-SG" dirty="0"/>
+            </a:p>
+          </p:txBody>
+        </p:sp>
+        <p:sp>
+          <p:nvSpPr>
+            <p:cNvPr id="8" name="TextBox 7"/>
+            <p:cNvSpPr txBox="1"/>
+            <p:nvPr/>
+          </p:nvSpPr>
+          <p:spPr>
+            <a:xfrm>
+              <a:off x="2223081" y="4781725"/>
+              <a:ext cx="2676090" cy="307777"/>
+            </a:xfrm>
+            <a:prstGeom prst="rect">
+              <a:avLst/>
+            </a:prstGeom>
+            <a:noFill/>
+          </p:spPr>
+          <p:txBody>
+            <a:bodyPr wrap="square" rtlCol="0">
+              <a:spAutoFit/>
+            </a:bodyPr>
+            <a:lstStyle/>
+            <a:p>
+              <a:r>
+                <a:rPr lang="en-SG" sz="1400" dirty="0">
+                  <a:solidFill>
+                    <a:schemeClr val="accent1"/>
+                  </a:solidFill>
+                  <a:latin typeface="Franklin Gothic Medium Cond" panose="020B0606030402020204" pitchFamily="34" charset="0"/>
+                  <a:cs typeface="Times New Roman" panose="02020603050405020304" pitchFamily="18" charset="0"/>
+                </a:rPr>
+                <a:t>Figure 3: Main Window Diagram</a:t>
+              </a:r>
+            </a:p>
+          </p:txBody>
+        </p:sp>
+        <p:sp>
+          <p:nvSpPr>
+            <p:cNvPr id="9" name="TextBox 8"/>
+            <p:cNvSpPr txBox="1"/>
+            <p:nvPr/>
+          </p:nvSpPr>
+          <p:spPr>
+            <a:xfrm>
+              <a:off x="4668760" y="4349475"/>
+              <a:ext cx="1601721" cy="369332"/>
+            </a:xfrm>
+            <a:prstGeom prst="rect">
+              <a:avLst/>
+            </a:prstGeom>
+            <a:noFill/>
+          </p:spPr>
+          <p:txBody>
+            <a:bodyPr wrap="none" rtlCol="0">
+              <a:spAutoFit/>
+            </a:bodyPr>
+            <a:lstStyle/>
+            <a:p>
+              <a:r>
+                <a:rPr lang="en-SG" dirty="0">
+                  <a:solidFill>
+                    <a:schemeClr val="bg1"/>
+                  </a:solidFill>
+                  <a:latin typeface="AR JULIAN" panose="02000000000000000000" pitchFamily="2" charset="0"/>
+                </a:rPr>
+                <a:t>Command Box</a:t>
+              </a:r>
+            </a:p>
+          </p:txBody>
+        </p:sp>
+        <p:sp>
+          <p:nvSpPr>
+            <p:cNvPr id="10" name="TextBox 9"/>
+            <p:cNvSpPr txBox="1"/>
+            <p:nvPr/>
+          </p:nvSpPr>
+          <p:spPr>
+            <a:xfrm>
+              <a:off x="2508307" y="2768203"/>
+              <a:ext cx="1107347" cy="276999"/>
+            </a:xfrm>
+            <a:prstGeom prst="rect">
+              <a:avLst/>
+            </a:prstGeom>
+            <a:noFill/>
+          </p:spPr>
+          <p:txBody>
+            <a:bodyPr wrap="square" rtlCol="0">
+              <a:spAutoFit/>
+            </a:bodyPr>
+            <a:lstStyle/>
+            <a:p>
+              <a:r>
+                <a:rPr lang="en-SG" sz="1200" dirty="0">
+                  <a:solidFill>
+                    <a:schemeClr val="bg2">
+                      <a:lumMod val="25000"/>
+                    </a:schemeClr>
+                  </a:solidFill>
+                  <a:latin typeface="AR JULIAN" panose="02000000000000000000" pitchFamily="2" charset="0"/>
+                </a:rPr>
+                <a:t>To-do Panel</a:t>
+              </a:r>
+            </a:p>
+          </p:txBody>
+        </p:sp>
+        <p:sp>
+          <p:nvSpPr>
+            <p:cNvPr id="11" name="TextBox 10"/>
+            <p:cNvSpPr txBox="1"/>
+            <p:nvPr/>
+          </p:nvSpPr>
+          <p:spPr>
+            <a:xfrm>
+              <a:off x="4009238" y="2768204"/>
+              <a:ext cx="1296099" cy="276999"/>
+            </a:xfrm>
+            <a:prstGeom prst="rect">
+              <a:avLst/>
+            </a:prstGeom>
+            <a:noFill/>
+          </p:spPr>
+          <p:txBody>
+            <a:bodyPr wrap="square" rtlCol="0">
+              <a:spAutoFit/>
+            </a:bodyPr>
+            <a:lstStyle/>
+            <a:p>
+              <a:r>
+                <a:rPr lang="en-SG" sz="1200" dirty="0">
+                  <a:solidFill>
+                    <a:schemeClr val="bg2">
+                      <a:lumMod val="25000"/>
+                    </a:schemeClr>
+                  </a:solidFill>
+                  <a:latin typeface="AR JULIAN" panose="02000000000000000000" pitchFamily="2" charset="0"/>
+                </a:rPr>
+                <a:t>Deadline Panel</a:t>
+              </a:r>
+            </a:p>
+          </p:txBody>
+        </p:sp>
+        <p:sp>
+          <p:nvSpPr>
+            <p:cNvPr id="12" name="TextBox 11"/>
+            <p:cNvSpPr txBox="1"/>
+            <p:nvPr/>
+          </p:nvSpPr>
+          <p:spPr>
+            <a:xfrm>
+              <a:off x="5714999" y="2759733"/>
+              <a:ext cx="1075192" cy="276999"/>
+            </a:xfrm>
+            <a:prstGeom prst="rect">
+              <a:avLst/>
+            </a:prstGeom>
+            <a:noFill/>
+          </p:spPr>
+          <p:txBody>
+            <a:bodyPr wrap="square" rtlCol="0">
+              <a:spAutoFit/>
+            </a:bodyPr>
+            <a:lstStyle/>
+            <a:p>
+              <a:r>
+                <a:rPr lang="en-SG" sz="1200" dirty="0">
+                  <a:solidFill>
+                    <a:schemeClr val="bg2">
+                      <a:lumMod val="25000"/>
+                    </a:schemeClr>
+                  </a:solidFill>
+                  <a:latin typeface="AR JULIAN" panose="02000000000000000000" pitchFamily="2" charset="0"/>
+                </a:rPr>
+                <a:t>Event Panel</a:t>
+              </a:r>
+            </a:p>
+          </p:txBody>
+        </p:sp>
+        <p:sp>
+          <p:nvSpPr>
+            <p:cNvPr id="13" name="TextBox 12"/>
+            <p:cNvSpPr txBox="1"/>
+            <p:nvPr/>
+          </p:nvSpPr>
+          <p:spPr>
+            <a:xfrm>
+              <a:off x="7239350" y="2768203"/>
+              <a:ext cx="1217104" cy="276999"/>
+            </a:xfrm>
+            <a:prstGeom prst="rect">
+              <a:avLst/>
+            </a:prstGeom>
+            <a:noFill/>
+          </p:spPr>
+          <p:txBody>
+            <a:bodyPr wrap="square" rtlCol="0">
+              <a:spAutoFit/>
+            </a:bodyPr>
+            <a:lstStyle/>
+            <a:p>
+              <a:r>
+                <a:rPr lang="en-SG" sz="1200" dirty="0">
+                  <a:solidFill>
+                    <a:schemeClr val="bg2">
+                      <a:lumMod val="25000"/>
+                    </a:schemeClr>
+                  </a:solidFill>
+                  <a:latin typeface="AR JULIAN" panose="02000000000000000000" pitchFamily="2" charset="0"/>
+                </a:rPr>
+                <a:t>Display Panel</a:t>
+              </a:r>
+            </a:p>
+          </p:txBody>
+        </p:sp>
+      </p:grpSp>
     </p:spTree>
     <p:extLst>
       <p:ext uri="{BB962C8B-B14F-4D97-AF65-F5344CB8AC3E}">

--- a/doc/UserGuide.pptx
+++ b/doc/UserGuide.pptx
@@ -245,7 +245,7 @@
           <a:p>
             <a:fld id="{81EB79EC-C7E3-4EC7-84B9-0BB9050C86D2}" type="datetimeFigureOut">
               <a:rPr lang="en-SG" smtClean="0"/>
-              <a:t>16/10/2016</a:t>
+              <a:t>19/10/2016</a:t>
             </a:fld>
             <a:endParaRPr lang="en-SG"/>
           </a:p>
@@ -415,7 +415,7 @@
           <a:p>
             <a:fld id="{81EB79EC-C7E3-4EC7-84B9-0BB9050C86D2}" type="datetimeFigureOut">
               <a:rPr lang="en-SG" smtClean="0"/>
-              <a:t>16/10/2016</a:t>
+              <a:t>19/10/2016</a:t>
             </a:fld>
             <a:endParaRPr lang="en-SG"/>
           </a:p>
@@ -595,7 +595,7 @@
           <a:p>
             <a:fld id="{81EB79EC-C7E3-4EC7-84B9-0BB9050C86D2}" type="datetimeFigureOut">
               <a:rPr lang="en-SG" smtClean="0"/>
-              <a:t>16/10/2016</a:t>
+              <a:t>19/10/2016</a:t>
             </a:fld>
             <a:endParaRPr lang="en-SG"/>
           </a:p>
@@ -765,7 +765,7 @@
           <a:p>
             <a:fld id="{81EB79EC-C7E3-4EC7-84B9-0BB9050C86D2}" type="datetimeFigureOut">
               <a:rPr lang="en-SG" smtClean="0"/>
-              <a:t>16/10/2016</a:t>
+              <a:t>19/10/2016</a:t>
             </a:fld>
             <a:endParaRPr lang="en-SG"/>
           </a:p>
@@ -1011,7 +1011,7 @@
           <a:p>
             <a:fld id="{81EB79EC-C7E3-4EC7-84B9-0BB9050C86D2}" type="datetimeFigureOut">
               <a:rPr lang="en-SG" smtClean="0"/>
-              <a:t>16/10/2016</a:t>
+              <a:t>19/10/2016</a:t>
             </a:fld>
             <a:endParaRPr lang="en-SG"/>
           </a:p>
@@ -1243,7 +1243,7 @@
           <a:p>
             <a:fld id="{81EB79EC-C7E3-4EC7-84B9-0BB9050C86D2}" type="datetimeFigureOut">
               <a:rPr lang="en-SG" smtClean="0"/>
-              <a:t>16/10/2016</a:t>
+              <a:t>19/10/2016</a:t>
             </a:fld>
             <a:endParaRPr lang="en-SG"/>
           </a:p>
@@ -1610,7 +1610,7 @@
           <a:p>
             <a:fld id="{81EB79EC-C7E3-4EC7-84B9-0BB9050C86D2}" type="datetimeFigureOut">
               <a:rPr lang="en-SG" smtClean="0"/>
-              <a:t>16/10/2016</a:t>
+              <a:t>19/10/2016</a:t>
             </a:fld>
             <a:endParaRPr lang="en-SG"/>
           </a:p>
@@ -1728,7 +1728,7 @@
           <a:p>
             <a:fld id="{81EB79EC-C7E3-4EC7-84B9-0BB9050C86D2}" type="datetimeFigureOut">
               <a:rPr lang="en-SG" smtClean="0"/>
-              <a:t>16/10/2016</a:t>
+              <a:t>19/10/2016</a:t>
             </a:fld>
             <a:endParaRPr lang="en-SG"/>
           </a:p>
@@ -1823,7 +1823,7 @@
           <a:p>
             <a:fld id="{81EB79EC-C7E3-4EC7-84B9-0BB9050C86D2}" type="datetimeFigureOut">
               <a:rPr lang="en-SG" smtClean="0"/>
-              <a:t>16/10/2016</a:t>
+              <a:t>19/10/2016</a:t>
             </a:fld>
             <a:endParaRPr lang="en-SG"/>
           </a:p>
@@ -2100,7 +2100,7 @@
           <a:p>
             <a:fld id="{81EB79EC-C7E3-4EC7-84B9-0BB9050C86D2}" type="datetimeFigureOut">
               <a:rPr lang="en-SG" smtClean="0"/>
-              <a:t>16/10/2016</a:t>
+              <a:t>19/10/2016</a:t>
             </a:fld>
             <a:endParaRPr lang="en-SG"/>
           </a:p>
@@ -2353,7 +2353,7 @@
           <a:p>
             <a:fld id="{81EB79EC-C7E3-4EC7-84B9-0BB9050C86D2}" type="datetimeFigureOut">
               <a:rPr lang="en-SG" smtClean="0"/>
-              <a:t>16/10/2016</a:t>
+              <a:t>19/10/2016</a:t>
             </a:fld>
             <a:endParaRPr lang="en-SG"/>
           </a:p>
@@ -2566,7 +2566,7 @@
           <a:p>
             <a:fld id="{81EB79EC-C7E3-4EC7-84B9-0BB9050C86D2}" type="datetimeFigureOut">
               <a:rPr lang="en-SG" smtClean="0"/>
-              <a:t>16/10/2016</a:t>
+              <a:t>19/10/2016</a:t>
             </a:fld>
             <a:endParaRPr lang="en-SG"/>
           </a:p>
@@ -3142,46 +3142,18 @@
       </p:grpSpPr>
       <p:grpSp>
         <p:nvGrpSpPr>
-          <p:cNvPr id="4" name="Group 3"/>
+          <p:cNvPr id="6" name="Group 5"/>
           <p:cNvGrpSpPr/>
           <p:nvPr/>
         </p:nvGrpSpPr>
         <p:grpSpPr>
           <a:xfrm>
-            <a:off x="2122414" y="1448298"/>
-            <a:ext cx="5058562" cy="3641204"/>
-            <a:chOff x="2122414" y="1448298"/>
-            <a:chExt cx="5058562" cy="3641204"/>
+            <a:off x="1745342" y="424206"/>
+            <a:ext cx="9014832" cy="5089502"/>
+            <a:chOff x="1745342" y="424206"/>
+            <a:chExt cx="9014832" cy="5089502"/>
           </a:xfrm>
         </p:grpSpPr>
-        <p:pic>
-          <p:nvPicPr>
-            <p:cNvPr id="2" name="Picture 1"/>
-            <p:cNvPicPr>
-              <a:picLocks noChangeAspect="1"/>
-            </p:cNvPicPr>
-            <p:nvPr/>
-          </p:nvPicPr>
-          <p:blipFill rotWithShape="1">
-            <a:blip r:embed="rId2"/>
-            <a:srcRect l="28762" t="23810" r="29748" b="27584"/>
-            <a:stretch/>
-          </p:blipFill>
-          <p:spPr>
-            <a:xfrm>
-              <a:off x="2122414" y="1448298"/>
-              <a:ext cx="5058562" cy="3333427"/>
-            </a:xfrm>
-            <a:prstGeom prst="rect">
-              <a:avLst/>
-            </a:prstGeom>
-            <a:ln>
-              <a:solidFill>
-                <a:schemeClr val="accent1"/>
-              </a:solidFill>
-            </a:ln>
-          </p:spPr>
-        </p:pic>
         <p:sp>
           <p:nvSpPr>
             <p:cNvPr id="3" name="TextBox 2"/>
@@ -3190,7 +3162,7 @@
           </p:nvSpPr>
           <p:spPr>
             <a:xfrm>
-              <a:off x="2122414" y="4781725"/>
+              <a:off x="1745342" y="5205931"/>
               <a:ext cx="2676090" cy="307777"/>
             </a:xfrm>
             <a:prstGeom prst="rect">
@@ -3217,6 +3189,34 @@
             </a:p>
           </p:txBody>
         </p:sp>
+        <p:pic>
+          <p:nvPicPr>
+            <p:cNvPr id="5" name="Picture 4"/>
+            <p:cNvPicPr>
+              <a:picLocks noChangeAspect="1"/>
+            </p:cNvPicPr>
+            <p:nvPr/>
+          </p:nvPicPr>
+          <p:blipFill rotWithShape="1">
+            <a:blip r:embed="rId2"/>
+            <a:srcRect b="5701"/>
+            <a:stretch/>
+          </p:blipFill>
+          <p:spPr>
+            <a:xfrm>
+              <a:off x="1745342" y="424206"/>
+              <a:ext cx="9014832" cy="4781725"/>
+            </a:xfrm>
+            <a:prstGeom prst="rect">
+              <a:avLst/>
+            </a:prstGeom>
+            <a:ln>
+              <a:solidFill>
+                <a:schemeClr val="tx1"/>
+              </a:solidFill>
+            </a:ln>
+          </p:spPr>
+        </p:pic>
       </p:grpSp>
     </p:spTree>
     <p:extLst>

--- a/doc/UserGuide.pptx
+++ b/doc/UserGuide.pptx
@@ -5,9 +5,8 @@
     <p:sldMasterId id="2147483648" r:id="rId1"/>
   </p:sldMasterIdLst>
   <p:sldIdLst>
-    <p:sldId id="256" r:id="rId2"/>
-    <p:sldId id="257" r:id="rId3"/>
-    <p:sldId id="258" r:id="rId4"/>
+    <p:sldId id="259" r:id="rId2"/>
+    <p:sldId id="260" r:id="rId3"/>
   </p:sldIdLst>
   <p:sldSz cx="12192000" cy="6858000"/>
   <p:notesSz cx="6858000" cy="9144000"/>
@@ -245,7 +244,7 @@
           <a:p>
             <a:fld id="{81EB79EC-C7E3-4EC7-84B9-0BB9050C86D2}" type="datetimeFigureOut">
               <a:rPr lang="en-SG" smtClean="0"/>
-              <a:t>19/10/2016</a:t>
+              <a:t>5/11/2016</a:t>
             </a:fld>
             <a:endParaRPr lang="en-SG"/>
           </a:p>
@@ -415,7 +414,7 @@
           <a:p>
             <a:fld id="{81EB79EC-C7E3-4EC7-84B9-0BB9050C86D2}" type="datetimeFigureOut">
               <a:rPr lang="en-SG" smtClean="0"/>
-              <a:t>19/10/2016</a:t>
+              <a:t>5/11/2016</a:t>
             </a:fld>
             <a:endParaRPr lang="en-SG"/>
           </a:p>
@@ -595,7 +594,7 @@
           <a:p>
             <a:fld id="{81EB79EC-C7E3-4EC7-84B9-0BB9050C86D2}" type="datetimeFigureOut">
               <a:rPr lang="en-SG" smtClean="0"/>
-              <a:t>19/10/2016</a:t>
+              <a:t>5/11/2016</a:t>
             </a:fld>
             <a:endParaRPr lang="en-SG"/>
           </a:p>
@@ -765,7 +764,7 @@
           <a:p>
             <a:fld id="{81EB79EC-C7E3-4EC7-84B9-0BB9050C86D2}" type="datetimeFigureOut">
               <a:rPr lang="en-SG" smtClean="0"/>
-              <a:t>19/10/2016</a:t>
+              <a:t>5/11/2016</a:t>
             </a:fld>
             <a:endParaRPr lang="en-SG"/>
           </a:p>
@@ -1011,7 +1010,7 @@
           <a:p>
             <a:fld id="{81EB79EC-C7E3-4EC7-84B9-0BB9050C86D2}" type="datetimeFigureOut">
               <a:rPr lang="en-SG" smtClean="0"/>
-              <a:t>19/10/2016</a:t>
+              <a:t>5/11/2016</a:t>
             </a:fld>
             <a:endParaRPr lang="en-SG"/>
           </a:p>
@@ -1243,7 +1242,7 @@
           <a:p>
             <a:fld id="{81EB79EC-C7E3-4EC7-84B9-0BB9050C86D2}" type="datetimeFigureOut">
               <a:rPr lang="en-SG" smtClean="0"/>
-              <a:t>19/10/2016</a:t>
+              <a:t>5/11/2016</a:t>
             </a:fld>
             <a:endParaRPr lang="en-SG"/>
           </a:p>
@@ -1610,7 +1609,7 @@
           <a:p>
             <a:fld id="{81EB79EC-C7E3-4EC7-84B9-0BB9050C86D2}" type="datetimeFigureOut">
               <a:rPr lang="en-SG" smtClean="0"/>
-              <a:t>19/10/2016</a:t>
+              <a:t>5/11/2016</a:t>
             </a:fld>
             <a:endParaRPr lang="en-SG"/>
           </a:p>
@@ -1728,7 +1727,7 @@
           <a:p>
             <a:fld id="{81EB79EC-C7E3-4EC7-84B9-0BB9050C86D2}" type="datetimeFigureOut">
               <a:rPr lang="en-SG" smtClean="0"/>
-              <a:t>19/10/2016</a:t>
+              <a:t>5/11/2016</a:t>
             </a:fld>
             <a:endParaRPr lang="en-SG"/>
           </a:p>
@@ -1823,7 +1822,7 @@
           <a:p>
             <a:fld id="{81EB79EC-C7E3-4EC7-84B9-0BB9050C86D2}" type="datetimeFigureOut">
               <a:rPr lang="en-SG" smtClean="0"/>
-              <a:t>19/10/2016</a:t>
+              <a:t>5/11/2016</a:t>
             </a:fld>
             <a:endParaRPr lang="en-SG"/>
           </a:p>
@@ -2100,7 +2099,7 @@
           <a:p>
             <a:fld id="{81EB79EC-C7E3-4EC7-84B9-0BB9050C86D2}" type="datetimeFigureOut">
               <a:rPr lang="en-SG" smtClean="0"/>
-              <a:t>19/10/2016</a:t>
+              <a:t>5/11/2016</a:t>
             </a:fld>
             <a:endParaRPr lang="en-SG"/>
           </a:p>
@@ -2353,7 +2352,7 @@
           <a:p>
             <a:fld id="{81EB79EC-C7E3-4EC7-84B9-0BB9050C86D2}" type="datetimeFigureOut">
               <a:rPr lang="en-SG" smtClean="0"/>
-              <a:t>19/10/2016</a:t>
+              <a:t>5/11/2016</a:t>
             </a:fld>
             <a:endParaRPr lang="en-SG"/>
           </a:p>
@@ -2566,7 +2565,7 @@
           <a:p>
             <a:fld id="{81EB79EC-C7E3-4EC7-84B9-0BB9050C86D2}" type="datetimeFigureOut">
               <a:rPr lang="en-SG" smtClean="0"/>
-              <a:t>19/10/2016</a:t>
+              <a:t>5/11/2016</a:t>
             </a:fld>
             <a:endParaRPr lang="en-SG"/>
           </a:p>
@@ -2973,117 +2972,80 @@
       </p:grpSpPr>
       <p:grpSp>
         <p:nvGrpSpPr>
-          <p:cNvPr id="3" name="Group 2"/>
+          <p:cNvPr id="14" name="Group 13"/>
           <p:cNvGrpSpPr/>
           <p:nvPr/>
         </p:nvGrpSpPr>
         <p:grpSpPr>
           <a:xfrm>
-            <a:off x="1887521" y="1201338"/>
-            <a:ext cx="6367245" cy="4097889"/>
-            <a:chOff x="1887521" y="1201338"/>
-            <a:chExt cx="6367245" cy="4097889"/>
+            <a:off x="1031846" y="335560"/>
+            <a:ext cx="9000000" cy="5800110"/>
+            <a:chOff x="1031846" y="335560"/>
+            <a:chExt cx="9000000" cy="5800110"/>
           </a:xfrm>
         </p:grpSpPr>
-        <p:grpSp>
-          <p:nvGrpSpPr>
-            <p:cNvPr id="7" name="Group 6"/>
-            <p:cNvGrpSpPr/>
-            <p:nvPr/>
-          </p:nvGrpSpPr>
-          <p:grpSpPr>
-            <a:xfrm>
-              <a:off x="1887521" y="1201338"/>
-              <a:ext cx="6367245" cy="3790112"/>
-              <a:chOff x="1887521" y="1201338"/>
-              <a:chExt cx="6367245" cy="3790112"/>
-            </a:xfrm>
-          </p:grpSpPr>
-          <p:pic>
-            <p:nvPicPr>
-              <p:cNvPr id="5" name="Picture 4"/>
-              <p:cNvPicPr>
-                <a:picLocks noChangeAspect="1"/>
-              </p:cNvPicPr>
-              <p:nvPr/>
-            </p:nvPicPr>
-            <p:blipFill rotWithShape="1">
-              <a:blip r:embed="rId2"/>
-              <a:srcRect l="23394" t="11157" r="24381" b="33578"/>
-              <a:stretch/>
-            </p:blipFill>
-            <p:spPr>
-              <a:xfrm>
-                <a:off x="1887521" y="1201338"/>
-                <a:ext cx="6367245" cy="3790112"/>
-              </a:xfrm>
-              <a:prstGeom prst="rect">
-                <a:avLst/>
-              </a:prstGeom>
-              <a:ln>
-                <a:solidFill>
-                  <a:schemeClr val="accent1"/>
-                </a:solidFill>
-              </a:ln>
-            </p:spPr>
-          </p:pic>
-          <p:sp>
-            <p:nvSpPr>
-              <p:cNvPr id="6" name="Oval 5"/>
-              <p:cNvSpPr/>
-              <p:nvPr/>
-            </p:nvSpPr>
-            <p:spPr>
-              <a:xfrm>
-                <a:off x="3179428" y="3900881"/>
-                <a:ext cx="931178" cy="385893"/>
-              </a:xfrm>
-              <a:prstGeom prst="ellipse">
-                <a:avLst/>
-              </a:prstGeom>
-              <a:noFill/>
-              <a:ln>
-                <a:solidFill>
-                  <a:schemeClr val="accent2"/>
-                </a:solidFill>
-              </a:ln>
-            </p:spPr>
-            <p:style>
-              <a:lnRef idx="2">
-                <a:schemeClr val="accent1">
-                  <a:shade val="50000"/>
-                </a:schemeClr>
-              </a:lnRef>
-              <a:fillRef idx="1">
-                <a:schemeClr val="accent1"/>
-              </a:fillRef>
-              <a:effectRef idx="0">
-                <a:schemeClr val="accent1"/>
-              </a:effectRef>
-              <a:fontRef idx="minor">
-                <a:schemeClr val="lt1"/>
-              </a:fontRef>
-            </p:style>
-            <p:txBody>
-              <a:bodyPr rtlCol="0" anchor="ctr"/>
-              <a:lstStyle/>
-              <a:p>
-                <a:pPr algn="ctr"/>
-                <a:endParaRPr lang="en-SG"/>
-              </a:p>
-            </p:txBody>
-          </p:sp>
-        </p:grpSp>
         <p:sp>
           <p:nvSpPr>
-            <p:cNvPr id="2" name="TextBox 1"/>
+            <p:cNvPr id="4" name="Rectangle 3"/>
+            <p:cNvSpPr/>
+            <p:nvPr/>
+          </p:nvSpPr>
+          <p:spPr>
+            <a:xfrm>
+              <a:off x="1031846" y="335560"/>
+              <a:ext cx="9000000" cy="5400000"/>
+            </a:xfrm>
+            <a:prstGeom prst="rect">
+              <a:avLst/>
+            </a:prstGeom>
+            <a:noFill/>
+            <a:ln>
+              <a:solidFill>
+                <a:schemeClr val="tx1"/>
+              </a:solidFill>
+            </a:ln>
+          </p:spPr>
+          <p:style>
+            <a:lnRef idx="2">
+              <a:schemeClr val="accent1">
+                <a:shade val="50000"/>
+              </a:schemeClr>
+            </a:lnRef>
+            <a:fillRef idx="1">
+              <a:schemeClr val="accent1"/>
+            </a:fillRef>
+            <a:effectRef idx="0">
+              <a:schemeClr val="accent1"/>
+            </a:effectRef>
+            <a:fontRef idx="minor">
+              <a:schemeClr val="lt1"/>
+            </a:fontRef>
+          </p:style>
+          <p:txBody>
+            <a:bodyPr rtlCol="0" anchor="ctr"/>
+            <a:lstStyle/>
+            <a:p>
+              <a:pPr algn="ctr"/>
+              <a:endParaRPr lang="en-SG" dirty="0">
+                <a:solidFill>
+                  <a:schemeClr val="accent2">
+                    <a:lumMod val="75000"/>
+                  </a:schemeClr>
+                </a:solidFill>
+              </a:endParaRPr>
+            </a:p>
+          </p:txBody>
+        </p:sp>
+        <p:sp>
+          <p:nvSpPr>
+            <p:cNvPr id="5" name="TextBox 4"/>
             <p:cNvSpPr txBox="1"/>
             <p:nvPr/>
           </p:nvSpPr>
           <p:spPr>
             <a:xfrm>
-              <a:off x="1887522" y="4991450"/>
-              <a:ext cx="2676090" cy="307777"/>
+              <a:off x="1031846" y="5735560"/>
+              <a:ext cx="4163319" cy="400110"/>
             </a:xfrm>
             <a:prstGeom prst="rect">
               <a:avLst/>
@@ -3091,29 +3053,90 @@
             <a:noFill/>
           </p:spPr>
           <p:txBody>
-            <a:bodyPr wrap="square" rtlCol="0">
+            <a:bodyPr wrap="none" rtlCol="0">
               <a:spAutoFit/>
             </a:bodyPr>
             <a:lstStyle/>
             <a:p>
               <a:r>
-                <a:rPr lang="en-SG" sz="1400" dirty="0">
+                <a:rPr lang="en-SG" sz="2000" dirty="0">
                   <a:solidFill>
-                    <a:schemeClr val="accent1"/>
+                    <a:schemeClr val="accent6">
+                      <a:lumMod val="75000"/>
+                    </a:schemeClr>
                   </a:solidFill>
-                  <a:latin typeface="Franklin Gothic Medium Cond" panose="020B0606030402020204" pitchFamily="34" charset="0"/>
-                  <a:cs typeface="Times New Roman" panose="02020603050405020304" pitchFamily="18" charset="0"/>
+                  <a:latin typeface="Eras Light ITC" panose="020B0402030504020804" pitchFamily="34" charset="0"/>
                 </a:rPr>
                 <a:t>Figure 1: Downloading linenux.jar file</a:t>
               </a:r>
             </a:p>
           </p:txBody>
         </p:sp>
+        <p:cxnSp>
+          <p:nvCxnSpPr>
+            <p:cNvPr id="9" name="Straight Connector 8"/>
+            <p:cNvCxnSpPr/>
+            <p:nvPr/>
+          </p:nvCxnSpPr>
+          <p:spPr>
+            <a:xfrm>
+              <a:off x="1031846" y="335560"/>
+              <a:ext cx="9000000" cy="5400000"/>
+            </a:xfrm>
+            <a:prstGeom prst="line">
+              <a:avLst/>
+            </a:prstGeom>
+          </p:spPr>
+          <p:style>
+            <a:lnRef idx="1">
+              <a:schemeClr val="accent2"/>
+            </a:lnRef>
+            <a:fillRef idx="0">
+              <a:schemeClr val="accent2"/>
+            </a:fillRef>
+            <a:effectRef idx="0">
+              <a:schemeClr val="accent2"/>
+            </a:effectRef>
+            <a:fontRef idx="minor">
+              <a:schemeClr val="tx1"/>
+            </a:fontRef>
+          </p:style>
+        </p:cxnSp>
+        <p:cxnSp>
+          <p:nvCxnSpPr>
+            <p:cNvPr id="11" name="Straight Connector 10"/>
+            <p:cNvCxnSpPr/>
+            <p:nvPr/>
+          </p:nvCxnSpPr>
+          <p:spPr>
+            <a:xfrm flipV="1">
+              <a:off x="1031846" y="335560"/>
+              <a:ext cx="9000000" cy="5400000"/>
+            </a:xfrm>
+            <a:prstGeom prst="line">
+              <a:avLst/>
+            </a:prstGeom>
+          </p:spPr>
+          <p:style>
+            <a:lnRef idx="1">
+              <a:schemeClr val="accent2"/>
+            </a:lnRef>
+            <a:fillRef idx="0">
+              <a:schemeClr val="accent2"/>
+            </a:fillRef>
+            <a:effectRef idx="0">
+              <a:schemeClr val="accent2"/>
+            </a:effectRef>
+            <a:fontRef idx="minor">
+              <a:schemeClr val="tx1"/>
+            </a:fontRef>
+          </p:style>
+        </p:cxnSp>
       </p:grpSp>
     </p:spTree>
     <p:extLst>
       <p:ext uri="{BB962C8B-B14F-4D97-AF65-F5344CB8AC3E}">
-        <p14:creationId xmlns:p14="http://schemas.microsoft.com/office/powerpoint/2010/main" val="2276232894"/>
+        <p14:creationId xmlns:p14="http://schemas.microsoft.com/office/powerpoint/2010/main" val="400309735"/>
       </p:ext>
     </p:extLst>
   </p:cSld>
@@ -3142,56 +3165,21 @@
       </p:grpSpPr>
       <p:grpSp>
         <p:nvGrpSpPr>
-          <p:cNvPr id="6" name="Group 5"/>
+          <p:cNvPr id="14" name="Group 13"/>
           <p:cNvGrpSpPr/>
           <p:nvPr/>
         </p:nvGrpSpPr>
         <p:grpSpPr>
           <a:xfrm>
-            <a:off x="1745342" y="424206"/>
-            <a:ext cx="9014832" cy="5089502"/>
-            <a:chOff x="1745342" y="424206"/>
-            <a:chExt cx="9014832" cy="5089502"/>
+            <a:off x="1031846" y="335560"/>
+            <a:ext cx="9001386" cy="5800110"/>
+            <a:chOff x="1031846" y="335560"/>
+            <a:chExt cx="9001386" cy="5800110"/>
           </a:xfrm>
         </p:grpSpPr>
-        <p:sp>
-          <p:nvSpPr>
-            <p:cNvPr id="3" name="TextBox 2"/>
-            <p:cNvSpPr txBox="1"/>
-            <p:nvPr/>
-          </p:nvSpPr>
-          <p:spPr>
-            <a:xfrm>
-              <a:off x="1745342" y="5205931"/>
-              <a:ext cx="2676090" cy="307777"/>
-            </a:xfrm>
-            <a:prstGeom prst="rect">
-              <a:avLst/>
-            </a:prstGeom>
-            <a:noFill/>
-          </p:spPr>
-          <p:txBody>
-            <a:bodyPr wrap="square" rtlCol="0">
-              <a:spAutoFit/>
-            </a:bodyPr>
-            <a:lstStyle/>
-            <a:p>
-              <a:r>
-                <a:rPr lang="en-SG" sz="1400" dirty="0">
-                  <a:solidFill>
-                    <a:schemeClr val="accent1"/>
-                  </a:solidFill>
-                  <a:latin typeface="Franklin Gothic Medium Cond" panose="020B0606030402020204" pitchFamily="34" charset="0"/>
-                  <a:cs typeface="Times New Roman" panose="02020603050405020304" pitchFamily="18" charset="0"/>
-                </a:rPr>
-                <a:t>Figure 2: Linenux’s main window</a:t>
-              </a:r>
-            </a:p>
-          </p:txBody>
-        </p:sp>
         <p:pic>
           <p:nvPicPr>
-            <p:cNvPr id="5" name="Picture 4"/>
+            <p:cNvPr id="4" name="Picture 3"/>
             <p:cNvPicPr>
               <a:picLocks noChangeAspect="1"/>
             </p:cNvPicPr>
@@ -3199,408 +3187,29 @@
           </p:nvPicPr>
           <p:blipFill rotWithShape="1">
             <a:blip r:embed="rId2"/>
-            <a:srcRect b="5701"/>
+            <a:srcRect b="3670"/>
             <a:stretch/>
           </p:blipFill>
           <p:spPr>
             <a:xfrm>
-              <a:off x="1745342" y="424206"/>
-              <a:ext cx="9014832" cy="4781725"/>
+              <a:off x="1031846" y="335560"/>
+              <a:ext cx="9001386" cy="5400000"/>
             </a:xfrm>
             <a:prstGeom prst="rect">
               <a:avLst/>
             </a:prstGeom>
-            <a:ln>
-              <a:solidFill>
-                <a:schemeClr val="tx1"/>
-              </a:solidFill>
-            </a:ln>
           </p:spPr>
         </p:pic>
-      </p:grpSp>
-    </p:spTree>
-    <p:extLst>
-      <p:ext uri="{BB962C8B-B14F-4D97-AF65-F5344CB8AC3E}">
-        <p14:creationId xmlns:p14="http://schemas.microsoft.com/office/powerpoint/2010/main" val="2496238807"/>
-      </p:ext>
-    </p:extLst>
-  </p:cSld>
-  <p:clrMapOvr>
-    <a:masterClrMapping/>
-  </p:clrMapOvr>
-</p:sld>
-</file>
-
-<file path=ppt/slides/slide3.xml><?xml version="1.0" encoding="utf-8"?>
-<p:sld xmlns:a="http://schemas.openxmlformats.org/drawingml/2006/main" xmlns:r="http://schemas.openxmlformats.org/officeDocument/2006/relationships" xmlns:p="http://schemas.openxmlformats.org/presentationml/2006/main">
-  <p:cSld>
-    <p:spTree>
-      <p:nvGrpSpPr>
-        <p:cNvPr id="1" name=""/>
-        <p:cNvGrpSpPr/>
-        <p:nvPr/>
-      </p:nvGrpSpPr>
-      <p:grpSpPr>
-        <a:xfrm>
-          <a:off x="0" y="0"/>
-          <a:ext cx="0" cy="0"/>
-          <a:chOff x="0" y="0"/>
-          <a:chExt cx="0" cy="0"/>
-        </a:xfrm>
-      </p:grpSpPr>
-      <p:grpSp>
-        <p:nvGrpSpPr>
-          <p:cNvPr id="14" name="Group 13"/>
-          <p:cNvGrpSpPr/>
-          <p:nvPr/>
-        </p:nvGrpSpPr>
-        <p:grpSpPr>
-          <a:xfrm>
-            <a:off x="2223081" y="1459684"/>
-            <a:ext cx="6493080" cy="3629818"/>
-            <a:chOff x="2223081" y="1459684"/>
-            <a:chExt cx="6493080" cy="3629818"/>
-          </a:xfrm>
-        </p:grpSpPr>
         <p:sp>
           <p:nvSpPr>
-            <p:cNvPr id="2" name="Rectangle 1"/>
-            <p:cNvSpPr/>
-            <p:nvPr/>
-          </p:nvSpPr>
-          <p:spPr>
-            <a:xfrm>
-              <a:off x="2223082" y="1459684"/>
-              <a:ext cx="6493079" cy="3322041"/>
-            </a:xfrm>
-            <a:prstGeom prst="rect">
-              <a:avLst/>
-            </a:prstGeom>
-            <a:solidFill>
-              <a:schemeClr val="tx2">
-                <a:lumMod val="60000"/>
-                <a:lumOff val="40000"/>
-              </a:schemeClr>
-            </a:solidFill>
-            <a:ln>
-              <a:noFill/>
-            </a:ln>
-          </p:spPr>
-          <p:style>
-            <a:lnRef idx="2">
-              <a:schemeClr val="accent1">
-                <a:shade val="50000"/>
-              </a:schemeClr>
-            </a:lnRef>
-            <a:fillRef idx="1">
-              <a:schemeClr val="accent1"/>
-            </a:fillRef>
-            <a:effectRef idx="0">
-              <a:schemeClr val="accent1"/>
-            </a:effectRef>
-            <a:fontRef idx="minor">
-              <a:schemeClr val="lt1"/>
-            </a:fontRef>
-          </p:style>
-          <p:txBody>
-            <a:bodyPr rtlCol="0" anchor="ctr"/>
-            <a:lstStyle/>
-            <a:p>
-              <a:pPr algn="ctr"/>
-              <a:endParaRPr lang="en-SG"/>
-            </a:p>
-          </p:txBody>
-        </p:sp>
-        <p:sp>
-          <p:nvSpPr>
-            <p:cNvPr id="3" name="Rectangle 2"/>
-            <p:cNvSpPr/>
-            <p:nvPr/>
-          </p:nvSpPr>
-          <p:spPr>
-            <a:xfrm>
-              <a:off x="2223082" y="4286774"/>
-              <a:ext cx="6493079" cy="494951"/>
-            </a:xfrm>
-            <a:prstGeom prst="rect">
-              <a:avLst/>
-            </a:prstGeom>
-            <a:solidFill>
-              <a:schemeClr val="tx2">
-                <a:lumMod val="40000"/>
-                <a:lumOff val="60000"/>
-              </a:schemeClr>
-            </a:solidFill>
-            <a:ln>
-              <a:noFill/>
-            </a:ln>
-          </p:spPr>
-          <p:style>
-            <a:lnRef idx="2">
-              <a:schemeClr val="accent1">
-                <a:shade val="50000"/>
-              </a:schemeClr>
-            </a:lnRef>
-            <a:fillRef idx="1">
-              <a:schemeClr val="accent1"/>
-            </a:fillRef>
-            <a:effectRef idx="0">
-              <a:schemeClr val="accent1"/>
-            </a:effectRef>
-            <a:fontRef idx="minor">
-              <a:schemeClr val="lt1"/>
-            </a:fontRef>
-          </p:style>
-          <p:txBody>
-            <a:bodyPr rtlCol="0" anchor="ctr"/>
-            <a:lstStyle/>
-            <a:p>
-              <a:pPr algn="ctr"/>
-              <a:endParaRPr lang="en-SG" dirty="0"/>
-            </a:p>
-          </p:txBody>
-        </p:sp>
-        <p:sp>
-          <p:nvSpPr>
-            <p:cNvPr id="4" name="Rectangle: Rounded Corners 3"/>
-            <p:cNvSpPr/>
-            <p:nvPr/>
-          </p:nvSpPr>
-          <p:spPr>
-            <a:xfrm>
-              <a:off x="2382473" y="1652631"/>
-              <a:ext cx="1359017" cy="2508308"/>
-            </a:xfrm>
-            <a:prstGeom prst="roundRect">
-              <a:avLst/>
-            </a:prstGeom>
-            <a:solidFill>
-              <a:schemeClr val="accent2">
-                <a:lumMod val="20000"/>
-                <a:lumOff val="80000"/>
-              </a:schemeClr>
-            </a:solidFill>
-            <a:ln>
-              <a:noFill/>
-            </a:ln>
-          </p:spPr>
-          <p:style>
-            <a:lnRef idx="2">
-              <a:schemeClr val="accent1">
-                <a:shade val="50000"/>
-              </a:schemeClr>
-            </a:lnRef>
-            <a:fillRef idx="1">
-              <a:schemeClr val="accent1"/>
-            </a:fillRef>
-            <a:effectRef idx="0">
-              <a:schemeClr val="accent1"/>
-            </a:effectRef>
-            <a:fontRef idx="minor">
-              <a:schemeClr val="lt1"/>
-            </a:fontRef>
-          </p:style>
-          <p:txBody>
-            <a:bodyPr rtlCol="0" anchor="ctr"/>
-            <a:lstStyle/>
-            <a:p>
-              <a:pPr algn="ctr"/>
-              <a:endParaRPr lang="en-SG"/>
-            </a:p>
-          </p:txBody>
-        </p:sp>
-        <p:sp>
-          <p:nvSpPr>
-            <p:cNvPr id="5" name="Rectangle: Rounded Corners 4"/>
-            <p:cNvSpPr/>
-            <p:nvPr/>
-          </p:nvSpPr>
-          <p:spPr>
-            <a:xfrm>
-              <a:off x="3977780" y="1652631"/>
-              <a:ext cx="1359017" cy="2508308"/>
-            </a:xfrm>
-            <a:prstGeom prst="roundRect">
-              <a:avLst/>
-            </a:prstGeom>
-            <a:solidFill>
-              <a:schemeClr val="accent1">
-                <a:lumMod val="20000"/>
-                <a:lumOff val="80000"/>
-              </a:schemeClr>
-            </a:solidFill>
-            <a:ln>
-              <a:noFill/>
-            </a:ln>
-          </p:spPr>
-          <p:style>
-            <a:lnRef idx="2">
-              <a:schemeClr val="accent1">
-                <a:shade val="50000"/>
-              </a:schemeClr>
-            </a:lnRef>
-            <a:fillRef idx="1">
-              <a:schemeClr val="accent1"/>
-            </a:fillRef>
-            <a:effectRef idx="0">
-              <a:schemeClr val="accent1"/>
-            </a:effectRef>
-            <a:fontRef idx="minor">
-              <a:schemeClr val="lt1"/>
-            </a:fontRef>
-          </p:style>
-          <p:txBody>
-            <a:bodyPr rtlCol="0" anchor="ctr"/>
-            <a:lstStyle/>
-            <a:p>
-              <a:pPr algn="ctr"/>
-              <a:endParaRPr lang="en-SG"/>
-            </a:p>
-          </p:txBody>
-        </p:sp>
-        <p:sp>
-          <p:nvSpPr>
-            <p:cNvPr id="6" name="Rectangle: Rounded Corners 5"/>
-            <p:cNvSpPr/>
-            <p:nvPr/>
-          </p:nvSpPr>
-          <p:spPr>
-            <a:xfrm>
-              <a:off x="5573087" y="1652631"/>
-              <a:ext cx="1359017" cy="2508308"/>
-            </a:xfrm>
-            <a:prstGeom prst="roundRect">
-              <a:avLst/>
-            </a:prstGeom>
-            <a:solidFill>
-              <a:schemeClr val="accent6">
-                <a:lumMod val="20000"/>
-                <a:lumOff val="80000"/>
-              </a:schemeClr>
-            </a:solidFill>
-            <a:ln>
-              <a:noFill/>
-            </a:ln>
-          </p:spPr>
-          <p:style>
-            <a:lnRef idx="2">
-              <a:schemeClr val="accent1">
-                <a:shade val="50000"/>
-              </a:schemeClr>
-            </a:lnRef>
-            <a:fillRef idx="1">
-              <a:schemeClr val="accent1"/>
-            </a:fillRef>
-            <a:effectRef idx="0">
-              <a:schemeClr val="accent1"/>
-            </a:effectRef>
-            <a:fontRef idx="minor">
-              <a:schemeClr val="lt1"/>
-            </a:fontRef>
-          </p:style>
-          <p:txBody>
-            <a:bodyPr rtlCol="0" anchor="ctr"/>
-            <a:lstStyle/>
-            <a:p>
-              <a:pPr algn="ctr"/>
-              <a:endParaRPr lang="en-SG" dirty="0"/>
-            </a:p>
-          </p:txBody>
-        </p:sp>
-        <p:sp>
-          <p:nvSpPr>
-            <p:cNvPr id="7" name="Rectangle: Rounded Corners 6"/>
-            <p:cNvSpPr/>
-            <p:nvPr/>
-          </p:nvSpPr>
-          <p:spPr>
-            <a:xfrm>
-              <a:off x="7168394" y="1652631"/>
-              <a:ext cx="1359017" cy="2508308"/>
-            </a:xfrm>
-            <a:prstGeom prst="roundRect">
-              <a:avLst/>
-            </a:prstGeom>
-            <a:solidFill>
-              <a:schemeClr val="accent4">
-                <a:lumMod val="20000"/>
-                <a:lumOff val="80000"/>
-              </a:schemeClr>
-            </a:solidFill>
-            <a:ln>
-              <a:noFill/>
-            </a:ln>
-          </p:spPr>
-          <p:style>
-            <a:lnRef idx="2">
-              <a:schemeClr val="accent1">
-                <a:shade val="50000"/>
-              </a:schemeClr>
-            </a:lnRef>
-            <a:fillRef idx="1">
-              <a:schemeClr val="accent1"/>
-            </a:fillRef>
-            <a:effectRef idx="0">
-              <a:schemeClr val="accent1"/>
-            </a:effectRef>
-            <a:fontRef idx="minor">
-              <a:schemeClr val="lt1"/>
-            </a:fontRef>
-          </p:style>
-          <p:txBody>
-            <a:bodyPr rtlCol="0" anchor="ctr"/>
-            <a:lstStyle/>
-            <a:p>
-              <a:pPr algn="ctr"/>
-              <a:endParaRPr lang="en-SG" dirty="0"/>
-            </a:p>
-          </p:txBody>
-        </p:sp>
-        <p:sp>
-          <p:nvSpPr>
-            <p:cNvPr id="8" name="TextBox 7"/>
+            <p:cNvPr id="5" name="TextBox 4"/>
             <p:cNvSpPr txBox="1"/>
             <p:nvPr/>
           </p:nvSpPr>
           <p:spPr>
             <a:xfrm>
-              <a:off x="2223081" y="4781725"/>
-              <a:ext cx="2676090" cy="307777"/>
-            </a:xfrm>
-            <a:prstGeom prst="rect">
-              <a:avLst/>
-            </a:prstGeom>
-            <a:noFill/>
-          </p:spPr>
-          <p:txBody>
-            <a:bodyPr wrap="square" rtlCol="0">
-              <a:spAutoFit/>
-            </a:bodyPr>
-            <a:lstStyle/>
-            <a:p>
-              <a:r>
-                <a:rPr lang="en-SG" sz="1400" dirty="0">
-                  <a:solidFill>
-                    <a:schemeClr val="accent1"/>
-                  </a:solidFill>
-                  <a:latin typeface="Franklin Gothic Medium Cond" panose="020B0606030402020204" pitchFamily="34" charset="0"/>
-                  <a:cs typeface="Times New Roman" panose="02020603050405020304" pitchFamily="18" charset="0"/>
-                </a:rPr>
-                <a:t>Figure 3: Main Window Diagram</a:t>
-              </a:r>
-            </a:p>
-          </p:txBody>
-        </p:sp>
-        <p:sp>
-          <p:nvSpPr>
-            <p:cNvPr id="9" name="TextBox 8"/>
-            <p:cNvSpPr txBox="1"/>
-            <p:nvPr/>
-          </p:nvSpPr>
-          <p:spPr>
-            <a:xfrm>
-              <a:off x="4668760" y="4349475"/>
-              <a:ext cx="1601721" cy="369332"/>
+              <a:off x="1031846" y="5735560"/>
+              <a:ext cx="3894015" cy="400110"/>
             </a:xfrm>
             <a:prstGeom prst="rect">
               <a:avLst/>
@@ -3614,27 +3223,27 @@
             <a:lstStyle/>
             <a:p>
               <a:r>
-                <a:rPr lang="en-SG" dirty="0">
+                <a:rPr lang="en-SG" sz="2000" dirty="0">
                   <a:solidFill>
-                    <a:schemeClr val="bg1"/>
+                    <a:schemeClr val="accent1"/>
                   </a:solidFill>
-                  <a:latin typeface="AR JULIAN" panose="02000000000000000000" pitchFamily="2" charset="0"/>
+                  <a:latin typeface="Eras Light ITC" panose="020B0402030504020804" pitchFamily="34" charset="0"/>
                 </a:rPr>
-                <a:t>Command Box</a:t>
+                <a:t>Figure 2: Main Window of Linenux</a:t>
               </a:r>
             </a:p>
           </p:txBody>
         </p:sp>
         <p:sp>
           <p:nvSpPr>
-            <p:cNvPr id="10" name="TextBox 9"/>
+            <p:cNvPr id="6" name="TextBox 5"/>
             <p:cNvSpPr txBox="1"/>
             <p:nvPr/>
           </p:nvSpPr>
           <p:spPr>
             <a:xfrm>
-              <a:off x="2508307" y="2768203"/>
-              <a:ext cx="1107347" cy="276999"/>
+              <a:off x="1031846" y="2294281"/>
+              <a:ext cx="1066318" cy="307777"/>
             </a:xfrm>
             <a:prstGeom prst="rect">
               <a:avLst/>
@@ -3642,19 +3251,17 @@
             <a:noFill/>
           </p:spPr>
           <p:txBody>
-            <a:bodyPr wrap="square" rtlCol="0">
+            <a:bodyPr wrap="none" rtlCol="0">
               <a:spAutoFit/>
             </a:bodyPr>
             <a:lstStyle/>
             <a:p>
               <a:r>
-                <a:rPr lang="en-SG" sz="1200" dirty="0">
+                <a:rPr lang="en-SG" sz="1400" dirty="0">
                   <a:solidFill>
-                    <a:schemeClr val="bg2">
-                      <a:lumMod val="25000"/>
-                    </a:schemeClr>
+                    <a:schemeClr val="bg1"/>
                   </a:solidFill>
-                  <a:latin typeface="AR JULIAN" panose="02000000000000000000" pitchFamily="2" charset="0"/>
+                  <a:latin typeface="Eras Light ITC" panose="020B0402030504020804" pitchFamily="34" charset="0"/>
                 </a:rPr>
                 <a:t>To-do Panel</a:t>
               </a:r>
@@ -3663,14 +3270,14 @@
         </p:sp>
         <p:sp>
           <p:nvSpPr>
-            <p:cNvPr id="11" name="TextBox 10"/>
+            <p:cNvPr id="7" name="TextBox 6"/>
             <p:cNvSpPr txBox="1"/>
             <p:nvPr/>
           </p:nvSpPr>
           <p:spPr>
             <a:xfrm>
-              <a:off x="4009238" y="2768204"/>
-              <a:ext cx="1296099" cy="276999"/>
+              <a:off x="4011063" y="2294281"/>
+              <a:ext cx="1305165" cy="307777"/>
             </a:xfrm>
             <a:prstGeom prst="rect">
               <a:avLst/>
@@ -3678,21 +3285,125 @@
             <a:noFill/>
           </p:spPr>
           <p:txBody>
-            <a:bodyPr wrap="square" rtlCol="0">
+            <a:bodyPr wrap="none" rtlCol="0">
               <a:spAutoFit/>
             </a:bodyPr>
             <a:lstStyle/>
             <a:p>
               <a:r>
-                <a:rPr lang="en-SG" sz="1200" dirty="0">
+                <a:rPr lang="en-SG" sz="1400" dirty="0">
                   <a:solidFill>
-                    <a:schemeClr val="bg2">
-                      <a:lumMod val="25000"/>
-                    </a:schemeClr>
+                    <a:schemeClr val="bg1"/>
                   </a:solidFill>
-                  <a:latin typeface="AR JULIAN" panose="02000000000000000000" pitchFamily="2" charset="0"/>
+                  <a:latin typeface="Eras Light ITC" panose="020B0402030504020804" pitchFamily="34" charset="0"/>
                 </a:rPr>
                 <a:t>Deadline Panel</a:t>
+              </a:r>
+            </a:p>
+          </p:txBody>
+        </p:sp>
+        <p:cxnSp>
+          <p:nvCxnSpPr>
+            <p:cNvPr id="9" name="Straight Connector 8"/>
+            <p:cNvCxnSpPr/>
+            <p:nvPr/>
+          </p:nvCxnSpPr>
+          <p:spPr>
+            <a:xfrm>
+              <a:off x="3969391" y="453006"/>
+              <a:ext cx="0" cy="4051882"/>
+            </a:xfrm>
+            <a:prstGeom prst="line">
+              <a:avLst/>
+            </a:prstGeom>
+            <a:ln>
+              <a:solidFill>
+                <a:schemeClr val="bg1"/>
+              </a:solidFill>
+              <a:prstDash val="dash"/>
+            </a:ln>
+          </p:spPr>
+          <p:style>
+            <a:lnRef idx="1">
+              <a:schemeClr val="accent1"/>
+            </a:lnRef>
+            <a:fillRef idx="0">
+              <a:schemeClr val="accent1"/>
+            </a:fillRef>
+            <a:effectRef idx="0">
+              <a:schemeClr val="accent1"/>
+            </a:effectRef>
+            <a:fontRef idx="minor">
+              <a:schemeClr val="tx1"/>
+            </a:fontRef>
+          </p:style>
+        </p:cxnSp>
+        <p:cxnSp>
+          <p:nvCxnSpPr>
+            <p:cNvPr id="10" name="Straight Connector 9"/>
+            <p:cNvCxnSpPr/>
+            <p:nvPr/>
+          </p:nvCxnSpPr>
+          <p:spPr>
+            <a:xfrm>
+              <a:off x="7007604" y="453006"/>
+              <a:ext cx="0" cy="4051882"/>
+            </a:xfrm>
+            <a:prstGeom prst="line">
+              <a:avLst/>
+            </a:prstGeom>
+            <a:ln>
+              <a:solidFill>
+                <a:schemeClr val="bg1"/>
+              </a:solidFill>
+              <a:prstDash val="dash"/>
+            </a:ln>
+          </p:spPr>
+          <p:style>
+            <a:lnRef idx="1">
+              <a:schemeClr val="accent1"/>
+            </a:lnRef>
+            <a:fillRef idx="0">
+              <a:schemeClr val="accent1"/>
+            </a:fillRef>
+            <a:effectRef idx="0">
+              <a:schemeClr val="accent1"/>
+            </a:effectRef>
+            <a:fontRef idx="minor">
+              <a:schemeClr val="tx1"/>
+            </a:fontRef>
+          </p:style>
+        </p:cxnSp>
+        <p:sp>
+          <p:nvSpPr>
+            <p:cNvPr id="11" name="TextBox 10"/>
+            <p:cNvSpPr txBox="1"/>
+            <p:nvPr/>
+          </p:nvSpPr>
+          <p:spPr>
+            <a:xfrm>
+              <a:off x="7049275" y="2294281"/>
+              <a:ext cx="1051891" cy="307777"/>
+            </a:xfrm>
+            <a:prstGeom prst="rect">
+              <a:avLst/>
+            </a:prstGeom>
+            <a:noFill/>
+          </p:spPr>
+          <p:txBody>
+            <a:bodyPr wrap="none" rtlCol="0">
+              <a:spAutoFit/>
+            </a:bodyPr>
+            <a:lstStyle/>
+            <a:p>
+              <a:r>
+                <a:rPr lang="en-SG" sz="1400" dirty="0">
+                  <a:solidFill>
+                    <a:schemeClr val="bg1"/>
+                  </a:solidFill>
+                  <a:latin typeface="Eras Light ITC" panose="020B0402030504020804" pitchFamily="34" charset="0"/>
+                </a:rPr>
+                <a:t>Event Panel</a:t>
               </a:r>
             </a:p>
           </p:txBody>
@@ -3705,8 +3416,8 @@
           </p:nvSpPr>
           <p:spPr>
             <a:xfrm>
-              <a:off x="5714999" y="2759733"/>
-              <a:ext cx="1075192" cy="276999"/>
+              <a:off x="1031846" y="4843279"/>
+              <a:ext cx="1167307" cy="307777"/>
             </a:xfrm>
             <a:prstGeom prst="rect">
               <a:avLst/>
@@ -3714,21 +3425,19 @@
             <a:noFill/>
           </p:spPr>
           <p:txBody>
-            <a:bodyPr wrap="square" rtlCol="0">
+            <a:bodyPr wrap="none" rtlCol="0">
               <a:spAutoFit/>
             </a:bodyPr>
             <a:lstStyle/>
             <a:p>
               <a:r>
-                <a:rPr lang="en-SG" sz="1200" dirty="0">
+                <a:rPr lang="en-SG" sz="1400" dirty="0">
                   <a:solidFill>
-                    <a:schemeClr val="bg2">
-                      <a:lumMod val="25000"/>
-                    </a:schemeClr>
+                    <a:schemeClr val="bg1"/>
                   </a:solidFill>
-                  <a:latin typeface="AR JULIAN" panose="02000000000000000000" pitchFamily="2" charset="0"/>
+                  <a:latin typeface="Eras Light ITC" panose="020B0402030504020804" pitchFamily="34" charset="0"/>
                 </a:rPr>
-                <a:t>Event Panel</a:t>
+                <a:t>Display Panel</a:t>
               </a:r>
             </a:p>
           </p:txBody>
@@ -3741,8 +3450,8 @@
           </p:nvSpPr>
           <p:spPr>
             <a:xfrm>
-              <a:off x="7239350" y="2768203"/>
-              <a:ext cx="1217104" cy="276999"/>
+              <a:off x="1031846" y="5491287"/>
+              <a:ext cx="1303562" cy="307777"/>
             </a:xfrm>
             <a:prstGeom prst="rect">
               <a:avLst/>
@@ -3750,21 +3459,19 @@
             <a:noFill/>
           </p:spPr>
           <p:txBody>
-            <a:bodyPr wrap="square" rtlCol="0">
+            <a:bodyPr wrap="none" rtlCol="0">
               <a:spAutoFit/>
             </a:bodyPr>
             <a:lstStyle/>
             <a:p>
               <a:r>
-                <a:rPr lang="en-SG" sz="1200" dirty="0">
+                <a:rPr lang="en-SG" sz="1400" dirty="0">
                   <a:solidFill>
-                    <a:schemeClr val="bg2">
-                      <a:lumMod val="25000"/>
-                    </a:schemeClr>
+                    <a:schemeClr val="bg1"/>
                   </a:solidFill>
-                  <a:latin typeface="AR JULIAN" panose="02000000000000000000" pitchFamily="2" charset="0"/>
+                  <a:latin typeface="Eras Light ITC" panose="020B0402030504020804" pitchFamily="34" charset="0"/>
                 </a:rPr>
-                <a:t>Display Panel</a:t>
+                <a:t>Command Box</a:t>
               </a:r>
             </a:p>
           </p:txBody>
@@ -3773,7 +3480,7 @@
     </p:spTree>
     <p:extLst>
       <p:ext uri="{BB962C8B-B14F-4D97-AF65-F5344CB8AC3E}">
-        <p14:creationId xmlns:p14="http://schemas.microsoft.com/office/powerpoint/2010/main" val="166592964"/>
+        <p14:creationId xmlns:p14="http://schemas.microsoft.com/office/powerpoint/2010/main" val="3842203454"/>
       </p:ext>
     </p:extLst>
   </p:cSld>

--- a/doc/UserGuide.pptx
+++ b/doc/UserGuide.pptx
@@ -3045,7 +3045,7 @@
           <p:spPr>
             <a:xfrm>
               <a:off x="1031846" y="5735560"/>
-              <a:ext cx="4163319" cy="400110"/>
+              <a:ext cx="4445448" cy="400110"/>
             </a:xfrm>
             <a:prstGeom prst="rect">
               <a:avLst/>
@@ -3061,11 +3061,9 @@
               <a:r>
                 <a:rPr lang="en-SG" sz="2000" dirty="0">
                   <a:solidFill>
-                    <a:schemeClr val="accent6">
-                      <a:lumMod val="75000"/>
-                    </a:schemeClr>
+                    <a:schemeClr val="accent1"/>
                   </a:solidFill>
-                  <a:latin typeface="Eras Light ITC" panose="020B0402030504020804" pitchFamily="34" charset="0"/>
+                  <a:latin typeface="Eras Medium ITC" panose="020B0602030504020804" pitchFamily="34" charset="0"/>
                 </a:rPr>
                 <a:t>Figure 1: Downloading linenux.jar file</a:t>
               </a:r>
@@ -3209,7 +3207,7 @@
           <p:spPr>
             <a:xfrm>
               <a:off x="1031846" y="5735560"/>
-              <a:ext cx="3894015" cy="400110"/>
+              <a:ext cx="4110421" cy="400110"/>
             </a:xfrm>
             <a:prstGeom prst="rect">
               <a:avLst/>
@@ -3227,7 +3225,7 @@
                   <a:solidFill>
                     <a:schemeClr val="accent1"/>
                   </a:solidFill>
-                  <a:latin typeface="Eras Light ITC" panose="020B0402030504020804" pitchFamily="34" charset="0"/>
+                  <a:latin typeface="Eras Medium ITC" panose="020B0602030504020804" pitchFamily="34" charset="0"/>
                 </a:rPr>
                 <a:t>Figure 2: Main Window of Linenux</a:t>
               </a:r>

--- a/doc/UserGuide.pptx
+++ b/doc/UserGuide.pptx
@@ -7,6 +7,10 @@
   <p:sldIdLst>
     <p:sldId id="259" r:id="rId2"/>
     <p:sldId id="260" r:id="rId3"/>
+    <p:sldId id="261" r:id="rId4"/>
+    <p:sldId id="262" r:id="rId5"/>
+    <p:sldId id="263" r:id="rId6"/>
+    <p:sldId id="264" r:id="rId7"/>
   </p:sldIdLst>
   <p:sldSz cx="12192000" cy="6858000"/>
   <p:notesSz cx="6858000" cy="9144000"/>
@@ -3488,6 +3492,724 @@
 </p:sld>
 </file>
 
+<file path=ppt/slides/slide3.xml><?xml version="1.0" encoding="utf-8"?>
+<p:sld xmlns:a="http://schemas.openxmlformats.org/drawingml/2006/main" xmlns:r="http://schemas.openxmlformats.org/officeDocument/2006/relationships" xmlns:p="http://schemas.openxmlformats.org/presentationml/2006/main">
+  <p:cSld>
+    <p:spTree>
+      <p:nvGrpSpPr>
+        <p:cNvPr id="1" name=""/>
+        <p:cNvGrpSpPr/>
+        <p:nvPr/>
+      </p:nvGrpSpPr>
+      <p:grpSpPr>
+        <a:xfrm>
+          <a:off x="0" y="0"/>
+          <a:ext cx="0" cy="0"/>
+          <a:chOff x="0" y="0"/>
+          <a:chExt cx="0" cy="0"/>
+        </a:xfrm>
+      </p:grpSpPr>
+      <p:grpSp>
+        <p:nvGrpSpPr>
+          <p:cNvPr id="3" name="Group 2"/>
+          <p:cNvGrpSpPr/>
+          <p:nvPr/>
+        </p:nvGrpSpPr>
+        <p:grpSpPr>
+          <a:xfrm>
+            <a:off x="1095137" y="2296516"/>
+            <a:ext cx="9000000" cy="1335201"/>
+            <a:chOff x="1095137" y="2296516"/>
+            <a:chExt cx="9000000" cy="1335201"/>
+          </a:xfrm>
+        </p:grpSpPr>
+        <p:pic>
+          <p:nvPicPr>
+            <p:cNvPr id="2" name="Picture 1"/>
+            <p:cNvPicPr>
+              <a:picLocks noChangeAspect="1"/>
+            </p:cNvPicPr>
+            <p:nvPr/>
+          </p:nvPicPr>
+          <p:blipFill rotWithShape="1">
+            <a:blip r:embed="rId2"/>
+            <a:srcRect b="81529"/>
+            <a:stretch/>
+          </p:blipFill>
+          <p:spPr>
+            <a:xfrm>
+              <a:off x="1095137" y="2296516"/>
+              <a:ext cx="9000000" cy="935091"/>
+            </a:xfrm>
+            <a:prstGeom prst="rect">
+              <a:avLst/>
+            </a:prstGeom>
+          </p:spPr>
+        </p:pic>
+        <p:sp>
+          <p:nvSpPr>
+            <p:cNvPr id="15" name="TextBox 14"/>
+            <p:cNvSpPr txBox="1"/>
+            <p:nvPr/>
+          </p:nvSpPr>
+          <p:spPr>
+            <a:xfrm>
+              <a:off x="1095137" y="3231607"/>
+              <a:ext cx="2752677" cy="400110"/>
+            </a:xfrm>
+            <a:prstGeom prst="rect">
+              <a:avLst/>
+            </a:prstGeom>
+            <a:noFill/>
+          </p:spPr>
+          <p:txBody>
+            <a:bodyPr wrap="none" rtlCol="0">
+              <a:spAutoFit/>
+            </a:bodyPr>
+            <a:lstStyle/>
+            <a:p>
+              <a:r>
+                <a:rPr lang="en-SG" sz="2000" dirty="0">
+                  <a:solidFill>
+                    <a:schemeClr val="accent1"/>
+                  </a:solidFill>
+                  <a:latin typeface="Eras Medium ITC" panose="020B0602030504020804" pitchFamily="34" charset="0"/>
+                </a:rPr>
+                <a:t>Figure 3: Adding Tasks</a:t>
+              </a:r>
+            </a:p>
+          </p:txBody>
+        </p:sp>
+      </p:grpSp>
+    </p:spTree>
+    <p:extLst>
+      <p:ext uri="{BB962C8B-B14F-4D97-AF65-F5344CB8AC3E}">
+        <p14:creationId xmlns:p14="http://schemas.microsoft.com/office/powerpoint/2010/main" val="2517992469"/>
+      </p:ext>
+    </p:extLst>
+  </p:cSld>
+  <p:clrMapOvr>
+    <a:masterClrMapping/>
+  </p:clrMapOvr>
+</p:sld>
+</file>
+
+<file path=ppt/slides/slide4.xml><?xml version="1.0" encoding="utf-8"?>
+<p:sld xmlns:a="http://schemas.openxmlformats.org/drawingml/2006/main" xmlns:r="http://schemas.openxmlformats.org/officeDocument/2006/relationships" xmlns:p="http://schemas.openxmlformats.org/presentationml/2006/main">
+  <p:cSld>
+    <p:spTree>
+      <p:nvGrpSpPr>
+        <p:cNvPr id="1" name=""/>
+        <p:cNvGrpSpPr/>
+        <p:nvPr/>
+      </p:nvGrpSpPr>
+      <p:grpSpPr>
+        <a:xfrm>
+          <a:off x="0" y="0"/>
+          <a:ext cx="0" cy="0"/>
+          <a:chOff x="0" y="0"/>
+          <a:chExt cx="0" cy="0"/>
+        </a:xfrm>
+      </p:grpSpPr>
+      <p:grpSp>
+        <p:nvGrpSpPr>
+          <p:cNvPr id="5" name="Group 4"/>
+          <p:cNvGrpSpPr/>
+          <p:nvPr/>
+        </p:nvGrpSpPr>
+        <p:grpSpPr>
+          <a:xfrm>
+            <a:off x="1095137" y="2015204"/>
+            <a:ext cx="9000000" cy="1616513"/>
+            <a:chOff x="1095137" y="2015204"/>
+            <a:chExt cx="9000000" cy="1616513"/>
+          </a:xfrm>
+        </p:grpSpPr>
+        <p:sp>
+          <p:nvSpPr>
+            <p:cNvPr id="15" name="TextBox 14"/>
+            <p:cNvSpPr txBox="1"/>
+            <p:nvPr/>
+          </p:nvSpPr>
+          <p:spPr>
+            <a:xfrm>
+              <a:off x="1095137" y="3231607"/>
+              <a:ext cx="3385863" cy="400110"/>
+            </a:xfrm>
+            <a:prstGeom prst="rect">
+              <a:avLst/>
+            </a:prstGeom>
+            <a:noFill/>
+          </p:spPr>
+          <p:txBody>
+            <a:bodyPr wrap="none" rtlCol="0">
+              <a:spAutoFit/>
+            </a:bodyPr>
+            <a:lstStyle/>
+            <a:p>
+              <a:r>
+                <a:rPr lang="en-SG" sz="2000" dirty="0">
+                  <a:solidFill>
+                    <a:schemeClr val="accent1"/>
+                  </a:solidFill>
+                  <a:latin typeface="Eras Medium ITC" panose="020B0602030504020804" pitchFamily="34" charset="0"/>
+                </a:rPr>
+                <a:t>Figure 4: Setting a Reminder</a:t>
+              </a:r>
+            </a:p>
+          </p:txBody>
+        </p:sp>
+        <p:pic>
+          <p:nvPicPr>
+            <p:cNvPr id="4" name="Picture 3"/>
+            <p:cNvPicPr>
+              <a:picLocks noChangeAspect="1"/>
+            </p:cNvPicPr>
+            <p:nvPr/>
+          </p:nvPicPr>
+          <p:blipFill rotWithShape="1">
+            <a:blip r:embed="rId2"/>
+            <a:srcRect t="72049" b="3924"/>
+            <a:stretch/>
+          </p:blipFill>
+          <p:spPr>
+            <a:xfrm>
+              <a:off x="1095137" y="2015204"/>
+              <a:ext cx="9000000" cy="1216403"/>
+            </a:xfrm>
+            <a:prstGeom prst="rect">
+              <a:avLst/>
+            </a:prstGeom>
+          </p:spPr>
+        </p:pic>
+      </p:grpSp>
+    </p:spTree>
+    <p:extLst>
+      <p:ext uri="{BB962C8B-B14F-4D97-AF65-F5344CB8AC3E}">
+        <p14:creationId xmlns:p14="http://schemas.microsoft.com/office/powerpoint/2010/main" val="3431792465"/>
+      </p:ext>
+    </p:extLst>
+  </p:cSld>
+  <p:clrMapOvr>
+    <a:masterClrMapping/>
+  </p:clrMapOvr>
+</p:sld>
+</file>
+
+<file path=ppt/slides/slide5.xml><?xml version="1.0" encoding="utf-8"?>
+<p:sld xmlns:a="http://schemas.openxmlformats.org/drawingml/2006/main" xmlns:r="http://schemas.openxmlformats.org/officeDocument/2006/relationships" xmlns:p="http://schemas.openxmlformats.org/presentationml/2006/main">
+  <p:cSld>
+    <p:spTree>
+      <p:nvGrpSpPr>
+        <p:cNvPr id="1" name=""/>
+        <p:cNvGrpSpPr/>
+        <p:nvPr/>
+      </p:nvGrpSpPr>
+      <p:grpSpPr>
+        <a:xfrm>
+          <a:off x="0" y="0"/>
+          <a:ext cx="0" cy="0"/>
+          <a:chOff x="0" y="0"/>
+          <a:chExt cx="0" cy="0"/>
+        </a:xfrm>
+      </p:grpSpPr>
+      <p:grpSp>
+        <p:nvGrpSpPr>
+          <p:cNvPr id="3" name="Group 2"/>
+          <p:cNvGrpSpPr/>
+          <p:nvPr/>
+        </p:nvGrpSpPr>
+        <p:grpSpPr>
+          <a:xfrm>
+            <a:off x="1585522" y="234723"/>
+            <a:ext cx="9001385" cy="5800110"/>
+            <a:chOff x="1585522" y="234723"/>
+            <a:chExt cx="9001385" cy="5800110"/>
+          </a:xfrm>
+        </p:grpSpPr>
+        <p:sp>
+          <p:nvSpPr>
+            <p:cNvPr id="15" name="TextBox 14"/>
+            <p:cNvSpPr txBox="1"/>
+            <p:nvPr/>
+          </p:nvSpPr>
+          <p:spPr>
+            <a:xfrm>
+              <a:off x="1585522" y="5634723"/>
+              <a:ext cx="3627916" cy="400110"/>
+            </a:xfrm>
+            <a:prstGeom prst="rect">
+              <a:avLst/>
+            </a:prstGeom>
+            <a:noFill/>
+          </p:spPr>
+          <p:txBody>
+            <a:bodyPr wrap="none" rtlCol="0">
+              <a:spAutoFit/>
+            </a:bodyPr>
+            <a:lstStyle/>
+            <a:p>
+              <a:r>
+                <a:rPr lang="en-SG" sz="2000" dirty="0">
+                  <a:solidFill>
+                    <a:schemeClr val="accent1"/>
+                  </a:solidFill>
+                  <a:latin typeface="Eras Medium ITC" panose="020B0602030504020804" pitchFamily="34" charset="0"/>
+                </a:rPr>
+                <a:t>Figure 5: Multiple Tasks Found</a:t>
+              </a:r>
+            </a:p>
+          </p:txBody>
+        </p:sp>
+        <p:pic>
+          <p:nvPicPr>
+            <p:cNvPr id="2" name="Picture 1"/>
+            <p:cNvPicPr>
+              <a:picLocks noChangeAspect="1"/>
+            </p:cNvPicPr>
+            <p:nvPr/>
+          </p:nvPicPr>
+          <p:blipFill rotWithShape="1">
+            <a:blip r:embed="rId2"/>
+            <a:srcRect b="3809"/>
+            <a:stretch/>
+          </p:blipFill>
+          <p:spPr>
+            <a:xfrm>
+              <a:off x="1585522" y="234723"/>
+              <a:ext cx="9001385" cy="5400000"/>
+            </a:xfrm>
+            <a:prstGeom prst="rect">
+              <a:avLst/>
+            </a:prstGeom>
+          </p:spPr>
+        </p:pic>
+      </p:grpSp>
+    </p:spTree>
+    <p:extLst>
+      <p:ext uri="{BB962C8B-B14F-4D97-AF65-F5344CB8AC3E}">
+        <p14:creationId xmlns:p14="http://schemas.microsoft.com/office/powerpoint/2010/main" val="3900998747"/>
+      </p:ext>
+    </p:extLst>
+  </p:cSld>
+  <p:clrMapOvr>
+    <a:masterClrMapping/>
+  </p:clrMapOvr>
+</p:sld>
+</file>
+
+<file path=ppt/slides/slide6.xml><?xml version="1.0" encoding="utf-8"?>
+<p:sld xmlns:a="http://schemas.openxmlformats.org/drawingml/2006/main" xmlns:r="http://schemas.openxmlformats.org/officeDocument/2006/relationships" xmlns:p="http://schemas.openxmlformats.org/presentationml/2006/main">
+  <p:cSld>
+    <p:spTree>
+      <p:nvGrpSpPr>
+        <p:cNvPr id="1" name=""/>
+        <p:cNvGrpSpPr/>
+        <p:nvPr/>
+      </p:nvGrpSpPr>
+      <p:grpSpPr>
+        <a:xfrm>
+          <a:off x="0" y="0"/>
+          <a:ext cx="0" cy="0"/>
+          <a:chOff x="0" y="0"/>
+          <a:chExt cx="0" cy="0"/>
+        </a:xfrm>
+      </p:grpSpPr>
+      <p:grpSp>
+        <p:nvGrpSpPr>
+          <p:cNvPr id="29" name="Group 28"/>
+          <p:cNvGrpSpPr/>
+          <p:nvPr/>
+        </p:nvGrpSpPr>
+        <p:grpSpPr>
+          <a:xfrm>
+            <a:off x="511728" y="332992"/>
+            <a:ext cx="9000000" cy="3447018"/>
+            <a:chOff x="511728" y="332992"/>
+            <a:chExt cx="9000000" cy="3447018"/>
+          </a:xfrm>
+        </p:grpSpPr>
+        <p:grpSp>
+          <p:nvGrpSpPr>
+            <p:cNvPr id="11" name="Group 10"/>
+            <p:cNvGrpSpPr/>
+            <p:nvPr/>
+          </p:nvGrpSpPr>
+          <p:grpSpPr>
+            <a:xfrm>
+              <a:off x="511728" y="332992"/>
+              <a:ext cx="9000000" cy="3025440"/>
+              <a:chOff x="511728" y="332992"/>
+              <a:chExt cx="9000000" cy="3025440"/>
+            </a:xfrm>
+          </p:grpSpPr>
+          <p:pic>
+            <p:nvPicPr>
+              <p:cNvPr id="4" name="Picture 3"/>
+              <p:cNvPicPr>
+                <a:picLocks noChangeAspect="1"/>
+              </p:cNvPicPr>
+              <p:nvPr/>
+            </p:nvPicPr>
+            <p:blipFill rotWithShape="1">
+              <a:blip r:embed="rId2"/>
+              <a:srcRect t="3266" b="82997"/>
+              <a:stretch/>
+            </p:blipFill>
+            <p:spPr>
+              <a:xfrm>
+                <a:off x="511728" y="332992"/>
+                <a:ext cx="9000000" cy="695474"/>
+              </a:xfrm>
+              <a:prstGeom prst="rect">
+                <a:avLst/>
+              </a:prstGeom>
+            </p:spPr>
+          </p:pic>
+          <p:pic>
+            <p:nvPicPr>
+              <p:cNvPr id="5" name="Picture 4"/>
+              <p:cNvPicPr>
+                <a:picLocks noChangeAspect="1"/>
+              </p:cNvPicPr>
+              <p:nvPr/>
+            </p:nvPicPr>
+            <p:blipFill rotWithShape="1">
+              <a:blip r:embed="rId3"/>
+              <a:srcRect t="6728" b="82993"/>
+              <a:stretch/>
+            </p:blipFill>
+            <p:spPr>
+              <a:xfrm>
+                <a:off x="511728" y="1028466"/>
+                <a:ext cx="9000000" cy="520374"/>
+              </a:xfrm>
+              <a:prstGeom prst="rect">
+                <a:avLst/>
+              </a:prstGeom>
+            </p:spPr>
+          </p:pic>
+          <p:pic>
+            <p:nvPicPr>
+              <p:cNvPr id="6" name="Picture 5"/>
+              <p:cNvPicPr>
+                <a:picLocks noChangeAspect="1"/>
+              </p:cNvPicPr>
+              <p:nvPr/>
+            </p:nvPicPr>
+            <p:blipFill rotWithShape="1">
+              <a:blip r:embed="rId4"/>
+              <a:srcRect t="6605" b="83120"/>
+              <a:stretch/>
+            </p:blipFill>
+            <p:spPr>
+              <a:xfrm>
+                <a:off x="511728" y="1539748"/>
+                <a:ext cx="9000000" cy="520183"/>
+              </a:xfrm>
+              <a:prstGeom prst="rect">
+                <a:avLst/>
+              </a:prstGeom>
+            </p:spPr>
+          </p:pic>
+          <p:pic>
+            <p:nvPicPr>
+              <p:cNvPr id="7" name="Picture 6"/>
+              <p:cNvPicPr>
+                <a:picLocks noChangeAspect="1"/>
+              </p:cNvPicPr>
+              <p:nvPr/>
+            </p:nvPicPr>
+            <p:blipFill rotWithShape="1">
+              <a:blip r:embed="rId5"/>
+              <a:srcRect t="6850" b="82997"/>
+              <a:stretch/>
+            </p:blipFill>
+            <p:spPr>
+              <a:xfrm>
+                <a:off x="511728" y="2059931"/>
+                <a:ext cx="9000000" cy="513992"/>
+              </a:xfrm>
+              <a:prstGeom prst="rect">
+                <a:avLst/>
+              </a:prstGeom>
+            </p:spPr>
+          </p:pic>
+          <p:pic>
+            <p:nvPicPr>
+              <p:cNvPr id="8" name="Picture 7"/>
+              <p:cNvPicPr>
+                <a:picLocks noChangeAspect="1"/>
+              </p:cNvPicPr>
+              <p:nvPr/>
+            </p:nvPicPr>
+            <p:blipFill rotWithShape="1">
+              <a:blip r:embed="rId6"/>
+              <a:srcRect t="6605" b="84882"/>
+              <a:stretch/>
+            </p:blipFill>
+            <p:spPr>
+              <a:xfrm>
+                <a:off x="511728" y="2533606"/>
+                <a:ext cx="9000000" cy="430990"/>
+              </a:xfrm>
+              <a:prstGeom prst="rect">
+                <a:avLst/>
+              </a:prstGeom>
+            </p:spPr>
+          </p:pic>
+          <p:pic>
+            <p:nvPicPr>
+              <p:cNvPr id="9" name="Picture 8"/>
+              <p:cNvPicPr>
+                <a:picLocks noChangeAspect="1"/>
+              </p:cNvPicPr>
+              <p:nvPr/>
+            </p:nvPicPr>
+            <p:blipFill rotWithShape="1">
+              <a:blip r:embed="rId7"/>
+              <a:srcRect t="6239" b="85982"/>
+              <a:stretch/>
+            </p:blipFill>
+            <p:spPr>
+              <a:xfrm>
+                <a:off x="511728" y="2964596"/>
+                <a:ext cx="9000000" cy="393836"/>
+              </a:xfrm>
+              <a:prstGeom prst="rect">
+                <a:avLst/>
+              </a:prstGeom>
+            </p:spPr>
+          </p:pic>
+        </p:grpSp>
+        <p:cxnSp>
+          <p:nvCxnSpPr>
+            <p:cNvPr id="13" name="Straight Arrow Connector 12"/>
+            <p:cNvCxnSpPr/>
+            <p:nvPr/>
+          </p:nvCxnSpPr>
+          <p:spPr>
+            <a:xfrm>
+              <a:off x="6459523" y="960379"/>
+              <a:ext cx="8389" cy="211387"/>
+            </a:xfrm>
+            <a:prstGeom prst="straightConnector1">
+              <a:avLst/>
+            </a:prstGeom>
+            <a:ln>
+              <a:solidFill>
+                <a:srgbClr val="FF0000"/>
+              </a:solidFill>
+              <a:tailEnd type="triangle"/>
+            </a:ln>
+          </p:spPr>
+          <p:style>
+            <a:lnRef idx="1">
+              <a:schemeClr val="accent1"/>
+            </a:lnRef>
+            <a:fillRef idx="0">
+              <a:schemeClr val="accent1"/>
+            </a:fillRef>
+            <a:effectRef idx="0">
+              <a:schemeClr val="accent1"/>
+            </a:effectRef>
+            <a:fontRef idx="minor">
+              <a:schemeClr val="tx1"/>
+            </a:fontRef>
+          </p:style>
+        </p:cxnSp>
+        <p:cxnSp>
+          <p:nvCxnSpPr>
+            <p:cNvPr id="16" name="Straight Arrow Connector 15"/>
+            <p:cNvCxnSpPr/>
+            <p:nvPr/>
+          </p:nvCxnSpPr>
+          <p:spPr>
+            <a:xfrm>
+              <a:off x="6451134" y="1468597"/>
+              <a:ext cx="8389" cy="211387"/>
+            </a:xfrm>
+            <a:prstGeom prst="straightConnector1">
+              <a:avLst/>
+            </a:prstGeom>
+            <a:ln>
+              <a:solidFill>
+                <a:srgbClr val="FF0000"/>
+              </a:solidFill>
+              <a:tailEnd type="triangle"/>
+            </a:ln>
+          </p:spPr>
+          <p:style>
+            <a:lnRef idx="1">
+              <a:schemeClr val="accent1"/>
+            </a:lnRef>
+            <a:fillRef idx="0">
+              <a:schemeClr val="accent1"/>
+            </a:fillRef>
+            <a:effectRef idx="0">
+              <a:schemeClr val="accent1"/>
+            </a:effectRef>
+            <a:fontRef idx="minor">
+              <a:schemeClr val="tx1"/>
+            </a:fontRef>
+          </p:style>
+        </p:cxnSp>
+        <p:cxnSp>
+          <p:nvCxnSpPr>
+            <p:cNvPr id="17" name="Straight Arrow Connector 16"/>
+            <p:cNvCxnSpPr/>
+            <p:nvPr/>
+          </p:nvCxnSpPr>
+          <p:spPr>
+            <a:xfrm>
+              <a:off x="6459523" y="1964963"/>
+              <a:ext cx="8389" cy="211387"/>
+            </a:xfrm>
+            <a:prstGeom prst="straightConnector1">
+              <a:avLst/>
+            </a:prstGeom>
+            <a:ln>
+              <a:solidFill>
+                <a:srgbClr val="FF0000"/>
+              </a:solidFill>
+              <a:tailEnd type="triangle"/>
+            </a:ln>
+          </p:spPr>
+          <p:style>
+            <a:lnRef idx="1">
+              <a:schemeClr val="accent1"/>
+            </a:lnRef>
+            <a:fillRef idx="0">
+              <a:schemeClr val="accent1"/>
+            </a:fillRef>
+            <a:effectRef idx="0">
+              <a:schemeClr val="accent1"/>
+            </a:effectRef>
+            <a:fontRef idx="minor">
+              <a:schemeClr val="tx1"/>
+            </a:fontRef>
+          </p:style>
+        </p:cxnSp>
+        <p:cxnSp>
+          <p:nvCxnSpPr>
+            <p:cNvPr id="18" name="Straight Arrow Connector 17"/>
+            <p:cNvCxnSpPr/>
+            <p:nvPr/>
+          </p:nvCxnSpPr>
+          <p:spPr>
+            <a:xfrm>
+              <a:off x="3558330" y="2871218"/>
+              <a:ext cx="8389" cy="211387"/>
+            </a:xfrm>
+            <a:prstGeom prst="straightConnector1">
+              <a:avLst/>
+            </a:prstGeom>
+            <a:ln>
+              <a:solidFill>
+                <a:srgbClr val="FF0000"/>
+              </a:solidFill>
+              <a:tailEnd type="triangle"/>
+            </a:ln>
+          </p:spPr>
+          <p:style>
+            <a:lnRef idx="1">
+              <a:schemeClr val="accent1"/>
+            </a:lnRef>
+            <a:fillRef idx="0">
+              <a:schemeClr val="accent1"/>
+            </a:fillRef>
+            <a:effectRef idx="0">
+              <a:schemeClr val="accent1"/>
+            </a:effectRef>
+            <a:fontRef idx="minor">
+              <a:schemeClr val="tx1"/>
+            </a:fontRef>
+          </p:style>
+        </p:cxnSp>
+        <p:cxnSp>
+          <p:nvCxnSpPr>
+            <p:cNvPr id="25" name="Straight Arrow Connector 24"/>
+            <p:cNvCxnSpPr/>
+            <p:nvPr/>
+          </p:nvCxnSpPr>
+          <p:spPr>
+            <a:xfrm flipH="1">
+              <a:off x="4890088" y="2415597"/>
+              <a:ext cx="243280" cy="78298"/>
+            </a:xfrm>
+            <a:prstGeom prst="straightConnector1">
+              <a:avLst/>
+            </a:prstGeom>
+            <a:ln>
+              <a:solidFill>
+                <a:srgbClr val="FF0000"/>
+              </a:solidFill>
+              <a:tailEnd type="triangle"/>
+            </a:ln>
+          </p:spPr>
+          <p:style>
+            <a:lnRef idx="1">
+              <a:schemeClr val="accent1"/>
+            </a:lnRef>
+            <a:fillRef idx="0">
+              <a:schemeClr val="accent1"/>
+            </a:fillRef>
+            <a:effectRef idx="0">
+              <a:schemeClr val="accent1"/>
+            </a:effectRef>
+            <a:fontRef idx="minor">
+              <a:schemeClr val="tx1"/>
+            </a:fontRef>
+          </p:style>
+        </p:cxnSp>
+        <p:sp>
+          <p:nvSpPr>
+            <p:cNvPr id="28" name="TextBox 27"/>
+            <p:cNvSpPr txBox="1"/>
+            <p:nvPr/>
+          </p:nvSpPr>
+          <p:spPr>
+            <a:xfrm>
+              <a:off x="511728" y="3379900"/>
+              <a:ext cx="3533340" cy="400110"/>
+            </a:xfrm>
+            <a:prstGeom prst="rect">
+              <a:avLst/>
+            </a:prstGeom>
+            <a:noFill/>
+          </p:spPr>
+          <p:txBody>
+            <a:bodyPr wrap="none" rtlCol="0">
+              <a:spAutoFit/>
+            </a:bodyPr>
+            <a:lstStyle/>
+            <a:p>
+              <a:r>
+                <a:rPr lang="en-SG" sz="2000" dirty="0">
+                  <a:solidFill>
+                    <a:schemeClr val="accent1"/>
+                  </a:solidFill>
+                  <a:latin typeface="Eras Medium ITC" panose="020B0602030504020804" pitchFamily="34" charset="0"/>
+                </a:rPr>
+                <a:t>Figure 6: Task Transformation</a:t>
+              </a:r>
+            </a:p>
+          </p:txBody>
+        </p:sp>
+      </p:grpSp>
+    </p:spTree>
+    <p:extLst>
+      <p:ext uri="{BB962C8B-B14F-4D97-AF65-F5344CB8AC3E}">
+        <p14:creationId xmlns:p14="http://schemas.microsoft.com/office/powerpoint/2010/main" val="3334147668"/>
+      </p:ext>
+    </p:extLst>
+  </p:cSld>
+  <p:clrMapOvr>
+    <a:masterClrMapping/>
+  </p:clrMapOvr>
+</p:sld>
+</file>
+
 <file path=ppt/theme/theme1.xml><?xml version="1.0" encoding="utf-8"?>
 <a:theme xmlns:a="http://schemas.openxmlformats.org/drawingml/2006/main" name="Office Theme">
   <a:themeElements>

--- a/doc/UserGuide.pptx
+++ b/doc/UserGuide.pptx
@@ -11,6 +11,10 @@
     <p:sldId id="262" r:id="rId5"/>
     <p:sldId id="263" r:id="rId6"/>
     <p:sldId id="264" r:id="rId7"/>
+    <p:sldId id="265" r:id="rId8"/>
+    <p:sldId id="266" r:id="rId9"/>
+    <p:sldId id="268" r:id="rId10"/>
+    <p:sldId id="267" r:id="rId11"/>
   </p:sldIdLst>
   <p:sldSz cx="12192000" cy="6858000"/>
   <p:notesSz cx="6858000" cy="9144000"/>
@@ -3139,6 +3143,108 @@
     <p:extLst>
       <p:ext uri="{BB962C8B-B14F-4D97-AF65-F5344CB8AC3E}">
         <p14:creationId xmlns:p14="http://schemas.microsoft.com/office/powerpoint/2010/main" val="400309735"/>
+      </p:ext>
+    </p:extLst>
+  </p:cSld>
+  <p:clrMapOvr>
+    <a:masterClrMapping/>
+  </p:clrMapOvr>
+</p:sld>
+</file>
+
+<file path=ppt/slides/slide10.xml><?xml version="1.0" encoding="utf-8"?>
+<p:sld xmlns:a="http://schemas.openxmlformats.org/drawingml/2006/main" xmlns:r="http://schemas.openxmlformats.org/officeDocument/2006/relationships" xmlns:p="http://schemas.openxmlformats.org/presentationml/2006/main">
+  <p:cSld>
+    <p:spTree>
+      <p:nvGrpSpPr>
+        <p:cNvPr id="1" name=""/>
+        <p:cNvGrpSpPr/>
+        <p:nvPr/>
+      </p:nvGrpSpPr>
+      <p:grpSpPr>
+        <a:xfrm>
+          <a:off x="0" y="0"/>
+          <a:ext cx="0" cy="0"/>
+          <a:chOff x="0" y="0"/>
+          <a:chExt cx="0" cy="0"/>
+        </a:xfrm>
+      </p:grpSpPr>
+      <p:grpSp>
+        <p:nvGrpSpPr>
+          <p:cNvPr id="7" name="Group 6"/>
+          <p:cNvGrpSpPr/>
+          <p:nvPr/>
+        </p:nvGrpSpPr>
+        <p:grpSpPr>
+          <a:xfrm>
+            <a:off x="813735" y="285226"/>
+            <a:ext cx="9001385" cy="5800110"/>
+            <a:chOff x="813735" y="285226"/>
+            <a:chExt cx="9001385" cy="5800110"/>
+          </a:xfrm>
+        </p:grpSpPr>
+        <p:pic>
+          <p:nvPicPr>
+            <p:cNvPr id="5" name="Picture 4"/>
+            <p:cNvPicPr>
+              <a:picLocks noChangeAspect="1"/>
+            </p:cNvPicPr>
+            <p:nvPr/>
+          </p:nvPicPr>
+          <p:blipFill rotWithShape="1">
+            <a:blip r:embed="rId2"/>
+            <a:srcRect b="3809"/>
+            <a:stretch/>
+          </p:blipFill>
+          <p:spPr>
+            <a:xfrm>
+              <a:off x="813735" y="285226"/>
+              <a:ext cx="9001385" cy="5400000"/>
+            </a:xfrm>
+            <a:prstGeom prst="rect">
+              <a:avLst/>
+            </a:prstGeom>
+          </p:spPr>
+        </p:pic>
+        <p:sp>
+          <p:nvSpPr>
+            <p:cNvPr id="6" name="TextBox 5"/>
+            <p:cNvSpPr txBox="1"/>
+            <p:nvPr/>
+          </p:nvSpPr>
+          <p:spPr>
+            <a:xfrm>
+              <a:off x="813735" y="5685226"/>
+              <a:ext cx="2382383" cy="400110"/>
+            </a:xfrm>
+            <a:prstGeom prst="rect">
+              <a:avLst/>
+            </a:prstGeom>
+            <a:noFill/>
+          </p:spPr>
+          <p:txBody>
+            <a:bodyPr wrap="none" rtlCol="0">
+              <a:spAutoFit/>
+            </a:bodyPr>
+            <a:lstStyle/>
+            <a:p>
+              <a:r>
+                <a:rPr lang="en-SG" sz="2000" dirty="0">
+                  <a:solidFill>
+                    <a:schemeClr val="accent1"/>
+                  </a:solidFill>
+                  <a:latin typeface="Eras Medium ITC" panose="020B0602030504020804" pitchFamily="34" charset="0"/>
+                </a:rPr>
+                <a:t>Figure 10: Freetime</a:t>
+              </a:r>
+            </a:p>
+          </p:txBody>
+        </p:sp>
+      </p:grpSp>
+    </p:spTree>
+    <p:extLst>
+      <p:ext uri="{BB962C8B-B14F-4D97-AF65-F5344CB8AC3E}">
+        <p14:creationId xmlns:p14="http://schemas.microsoft.com/office/powerpoint/2010/main" val="4248354602"/>
       </p:ext>
     </p:extLst>
   </p:cSld>
@@ -4210,6 +4316,312 @@
 </p:sld>
 </file>
 
+<file path=ppt/slides/slide7.xml><?xml version="1.0" encoding="utf-8"?>
+<p:sld xmlns:a="http://schemas.openxmlformats.org/drawingml/2006/main" xmlns:r="http://schemas.openxmlformats.org/officeDocument/2006/relationships" xmlns:p="http://schemas.openxmlformats.org/presentationml/2006/main">
+  <p:cSld>
+    <p:spTree>
+      <p:nvGrpSpPr>
+        <p:cNvPr id="1" name=""/>
+        <p:cNvGrpSpPr/>
+        <p:nvPr/>
+      </p:nvGrpSpPr>
+      <p:grpSpPr>
+        <a:xfrm>
+          <a:off x="0" y="0"/>
+          <a:ext cx="0" cy="0"/>
+          <a:chOff x="0" y="0"/>
+          <a:chExt cx="0" cy="0"/>
+        </a:xfrm>
+      </p:grpSpPr>
+      <p:grpSp>
+        <p:nvGrpSpPr>
+          <p:cNvPr id="6" name="Group 5"/>
+          <p:cNvGrpSpPr/>
+          <p:nvPr/>
+        </p:nvGrpSpPr>
+        <p:grpSpPr>
+          <a:xfrm>
+            <a:off x="922787" y="352338"/>
+            <a:ext cx="9001389" cy="5800110"/>
+            <a:chOff x="922787" y="352338"/>
+            <a:chExt cx="9001389" cy="5800110"/>
+          </a:xfrm>
+        </p:grpSpPr>
+        <p:pic>
+          <p:nvPicPr>
+            <p:cNvPr id="4" name="Picture 3"/>
+            <p:cNvPicPr>
+              <a:picLocks noChangeAspect="1"/>
+            </p:cNvPicPr>
+            <p:nvPr/>
+          </p:nvPicPr>
+          <p:blipFill rotWithShape="1">
+            <a:blip r:embed="rId2"/>
+            <a:srcRect b="3486"/>
+            <a:stretch/>
+          </p:blipFill>
+          <p:spPr>
+            <a:xfrm>
+              <a:off x="922787" y="352338"/>
+              <a:ext cx="9001389" cy="5400000"/>
+            </a:xfrm>
+            <a:prstGeom prst="rect">
+              <a:avLst/>
+            </a:prstGeom>
+          </p:spPr>
+        </p:pic>
+        <p:sp>
+          <p:nvSpPr>
+            <p:cNvPr id="5" name="TextBox 4"/>
+            <p:cNvSpPr txBox="1"/>
+            <p:nvPr/>
+          </p:nvSpPr>
+          <p:spPr>
+            <a:xfrm>
+              <a:off x="922787" y="5752338"/>
+              <a:ext cx="2996333" cy="400110"/>
+            </a:xfrm>
+            <a:prstGeom prst="rect">
+              <a:avLst/>
+            </a:prstGeom>
+            <a:noFill/>
+          </p:spPr>
+          <p:txBody>
+            <a:bodyPr wrap="none" rtlCol="0">
+              <a:spAutoFit/>
+            </a:bodyPr>
+            <a:lstStyle/>
+            <a:p>
+              <a:r>
+                <a:rPr lang="en-SG" sz="2000" dirty="0">
+                  <a:solidFill>
+                    <a:schemeClr val="accent1"/>
+                  </a:solidFill>
+                  <a:latin typeface="Eras Medium ITC" panose="020B0602030504020804" pitchFamily="34" charset="0"/>
+                </a:rPr>
+                <a:t>Figure 7: Listing All Tasks</a:t>
+              </a:r>
+            </a:p>
+          </p:txBody>
+        </p:sp>
+      </p:grpSp>
+    </p:spTree>
+    <p:extLst>
+      <p:ext uri="{BB962C8B-B14F-4D97-AF65-F5344CB8AC3E}">
+        <p14:creationId xmlns:p14="http://schemas.microsoft.com/office/powerpoint/2010/main" val="1730416472"/>
+      </p:ext>
+    </p:extLst>
+  </p:cSld>
+  <p:clrMapOvr>
+    <a:masterClrMapping/>
+  </p:clrMapOvr>
+</p:sld>
+</file>
+
+<file path=ppt/slides/slide8.xml><?xml version="1.0" encoding="utf-8"?>
+<p:sld xmlns:a="http://schemas.openxmlformats.org/drawingml/2006/main" xmlns:r="http://schemas.openxmlformats.org/officeDocument/2006/relationships" xmlns:p="http://schemas.openxmlformats.org/presentationml/2006/main">
+  <p:cSld>
+    <p:spTree>
+      <p:nvGrpSpPr>
+        <p:cNvPr id="1" name=""/>
+        <p:cNvGrpSpPr/>
+        <p:nvPr/>
+      </p:nvGrpSpPr>
+      <p:grpSpPr>
+        <a:xfrm>
+          <a:off x="0" y="0"/>
+          <a:ext cx="0" cy="0"/>
+          <a:chOff x="0" y="0"/>
+          <a:chExt cx="0" cy="0"/>
+        </a:xfrm>
+      </p:grpSpPr>
+      <p:grpSp>
+        <p:nvGrpSpPr>
+          <p:cNvPr id="6" name="Group 5"/>
+          <p:cNvGrpSpPr/>
+          <p:nvPr/>
+        </p:nvGrpSpPr>
+        <p:grpSpPr>
+          <a:xfrm>
+            <a:off x="922787" y="352338"/>
+            <a:ext cx="9001388" cy="5800110"/>
+            <a:chOff x="922787" y="352338"/>
+            <a:chExt cx="9001388" cy="5800110"/>
+          </a:xfrm>
+        </p:grpSpPr>
+        <p:pic>
+          <p:nvPicPr>
+            <p:cNvPr id="3" name="Picture 2"/>
+            <p:cNvPicPr>
+              <a:picLocks noChangeAspect="1"/>
+            </p:cNvPicPr>
+            <p:nvPr/>
+          </p:nvPicPr>
+          <p:blipFill rotWithShape="1">
+            <a:blip r:embed="rId2"/>
+            <a:srcRect b="3486"/>
+            <a:stretch/>
+          </p:blipFill>
+          <p:spPr>
+            <a:xfrm>
+              <a:off x="922787" y="352338"/>
+              <a:ext cx="9001388" cy="5400000"/>
+            </a:xfrm>
+            <a:prstGeom prst="rect">
+              <a:avLst/>
+            </a:prstGeom>
+          </p:spPr>
+        </p:pic>
+        <p:sp>
+          <p:nvSpPr>
+            <p:cNvPr id="5" name="TextBox 4"/>
+            <p:cNvSpPr txBox="1"/>
+            <p:nvPr/>
+          </p:nvSpPr>
+          <p:spPr>
+            <a:xfrm>
+              <a:off x="922787" y="5752338"/>
+              <a:ext cx="5104282" cy="400110"/>
+            </a:xfrm>
+            <a:prstGeom prst="rect">
+              <a:avLst/>
+            </a:prstGeom>
+            <a:noFill/>
+          </p:spPr>
+          <p:txBody>
+            <a:bodyPr wrap="none" rtlCol="0">
+              <a:spAutoFit/>
+            </a:bodyPr>
+            <a:lstStyle/>
+            <a:p>
+              <a:r>
+                <a:rPr lang="en-SG" sz="2000" dirty="0">
+                  <a:solidFill>
+                    <a:schemeClr val="accent1"/>
+                  </a:solidFill>
+                  <a:latin typeface="Eras Medium ITC" panose="020B0602030504020804" pitchFamily="34" charset="0"/>
+                </a:rPr>
+                <a:t>Figure 8: Listing Tasks with Assignment Tag</a:t>
+              </a:r>
+            </a:p>
+          </p:txBody>
+        </p:sp>
+      </p:grpSp>
+    </p:spTree>
+    <p:extLst>
+      <p:ext uri="{BB962C8B-B14F-4D97-AF65-F5344CB8AC3E}">
+        <p14:creationId xmlns:p14="http://schemas.microsoft.com/office/powerpoint/2010/main" val="4222431348"/>
+      </p:ext>
+    </p:extLst>
+  </p:cSld>
+  <p:clrMapOvr>
+    <a:masterClrMapping/>
+  </p:clrMapOvr>
+</p:sld>
+</file>
+
+<file path=ppt/slides/slide9.xml><?xml version="1.0" encoding="utf-8"?>
+<p:sld xmlns:a="http://schemas.openxmlformats.org/drawingml/2006/main" xmlns:r="http://schemas.openxmlformats.org/officeDocument/2006/relationships" xmlns:p="http://schemas.openxmlformats.org/presentationml/2006/main">
+  <p:cSld>
+    <p:spTree>
+      <p:nvGrpSpPr>
+        <p:cNvPr id="1" name=""/>
+        <p:cNvGrpSpPr/>
+        <p:nvPr/>
+      </p:nvGrpSpPr>
+      <p:grpSpPr>
+        <a:xfrm>
+          <a:off x="0" y="0"/>
+          <a:ext cx="0" cy="0"/>
+          <a:chOff x="0" y="0"/>
+          <a:chExt cx="0" cy="0"/>
+        </a:xfrm>
+      </p:grpSpPr>
+      <p:grpSp>
+        <p:nvGrpSpPr>
+          <p:cNvPr id="3" name="Group 2"/>
+          <p:cNvGrpSpPr/>
+          <p:nvPr/>
+        </p:nvGrpSpPr>
+        <p:grpSpPr>
+          <a:xfrm>
+            <a:off x="989900" y="2021747"/>
+            <a:ext cx="9000000" cy="1601486"/>
+            <a:chOff x="989900" y="2021747"/>
+            <a:chExt cx="9000000" cy="1601486"/>
+          </a:xfrm>
+        </p:grpSpPr>
+        <p:pic>
+          <p:nvPicPr>
+            <p:cNvPr id="2" name="Picture 1"/>
+            <p:cNvPicPr>
+              <a:picLocks noChangeAspect="1"/>
+            </p:cNvPicPr>
+            <p:nvPr/>
+          </p:nvPicPr>
+          <p:blipFill rotWithShape="1">
+            <a:blip r:embed="rId2"/>
+            <a:srcRect t="72538" b="3732"/>
+            <a:stretch/>
+          </p:blipFill>
+          <p:spPr>
+            <a:xfrm>
+              <a:off x="989900" y="2021747"/>
+              <a:ext cx="9000000" cy="1201376"/>
+            </a:xfrm>
+            <a:prstGeom prst="rect">
+              <a:avLst/>
+            </a:prstGeom>
+          </p:spPr>
+        </p:pic>
+        <p:sp>
+          <p:nvSpPr>
+            <p:cNvPr id="7" name="TextBox 6"/>
+            <p:cNvSpPr txBox="1"/>
+            <p:nvPr/>
+          </p:nvSpPr>
+          <p:spPr>
+            <a:xfrm>
+              <a:off x="989900" y="3223123"/>
+              <a:ext cx="2948243" cy="400110"/>
+            </a:xfrm>
+            <a:prstGeom prst="rect">
+              <a:avLst/>
+            </a:prstGeom>
+            <a:noFill/>
+          </p:spPr>
+          <p:txBody>
+            <a:bodyPr wrap="none" rtlCol="0">
+              <a:spAutoFit/>
+            </a:bodyPr>
+            <a:lstStyle/>
+            <a:p>
+              <a:r>
+                <a:rPr lang="en-SG" sz="2000" dirty="0">
+                  <a:solidFill>
+                    <a:schemeClr val="accent1"/>
+                  </a:solidFill>
+                  <a:latin typeface="Eras Medium ITC" panose="020B0602030504020804" pitchFamily="34" charset="0"/>
+                </a:rPr>
+                <a:t>Figure 9: Viewing a Task</a:t>
+              </a:r>
+            </a:p>
+          </p:txBody>
+        </p:sp>
+      </p:grpSp>
+    </p:spTree>
+    <p:extLst>
+      <p:ext uri="{BB962C8B-B14F-4D97-AF65-F5344CB8AC3E}">
+        <p14:creationId xmlns:p14="http://schemas.microsoft.com/office/powerpoint/2010/main" val="514233429"/>
+      </p:ext>
+    </p:extLst>
+  </p:cSld>
+  <p:clrMapOvr>
+    <a:masterClrMapping/>
+  </p:clrMapOvr>
+</p:sld>
+</file>
+
 <file path=ppt/theme/theme1.xml><?xml version="1.0" encoding="utf-8"?>
 <a:theme xmlns:a="http://schemas.openxmlformats.org/drawingml/2006/main" name="Office Theme">
   <a:themeElements>

--- a/doc/UserGuide.pptx
+++ b/doc/UserGuide.pptx
@@ -15,6 +15,7 @@
     <p:sldId id="266" r:id="rId9"/>
     <p:sldId id="268" r:id="rId10"/>
     <p:sldId id="267" r:id="rId11"/>
+    <p:sldId id="269" r:id="rId12"/>
   </p:sldIdLst>
   <p:sldSz cx="12192000" cy="6858000"/>
   <p:notesSz cx="6858000" cy="9144000"/>
@@ -3245,6 +3246,197 @@
     <p:extLst>
       <p:ext uri="{BB962C8B-B14F-4D97-AF65-F5344CB8AC3E}">
         <p14:creationId xmlns:p14="http://schemas.microsoft.com/office/powerpoint/2010/main" val="4248354602"/>
+      </p:ext>
+    </p:extLst>
+  </p:cSld>
+  <p:clrMapOvr>
+    <a:masterClrMapping/>
+  </p:clrMapOvr>
+</p:sld>
+</file>
+
+<file path=ppt/slides/slide11.xml><?xml version="1.0" encoding="utf-8"?>
+<p:sld xmlns:a="http://schemas.openxmlformats.org/drawingml/2006/main" xmlns:r="http://schemas.openxmlformats.org/officeDocument/2006/relationships" xmlns:p="http://schemas.openxmlformats.org/presentationml/2006/main">
+  <p:cSld>
+    <p:spTree>
+      <p:nvGrpSpPr>
+        <p:cNvPr id="1" name=""/>
+        <p:cNvGrpSpPr/>
+        <p:nvPr/>
+      </p:nvGrpSpPr>
+      <p:grpSpPr>
+        <a:xfrm>
+          <a:off x="0" y="0"/>
+          <a:ext cx="0" cy="0"/>
+          <a:chOff x="0" y="0"/>
+          <a:chExt cx="0" cy="0"/>
+        </a:xfrm>
+      </p:grpSpPr>
+      <p:grpSp>
+        <p:nvGrpSpPr>
+          <p:cNvPr id="8" name="Group 7"/>
+          <p:cNvGrpSpPr/>
+          <p:nvPr/>
+        </p:nvGrpSpPr>
+        <p:grpSpPr>
+          <a:xfrm>
+            <a:off x="1031846" y="335560"/>
+            <a:ext cx="9000000" cy="5800110"/>
+            <a:chOff x="1031846" y="335560"/>
+            <a:chExt cx="9000000" cy="5800110"/>
+          </a:xfrm>
+        </p:grpSpPr>
+        <p:sp>
+          <p:nvSpPr>
+            <p:cNvPr id="9" name="Rectangle 8"/>
+            <p:cNvSpPr/>
+            <p:nvPr/>
+          </p:nvSpPr>
+          <p:spPr>
+            <a:xfrm>
+              <a:off x="1031846" y="335560"/>
+              <a:ext cx="9000000" cy="5400000"/>
+            </a:xfrm>
+            <a:prstGeom prst="rect">
+              <a:avLst/>
+            </a:prstGeom>
+            <a:noFill/>
+            <a:ln>
+              <a:solidFill>
+                <a:schemeClr val="tx1"/>
+              </a:solidFill>
+            </a:ln>
+          </p:spPr>
+          <p:style>
+            <a:lnRef idx="2">
+              <a:schemeClr val="accent1">
+                <a:shade val="50000"/>
+              </a:schemeClr>
+            </a:lnRef>
+            <a:fillRef idx="1">
+              <a:schemeClr val="accent1"/>
+            </a:fillRef>
+            <a:effectRef idx="0">
+              <a:schemeClr val="accent1"/>
+            </a:effectRef>
+            <a:fontRef idx="minor">
+              <a:schemeClr val="lt1"/>
+            </a:fontRef>
+          </p:style>
+          <p:txBody>
+            <a:bodyPr rtlCol="0" anchor="ctr"/>
+            <a:lstStyle/>
+            <a:p>
+              <a:pPr algn="ctr"/>
+              <a:endParaRPr lang="en-SG" dirty="0">
+                <a:solidFill>
+                  <a:schemeClr val="accent2">
+                    <a:lumMod val="75000"/>
+                  </a:schemeClr>
+                </a:solidFill>
+              </a:endParaRPr>
+            </a:p>
+          </p:txBody>
+        </p:sp>
+        <p:sp>
+          <p:nvSpPr>
+            <p:cNvPr id="10" name="TextBox 9"/>
+            <p:cNvSpPr txBox="1"/>
+            <p:nvPr/>
+          </p:nvSpPr>
+          <p:spPr>
+            <a:xfrm>
+              <a:off x="1031846" y="5735560"/>
+              <a:ext cx="3765774" cy="400110"/>
+            </a:xfrm>
+            <a:prstGeom prst="rect">
+              <a:avLst/>
+            </a:prstGeom>
+            <a:noFill/>
+          </p:spPr>
+          <p:txBody>
+            <a:bodyPr wrap="none" rtlCol="0">
+              <a:spAutoFit/>
+            </a:bodyPr>
+            <a:lstStyle/>
+            <a:p>
+              <a:r>
+                <a:rPr lang="en-SG" sz="2000" dirty="0">
+                  <a:solidFill>
+                    <a:schemeClr val="accent1"/>
+                  </a:solidFill>
+                  <a:latin typeface="Eras Medium ITC" panose="020B0602030504020804" pitchFamily="34" charset="0"/>
+                </a:rPr>
+                <a:t>Figure 11: Program Information</a:t>
+              </a:r>
+            </a:p>
+          </p:txBody>
+        </p:sp>
+        <p:cxnSp>
+          <p:nvCxnSpPr>
+            <p:cNvPr id="11" name="Straight Connector 10"/>
+            <p:cNvCxnSpPr/>
+            <p:nvPr/>
+          </p:nvCxnSpPr>
+          <p:spPr>
+            <a:xfrm>
+              <a:off x="1031846" y="335560"/>
+              <a:ext cx="9000000" cy="5400000"/>
+            </a:xfrm>
+            <a:prstGeom prst="line">
+              <a:avLst/>
+            </a:prstGeom>
+          </p:spPr>
+          <p:style>
+            <a:lnRef idx="1">
+              <a:schemeClr val="accent2"/>
+            </a:lnRef>
+            <a:fillRef idx="0">
+              <a:schemeClr val="accent2"/>
+            </a:fillRef>
+            <a:effectRef idx="0">
+              <a:schemeClr val="accent2"/>
+            </a:effectRef>
+            <a:fontRef idx="minor">
+              <a:schemeClr val="tx1"/>
+            </a:fontRef>
+          </p:style>
+        </p:cxnSp>
+        <p:cxnSp>
+          <p:nvCxnSpPr>
+            <p:cNvPr id="12" name="Straight Connector 11"/>
+            <p:cNvCxnSpPr/>
+            <p:nvPr/>
+          </p:nvCxnSpPr>
+          <p:spPr>
+            <a:xfrm flipV="1">
+              <a:off x="1031846" y="335560"/>
+              <a:ext cx="9000000" cy="5400000"/>
+            </a:xfrm>
+            <a:prstGeom prst="line">
+              <a:avLst/>
+            </a:prstGeom>
+          </p:spPr>
+          <p:style>
+            <a:lnRef idx="1">
+              <a:schemeClr val="accent2"/>
+            </a:lnRef>
+            <a:fillRef idx="0">
+              <a:schemeClr val="accent2"/>
+            </a:fillRef>
+            <a:effectRef idx="0">
+              <a:schemeClr val="accent2"/>
+            </a:effectRef>
+            <a:fontRef idx="minor">
+              <a:schemeClr val="tx1"/>
+            </a:fontRef>
+          </p:style>
+        </p:cxnSp>
+      </p:grpSp>
+    </p:spTree>
+    <p:extLst>
+      <p:ext uri="{BB962C8B-B14F-4D97-AF65-F5344CB8AC3E}">
+        <p14:creationId xmlns:p14="http://schemas.microsoft.com/office/powerpoint/2010/main" val="1306559121"/>
       </p:ext>
     </p:extLst>
   </p:cSld>

--- a/doc/UserGuide.pptx
+++ b/doc/UserGuide.pptx
@@ -16,6 +16,7 @@
     <p:sldId id="268" r:id="rId10"/>
     <p:sldId id="267" r:id="rId11"/>
     <p:sldId id="269" r:id="rId12"/>
+    <p:sldId id="270" r:id="rId13"/>
   </p:sldIdLst>
   <p:sldSz cx="12192000" cy="6858000"/>
   <p:notesSz cx="6858000" cy="9144000"/>
@@ -3274,79 +3275,50 @@
       </p:grpSpPr>
       <p:grpSp>
         <p:nvGrpSpPr>
-          <p:cNvPr id="8" name="Group 7"/>
+          <p:cNvPr id="3" name="Group 2"/>
           <p:cNvGrpSpPr/>
           <p:nvPr/>
         </p:nvGrpSpPr>
         <p:grpSpPr>
           <a:xfrm>
-            <a:off x="1031846" y="335560"/>
-            <a:ext cx="9000000" cy="5800110"/>
-            <a:chOff x="1031846" y="335560"/>
-            <a:chExt cx="9000000" cy="5800110"/>
+            <a:off x="880844" y="2575420"/>
+            <a:ext cx="9000000" cy="1595293"/>
+            <a:chOff x="880844" y="2575420"/>
+            <a:chExt cx="9000000" cy="1595293"/>
           </a:xfrm>
         </p:grpSpPr>
-        <p:sp>
-          <p:nvSpPr>
-            <p:cNvPr id="9" name="Rectangle 8"/>
-            <p:cNvSpPr/>
+        <p:pic>
+          <p:nvPicPr>
+            <p:cNvPr id="2" name="Picture 1"/>
+            <p:cNvPicPr>
+              <a:picLocks noChangeAspect="1"/>
+            </p:cNvPicPr>
             <p:nvPr/>
-          </p:nvSpPr>
+          </p:nvPicPr>
+          <p:blipFill rotWithShape="1">
+            <a:blip r:embed="rId2"/>
+            <a:srcRect t="72416" b="3976"/>
+            <a:stretch/>
+          </p:blipFill>
           <p:spPr>
             <a:xfrm>
-              <a:off x="1031846" y="335560"/>
-              <a:ext cx="9000000" cy="5400000"/>
+              <a:off x="880844" y="2575420"/>
+              <a:ext cx="9000000" cy="1195183"/>
             </a:xfrm>
             <a:prstGeom prst="rect">
               <a:avLst/>
             </a:prstGeom>
-            <a:noFill/>
-            <a:ln>
-              <a:solidFill>
-                <a:schemeClr val="tx1"/>
-              </a:solidFill>
-            </a:ln>
           </p:spPr>
-          <p:style>
-            <a:lnRef idx="2">
-              <a:schemeClr val="accent1">
-                <a:shade val="50000"/>
-              </a:schemeClr>
-            </a:lnRef>
-            <a:fillRef idx="1">
-              <a:schemeClr val="accent1"/>
-            </a:fillRef>
-            <a:effectRef idx="0">
-              <a:schemeClr val="accent1"/>
-            </a:effectRef>
-            <a:fontRef idx="minor">
-              <a:schemeClr val="lt1"/>
-            </a:fontRef>
-          </p:style>
-          <p:txBody>
-            <a:bodyPr rtlCol="0" anchor="ctr"/>
-            <a:lstStyle/>
-            <a:p>
-              <a:pPr algn="ctr"/>
-              <a:endParaRPr lang="en-SG" dirty="0">
-                <a:solidFill>
-                  <a:schemeClr val="accent2">
-                    <a:lumMod val="75000"/>
-                  </a:schemeClr>
-                </a:solidFill>
-              </a:endParaRPr>
-            </a:p>
-          </p:txBody>
-        </p:sp>
+        </p:pic>
         <p:sp>
           <p:nvSpPr>
-            <p:cNvPr id="10" name="TextBox 9"/>
+            <p:cNvPr id="13" name="TextBox 12"/>
             <p:cNvSpPr txBox="1"/>
             <p:nvPr/>
           </p:nvSpPr>
           <p:spPr>
             <a:xfrm>
-              <a:off x="1031846" y="5735560"/>
+              <a:off x="880844" y="3770603"/>
               <a:ext cx="3765774" cy="400110"/>
             </a:xfrm>
             <a:prstGeom prst="rect">
@@ -3372,71 +3344,113 @@
             </a:p>
           </p:txBody>
         </p:sp>
-        <p:cxnSp>
-          <p:nvCxnSpPr>
-            <p:cNvPr id="11" name="Straight Connector 10"/>
-            <p:cNvCxnSpPr/>
-            <p:nvPr/>
-          </p:nvCxnSpPr>
-          <p:spPr>
-            <a:xfrm>
-              <a:off x="1031846" y="335560"/>
-              <a:ext cx="9000000" cy="5400000"/>
-            </a:xfrm>
-            <a:prstGeom prst="line">
-              <a:avLst/>
-            </a:prstGeom>
-          </p:spPr>
-          <p:style>
-            <a:lnRef idx="1">
-              <a:schemeClr val="accent2"/>
-            </a:lnRef>
-            <a:fillRef idx="0">
-              <a:schemeClr val="accent2"/>
-            </a:fillRef>
-            <a:effectRef idx="0">
-              <a:schemeClr val="accent2"/>
-            </a:effectRef>
-            <a:fontRef idx="minor">
-              <a:schemeClr val="tx1"/>
-            </a:fontRef>
-          </p:style>
-        </p:cxnSp>
-        <p:cxnSp>
-          <p:nvCxnSpPr>
-            <p:cNvPr id="12" name="Straight Connector 11"/>
-            <p:cNvCxnSpPr/>
-            <p:nvPr/>
-          </p:nvCxnSpPr>
-          <p:spPr>
-            <a:xfrm flipV="1">
-              <a:off x="1031846" y="335560"/>
-              <a:ext cx="9000000" cy="5400000"/>
-            </a:xfrm>
-            <a:prstGeom prst="line">
-              <a:avLst/>
-            </a:prstGeom>
-          </p:spPr>
-          <p:style>
-            <a:lnRef idx="1">
-              <a:schemeClr val="accent2"/>
-            </a:lnRef>
-            <a:fillRef idx="0">
-              <a:schemeClr val="accent2"/>
-            </a:fillRef>
-            <a:effectRef idx="0">
-              <a:schemeClr val="accent2"/>
-            </a:effectRef>
-            <a:fontRef idx="minor">
-              <a:schemeClr val="tx1"/>
-            </a:fontRef>
-          </p:style>
-        </p:cxnSp>
       </p:grpSp>
     </p:spTree>
     <p:extLst>
       <p:ext uri="{BB962C8B-B14F-4D97-AF65-F5344CB8AC3E}">
         <p14:creationId xmlns:p14="http://schemas.microsoft.com/office/powerpoint/2010/main" val="1306559121"/>
+      </p:ext>
+    </p:extLst>
+  </p:cSld>
+  <p:clrMapOvr>
+    <a:masterClrMapping/>
+  </p:clrMapOvr>
+</p:sld>
+</file>
+
+<file path=ppt/slides/slide12.xml><?xml version="1.0" encoding="utf-8"?>
+<p:sld xmlns:a="http://schemas.openxmlformats.org/drawingml/2006/main" xmlns:r="http://schemas.openxmlformats.org/officeDocument/2006/relationships" xmlns:p="http://schemas.openxmlformats.org/presentationml/2006/main">
+  <p:cSld>
+    <p:spTree>
+      <p:nvGrpSpPr>
+        <p:cNvPr id="1" name=""/>
+        <p:cNvGrpSpPr/>
+        <p:nvPr/>
+      </p:nvGrpSpPr>
+      <p:grpSpPr>
+        <a:xfrm>
+          <a:off x="0" y="0"/>
+          <a:ext cx="0" cy="0"/>
+          <a:chOff x="0" y="0"/>
+          <a:chExt cx="0" cy="0"/>
+        </a:xfrm>
+      </p:grpSpPr>
+      <p:grpSp>
+        <p:nvGrpSpPr>
+          <p:cNvPr id="6" name="Group 5"/>
+          <p:cNvGrpSpPr/>
+          <p:nvPr/>
+        </p:nvGrpSpPr>
+        <p:grpSpPr>
+          <a:xfrm>
+            <a:off x="796954" y="2457973"/>
+            <a:ext cx="9000000" cy="1613872"/>
+            <a:chOff x="796954" y="2457973"/>
+            <a:chExt cx="9000000" cy="1613872"/>
+          </a:xfrm>
+        </p:grpSpPr>
+        <p:pic>
+          <p:nvPicPr>
+            <p:cNvPr id="4" name="Picture 3"/>
+            <p:cNvPicPr>
+              <a:picLocks noChangeAspect="1"/>
+            </p:cNvPicPr>
+            <p:nvPr/>
+          </p:nvPicPr>
+          <p:blipFill rotWithShape="1">
+            <a:blip r:embed="rId2"/>
+            <a:srcRect t="72172" b="3852"/>
+            <a:stretch/>
+          </p:blipFill>
+          <p:spPr>
+            <a:xfrm>
+              <a:off x="796954" y="2457973"/>
+              <a:ext cx="9000000" cy="1213762"/>
+            </a:xfrm>
+            <a:prstGeom prst="rect">
+              <a:avLst/>
+            </a:prstGeom>
+          </p:spPr>
+        </p:pic>
+        <p:sp>
+          <p:nvSpPr>
+            <p:cNvPr id="5" name="TextBox 4"/>
+            <p:cNvSpPr txBox="1"/>
+            <p:nvPr/>
+          </p:nvSpPr>
+          <p:spPr>
+            <a:xfrm>
+              <a:off x="796954" y="3671735"/>
+              <a:ext cx="4958409" cy="400110"/>
+            </a:xfrm>
+            <a:prstGeom prst="rect">
+              <a:avLst/>
+            </a:prstGeom>
+            <a:noFill/>
+          </p:spPr>
+          <p:txBody>
+            <a:bodyPr wrap="none" rtlCol="0">
+              <a:spAutoFit/>
+            </a:bodyPr>
+            <a:lstStyle/>
+            <a:p>
+              <a:r>
+                <a:rPr lang="en-SG" sz="2000" dirty="0">
+                  <a:solidFill>
+                    <a:schemeClr val="accent1"/>
+                  </a:solidFill>
+                  <a:latin typeface="Eras Medium ITC" panose="020B0602030504020804" pitchFamily="34" charset="0"/>
+                </a:rPr>
+                <a:t>Figure 12: Help for Information Command</a:t>
+              </a:r>
+            </a:p>
+          </p:txBody>
+        </p:sp>
+      </p:grpSp>
+    </p:spTree>
+    <p:extLst>
+      <p:ext uri="{BB962C8B-B14F-4D97-AF65-F5344CB8AC3E}">
+        <p14:creationId xmlns:p14="http://schemas.microsoft.com/office/powerpoint/2010/main" val="573982921"/>
       </p:ext>
     </p:extLst>
   </p:cSld>

--- a/doc/UserGuide.pptx
+++ b/doc/UserGuide.pptx
@@ -10,13 +10,12 @@
     <p:sldId id="261" r:id="rId4"/>
     <p:sldId id="262" r:id="rId5"/>
     <p:sldId id="263" r:id="rId6"/>
-    <p:sldId id="264" r:id="rId7"/>
-    <p:sldId id="265" r:id="rId8"/>
-    <p:sldId id="266" r:id="rId9"/>
-    <p:sldId id="268" r:id="rId10"/>
-    <p:sldId id="267" r:id="rId11"/>
-    <p:sldId id="269" r:id="rId12"/>
-    <p:sldId id="270" r:id="rId13"/>
+    <p:sldId id="265" r:id="rId7"/>
+    <p:sldId id="266" r:id="rId8"/>
+    <p:sldId id="268" r:id="rId9"/>
+    <p:sldId id="267" r:id="rId10"/>
+    <p:sldId id="269" r:id="rId11"/>
+    <p:sldId id="270" r:id="rId12"/>
   </p:sldIdLst>
   <p:sldSz cx="12192000" cy="6858000"/>
   <p:notesSz cx="6858000" cy="9144000"/>
@@ -254,7 +253,7 @@
           <a:p>
             <a:fld id="{81EB79EC-C7E3-4EC7-84B9-0BB9050C86D2}" type="datetimeFigureOut">
               <a:rPr lang="en-SG" smtClean="0"/>
-              <a:t>5/11/2016</a:t>
+              <a:t>6/11/2016</a:t>
             </a:fld>
             <a:endParaRPr lang="en-SG"/>
           </a:p>
@@ -424,7 +423,7 @@
           <a:p>
             <a:fld id="{81EB79EC-C7E3-4EC7-84B9-0BB9050C86D2}" type="datetimeFigureOut">
               <a:rPr lang="en-SG" smtClean="0"/>
-              <a:t>5/11/2016</a:t>
+              <a:t>6/11/2016</a:t>
             </a:fld>
             <a:endParaRPr lang="en-SG"/>
           </a:p>
@@ -604,7 +603,7 @@
           <a:p>
             <a:fld id="{81EB79EC-C7E3-4EC7-84B9-0BB9050C86D2}" type="datetimeFigureOut">
               <a:rPr lang="en-SG" smtClean="0"/>
-              <a:t>5/11/2016</a:t>
+              <a:t>6/11/2016</a:t>
             </a:fld>
             <a:endParaRPr lang="en-SG"/>
           </a:p>
@@ -774,7 +773,7 @@
           <a:p>
             <a:fld id="{81EB79EC-C7E3-4EC7-84B9-0BB9050C86D2}" type="datetimeFigureOut">
               <a:rPr lang="en-SG" smtClean="0"/>
-              <a:t>5/11/2016</a:t>
+              <a:t>6/11/2016</a:t>
             </a:fld>
             <a:endParaRPr lang="en-SG"/>
           </a:p>
@@ -1020,7 +1019,7 @@
           <a:p>
             <a:fld id="{81EB79EC-C7E3-4EC7-84B9-0BB9050C86D2}" type="datetimeFigureOut">
               <a:rPr lang="en-SG" smtClean="0"/>
-              <a:t>5/11/2016</a:t>
+              <a:t>6/11/2016</a:t>
             </a:fld>
             <a:endParaRPr lang="en-SG"/>
           </a:p>
@@ -1252,7 +1251,7 @@
           <a:p>
             <a:fld id="{81EB79EC-C7E3-4EC7-84B9-0BB9050C86D2}" type="datetimeFigureOut">
               <a:rPr lang="en-SG" smtClean="0"/>
-              <a:t>5/11/2016</a:t>
+              <a:t>6/11/2016</a:t>
             </a:fld>
             <a:endParaRPr lang="en-SG"/>
           </a:p>
@@ -1619,7 +1618,7 @@
           <a:p>
             <a:fld id="{81EB79EC-C7E3-4EC7-84B9-0BB9050C86D2}" type="datetimeFigureOut">
               <a:rPr lang="en-SG" smtClean="0"/>
-              <a:t>5/11/2016</a:t>
+              <a:t>6/11/2016</a:t>
             </a:fld>
             <a:endParaRPr lang="en-SG"/>
           </a:p>
@@ -1737,7 +1736,7 @@
           <a:p>
             <a:fld id="{81EB79EC-C7E3-4EC7-84B9-0BB9050C86D2}" type="datetimeFigureOut">
               <a:rPr lang="en-SG" smtClean="0"/>
-              <a:t>5/11/2016</a:t>
+              <a:t>6/11/2016</a:t>
             </a:fld>
             <a:endParaRPr lang="en-SG"/>
           </a:p>
@@ -1832,7 +1831,7 @@
           <a:p>
             <a:fld id="{81EB79EC-C7E3-4EC7-84B9-0BB9050C86D2}" type="datetimeFigureOut">
               <a:rPr lang="en-SG" smtClean="0"/>
-              <a:t>5/11/2016</a:t>
+              <a:t>6/11/2016</a:t>
             </a:fld>
             <a:endParaRPr lang="en-SG"/>
           </a:p>
@@ -2109,7 +2108,7 @@
           <a:p>
             <a:fld id="{81EB79EC-C7E3-4EC7-84B9-0BB9050C86D2}" type="datetimeFigureOut">
               <a:rPr lang="en-SG" smtClean="0"/>
-              <a:t>5/11/2016</a:t>
+              <a:t>6/11/2016</a:t>
             </a:fld>
             <a:endParaRPr lang="en-SG"/>
           </a:p>
@@ -2362,7 +2361,7 @@
           <a:p>
             <a:fld id="{81EB79EC-C7E3-4EC7-84B9-0BB9050C86D2}" type="datetimeFigureOut">
               <a:rPr lang="en-SG" smtClean="0"/>
-              <a:t>5/11/2016</a:t>
+              <a:t>6/11/2016</a:t>
             </a:fld>
             <a:endParaRPr lang="en-SG"/>
           </a:p>
@@ -2575,7 +2574,7 @@
           <a:p>
             <a:fld id="{81EB79EC-C7E3-4EC7-84B9-0BB9050C86D2}" type="datetimeFigureOut">
               <a:rPr lang="en-SG" smtClean="0"/>
-              <a:t>5/11/2016</a:t>
+              <a:t>6/11/2016</a:t>
             </a:fld>
             <a:endParaRPr lang="en-SG"/>
           </a:p>
@@ -3173,51 +3172,28 @@
       </p:grpSpPr>
       <p:grpSp>
         <p:nvGrpSpPr>
-          <p:cNvPr id="7" name="Group 6"/>
+          <p:cNvPr id="5" name="Group 4"/>
           <p:cNvGrpSpPr/>
           <p:nvPr/>
         </p:nvGrpSpPr>
         <p:grpSpPr>
           <a:xfrm>
-            <a:off x="813735" y="285226"/>
-            <a:ext cx="9001385" cy="5800110"/>
-            <a:chOff x="813735" y="285226"/>
-            <a:chExt cx="9001385" cy="5800110"/>
+            <a:off x="880844" y="2505089"/>
+            <a:ext cx="9000000" cy="1665624"/>
+            <a:chOff x="880844" y="2505089"/>
+            <a:chExt cx="9000000" cy="1665624"/>
           </a:xfrm>
         </p:grpSpPr>
-        <p:pic>
-          <p:nvPicPr>
-            <p:cNvPr id="5" name="Picture 4"/>
-            <p:cNvPicPr>
-              <a:picLocks noChangeAspect="1"/>
-            </p:cNvPicPr>
-            <p:nvPr/>
-          </p:nvPicPr>
-          <p:blipFill rotWithShape="1">
-            <a:blip r:embed="rId2"/>
-            <a:srcRect b="3809"/>
-            <a:stretch/>
-          </p:blipFill>
-          <p:spPr>
-            <a:xfrm>
-              <a:off x="813735" y="285226"/>
-              <a:ext cx="9001385" cy="5400000"/>
-            </a:xfrm>
-            <a:prstGeom prst="rect">
-              <a:avLst/>
-            </a:prstGeom>
-          </p:spPr>
-        </p:pic>
         <p:sp>
           <p:nvSpPr>
-            <p:cNvPr id="6" name="TextBox 5"/>
+            <p:cNvPr id="13" name="TextBox 12"/>
             <p:cNvSpPr txBox="1"/>
             <p:nvPr/>
           </p:nvSpPr>
           <p:spPr>
             <a:xfrm>
-              <a:off x="813735" y="5685226"/>
-              <a:ext cx="2382383" cy="400110"/>
+              <a:off x="880844" y="3770603"/>
+              <a:ext cx="3765774" cy="400110"/>
             </a:xfrm>
             <a:prstGeom prst="rect">
               <a:avLst/>
@@ -3237,16 +3213,39 @@
                   </a:solidFill>
                   <a:latin typeface="Eras Medium ITC" panose="020B0602030504020804" pitchFamily="34" charset="0"/>
                 </a:rPr>
-                <a:t>Figure 10: Freetime</a:t>
+                <a:t>Figure 10: Program Information</a:t>
               </a:r>
             </a:p>
           </p:txBody>
         </p:sp>
+        <p:pic>
+          <p:nvPicPr>
+            <p:cNvPr id="4" name="Picture 3"/>
+            <p:cNvPicPr>
+              <a:picLocks noChangeAspect="1"/>
+            </p:cNvPicPr>
+            <p:nvPr/>
+          </p:nvPicPr>
+          <p:blipFill rotWithShape="1">
+            <a:blip r:embed="rId2"/>
+            <a:srcRect t="71193" b="3809"/>
+            <a:stretch/>
+          </p:blipFill>
+          <p:spPr>
+            <a:xfrm>
+              <a:off x="880844" y="2505089"/>
+              <a:ext cx="9000000" cy="1265514"/>
+            </a:xfrm>
+            <a:prstGeom prst="rect">
+              <a:avLst/>
+            </a:prstGeom>
+          </p:spPr>
+        </p:pic>
       </p:grpSp>
     </p:spTree>
     <p:extLst>
       <p:ext uri="{BB962C8B-B14F-4D97-AF65-F5344CB8AC3E}">
-        <p14:creationId xmlns:p14="http://schemas.microsoft.com/office/powerpoint/2010/main" val="4248354602"/>
+        <p14:creationId xmlns:p14="http://schemas.microsoft.com/office/powerpoint/2010/main" val="1306559121"/>
       </p:ext>
     </p:extLst>
   </p:cSld>
@@ -3281,137 +3280,12 @@
         </p:nvGrpSpPr>
         <p:grpSpPr>
           <a:xfrm>
-            <a:off x="880844" y="2575420"/>
-            <a:ext cx="9000000" cy="1595293"/>
-            <a:chOff x="880844" y="2575420"/>
-            <a:chExt cx="9000000" cy="1595293"/>
+            <a:off x="796954" y="2419301"/>
+            <a:ext cx="9000000" cy="1652544"/>
+            <a:chOff x="796954" y="2419301"/>
+            <a:chExt cx="9000000" cy="1652544"/>
           </a:xfrm>
         </p:grpSpPr>
-        <p:pic>
-          <p:nvPicPr>
-            <p:cNvPr id="2" name="Picture 1"/>
-            <p:cNvPicPr>
-              <a:picLocks noChangeAspect="1"/>
-            </p:cNvPicPr>
-            <p:nvPr/>
-          </p:nvPicPr>
-          <p:blipFill rotWithShape="1">
-            <a:blip r:embed="rId2"/>
-            <a:srcRect t="72416" b="3976"/>
-            <a:stretch/>
-          </p:blipFill>
-          <p:spPr>
-            <a:xfrm>
-              <a:off x="880844" y="2575420"/>
-              <a:ext cx="9000000" cy="1195183"/>
-            </a:xfrm>
-            <a:prstGeom prst="rect">
-              <a:avLst/>
-            </a:prstGeom>
-          </p:spPr>
-        </p:pic>
-        <p:sp>
-          <p:nvSpPr>
-            <p:cNvPr id="13" name="TextBox 12"/>
-            <p:cNvSpPr txBox="1"/>
-            <p:nvPr/>
-          </p:nvSpPr>
-          <p:spPr>
-            <a:xfrm>
-              <a:off x="880844" y="3770603"/>
-              <a:ext cx="3765774" cy="400110"/>
-            </a:xfrm>
-            <a:prstGeom prst="rect">
-              <a:avLst/>
-            </a:prstGeom>
-            <a:noFill/>
-          </p:spPr>
-          <p:txBody>
-            <a:bodyPr wrap="none" rtlCol="0">
-              <a:spAutoFit/>
-            </a:bodyPr>
-            <a:lstStyle/>
-            <a:p>
-              <a:r>
-                <a:rPr lang="en-SG" sz="2000" dirty="0">
-                  <a:solidFill>
-                    <a:schemeClr val="accent1"/>
-                  </a:solidFill>
-                  <a:latin typeface="Eras Medium ITC" panose="020B0602030504020804" pitchFamily="34" charset="0"/>
-                </a:rPr>
-                <a:t>Figure 11: Program Information</a:t>
-              </a:r>
-            </a:p>
-          </p:txBody>
-        </p:sp>
-      </p:grpSp>
-    </p:spTree>
-    <p:extLst>
-      <p:ext uri="{BB962C8B-B14F-4D97-AF65-F5344CB8AC3E}">
-        <p14:creationId xmlns:p14="http://schemas.microsoft.com/office/powerpoint/2010/main" val="1306559121"/>
-      </p:ext>
-    </p:extLst>
-  </p:cSld>
-  <p:clrMapOvr>
-    <a:masterClrMapping/>
-  </p:clrMapOvr>
-</p:sld>
-</file>
-
-<file path=ppt/slides/slide12.xml><?xml version="1.0" encoding="utf-8"?>
-<p:sld xmlns:a="http://schemas.openxmlformats.org/drawingml/2006/main" xmlns:r="http://schemas.openxmlformats.org/officeDocument/2006/relationships" xmlns:p="http://schemas.openxmlformats.org/presentationml/2006/main">
-  <p:cSld>
-    <p:spTree>
-      <p:nvGrpSpPr>
-        <p:cNvPr id="1" name=""/>
-        <p:cNvGrpSpPr/>
-        <p:nvPr/>
-      </p:nvGrpSpPr>
-      <p:grpSpPr>
-        <a:xfrm>
-          <a:off x="0" y="0"/>
-          <a:ext cx="0" cy="0"/>
-          <a:chOff x="0" y="0"/>
-          <a:chExt cx="0" cy="0"/>
-        </a:xfrm>
-      </p:grpSpPr>
-      <p:grpSp>
-        <p:nvGrpSpPr>
-          <p:cNvPr id="6" name="Group 5"/>
-          <p:cNvGrpSpPr/>
-          <p:nvPr/>
-        </p:nvGrpSpPr>
-        <p:grpSpPr>
-          <a:xfrm>
-            <a:off x="796954" y="2457973"/>
-            <a:ext cx="9000000" cy="1613872"/>
-            <a:chOff x="796954" y="2457973"/>
-            <a:chExt cx="9000000" cy="1613872"/>
-          </a:xfrm>
-        </p:grpSpPr>
-        <p:pic>
-          <p:nvPicPr>
-            <p:cNvPr id="4" name="Picture 3"/>
-            <p:cNvPicPr>
-              <a:picLocks noChangeAspect="1"/>
-            </p:cNvPicPr>
-            <p:nvPr/>
-          </p:nvPicPr>
-          <p:blipFill rotWithShape="1">
-            <a:blip r:embed="rId2"/>
-            <a:srcRect t="72172" b="3852"/>
-            <a:stretch/>
-          </p:blipFill>
-          <p:spPr>
-            <a:xfrm>
-              <a:off x="796954" y="2457973"/>
-              <a:ext cx="9000000" cy="1213762"/>
-            </a:xfrm>
-            <a:prstGeom prst="rect">
-              <a:avLst/>
-            </a:prstGeom>
-          </p:spPr>
-        </p:pic>
         <p:sp>
           <p:nvSpPr>
             <p:cNvPr id="5" name="TextBox 4"/>
@@ -3441,11 +3315,34 @@
                   </a:solidFill>
                   <a:latin typeface="Eras Medium ITC" panose="020B0602030504020804" pitchFamily="34" charset="0"/>
                 </a:rPr>
-                <a:t>Figure 12: Help for Information Command</a:t>
+                <a:t>Figure 11: Help for Information Command</a:t>
               </a:r>
             </a:p>
           </p:txBody>
         </p:sp>
+        <p:pic>
+          <p:nvPicPr>
+            <p:cNvPr id="2" name="Picture 1"/>
+            <p:cNvPicPr>
+              <a:picLocks noChangeAspect="1"/>
+            </p:cNvPicPr>
+            <p:nvPr/>
+          </p:nvPicPr>
+          <p:blipFill rotWithShape="1">
+            <a:blip r:embed="rId2"/>
+            <a:srcRect t="71315" b="3946"/>
+            <a:stretch/>
+          </p:blipFill>
+          <p:spPr>
+            <a:xfrm>
+              <a:off x="796954" y="2419301"/>
+              <a:ext cx="9000000" cy="1252434"/>
+            </a:xfrm>
+            <a:prstGeom prst="rect">
+              <a:avLst/>
+            </a:prstGeom>
+          </p:spPr>
+        </p:pic>
       </p:grpSp>
     </p:spTree>
     <p:extLst>
@@ -3823,41 +3720,18 @@
       </p:grpSpPr>
       <p:grpSp>
         <p:nvGrpSpPr>
-          <p:cNvPr id="3" name="Group 2"/>
+          <p:cNvPr id="5" name="Group 4"/>
           <p:cNvGrpSpPr/>
           <p:nvPr/>
         </p:nvGrpSpPr>
         <p:grpSpPr>
           <a:xfrm>
-            <a:off x="1095137" y="2296516"/>
-            <a:ext cx="9000000" cy="1335201"/>
-            <a:chOff x="1095137" y="2296516"/>
-            <a:chExt cx="9000000" cy="1335201"/>
+            <a:off x="1095137" y="2330701"/>
+            <a:ext cx="9000000" cy="1301016"/>
+            <a:chOff x="1095137" y="2330701"/>
+            <a:chExt cx="9000000" cy="1301016"/>
           </a:xfrm>
         </p:grpSpPr>
-        <p:pic>
-          <p:nvPicPr>
-            <p:cNvPr id="2" name="Picture 1"/>
-            <p:cNvPicPr>
-              <a:picLocks noChangeAspect="1"/>
-            </p:cNvPicPr>
-            <p:nvPr/>
-          </p:nvPicPr>
-          <p:blipFill rotWithShape="1">
-            <a:blip r:embed="rId2"/>
-            <a:srcRect b="81529"/>
-            <a:stretch/>
-          </p:blipFill>
-          <p:spPr>
-            <a:xfrm>
-              <a:off x="1095137" y="2296516"/>
-              <a:ext cx="9000000" cy="935091"/>
-            </a:xfrm>
-            <a:prstGeom prst="rect">
-              <a:avLst/>
-            </a:prstGeom>
-          </p:spPr>
-        </p:pic>
         <p:sp>
           <p:nvSpPr>
             <p:cNvPr id="15" name="TextBox 14"/>
@@ -3892,6 +3766,29 @@
             </a:p>
           </p:txBody>
         </p:sp>
+        <p:pic>
+          <p:nvPicPr>
+            <p:cNvPr id="4" name="Picture 3"/>
+            <p:cNvPicPr>
+              <a:picLocks noChangeAspect="1"/>
+            </p:cNvPicPr>
+            <p:nvPr/>
+          </p:nvPicPr>
+          <p:blipFill rotWithShape="1">
+            <a:blip r:embed="rId2"/>
+            <a:srcRect b="82204"/>
+            <a:stretch/>
+          </p:blipFill>
+          <p:spPr>
+            <a:xfrm>
+              <a:off x="1095137" y="2330701"/>
+              <a:ext cx="9000000" cy="900906"/>
+            </a:xfrm>
+            <a:prstGeom prst="rect">
+              <a:avLst/>
+            </a:prstGeom>
+          </p:spPr>
+        </p:pic>
       </p:grpSp>
     </p:spTree>
     <p:extLst>
@@ -3925,16 +3822,16 @@
       </p:grpSpPr>
       <p:grpSp>
         <p:nvGrpSpPr>
-          <p:cNvPr id="5" name="Group 4"/>
+          <p:cNvPr id="3" name="Group 2"/>
           <p:cNvGrpSpPr/>
           <p:nvPr/>
         </p:nvGrpSpPr>
         <p:grpSpPr>
           <a:xfrm>
-            <a:off x="1095137" y="2015204"/>
-            <a:ext cx="9000000" cy="1616513"/>
-            <a:chOff x="1095137" y="2015204"/>
-            <a:chExt cx="9000000" cy="1616513"/>
+            <a:off x="1095137" y="1949197"/>
+            <a:ext cx="9000000" cy="1682520"/>
+            <a:chOff x="1095137" y="1949197"/>
+            <a:chExt cx="9000000" cy="1682520"/>
           </a:xfrm>
         </p:grpSpPr>
         <p:sp>
@@ -3973,7 +3870,7 @@
         </p:sp>
         <p:pic>
           <p:nvPicPr>
-            <p:cNvPr id="4" name="Picture 3"/>
+            <p:cNvPr id="2" name="Picture 1"/>
             <p:cNvPicPr>
               <a:picLocks noChangeAspect="1"/>
             </p:cNvPicPr>
@@ -3981,13 +3878,13 @@
           </p:nvPicPr>
           <p:blipFill rotWithShape="1">
             <a:blip r:embed="rId2"/>
-            <a:srcRect t="72049" b="3924"/>
+            <a:srcRect t="70693" b="3975"/>
             <a:stretch/>
           </p:blipFill>
           <p:spPr>
             <a:xfrm>
-              <a:off x="1095137" y="2015204"/>
-              <a:ext cx="9000000" cy="1216403"/>
+              <a:off x="1095137" y="1949197"/>
+              <a:ext cx="9000000" cy="1282410"/>
             </a:xfrm>
             <a:prstGeom prst="rect">
               <a:avLst/>
@@ -4027,16 +3924,16 @@
       </p:grpSpPr>
       <p:grpSp>
         <p:nvGrpSpPr>
-          <p:cNvPr id="3" name="Group 2"/>
+          <p:cNvPr id="5" name="Group 4"/>
           <p:cNvGrpSpPr/>
           <p:nvPr/>
         </p:nvGrpSpPr>
         <p:grpSpPr>
           <a:xfrm>
             <a:off x="1585522" y="234723"/>
-            <a:ext cx="9001385" cy="5800110"/>
+            <a:ext cx="9001386" cy="5800110"/>
             <a:chOff x="1585522" y="234723"/>
-            <a:chExt cx="9001385" cy="5800110"/>
+            <a:chExt cx="9001386" cy="5800110"/>
           </a:xfrm>
         </p:grpSpPr>
         <p:sp>
@@ -4075,7 +3972,7 @@
         </p:sp>
         <p:pic>
           <p:nvPicPr>
-            <p:cNvPr id="2" name="Picture 1"/>
+            <p:cNvPr id="4" name="Picture 3"/>
             <p:cNvPicPr>
               <a:picLocks noChangeAspect="1"/>
             </p:cNvPicPr>
@@ -4083,13 +3980,13 @@
           </p:nvPicPr>
           <p:blipFill rotWithShape="1">
             <a:blip r:embed="rId2"/>
-            <a:srcRect b="3809"/>
+            <a:srcRect b="4097"/>
             <a:stretch/>
           </p:blipFill>
           <p:spPr>
             <a:xfrm>
               <a:off x="1585522" y="234723"/>
-              <a:ext cx="9001385" cy="5400000"/>
+              <a:ext cx="9001386" cy="5400000"/>
             </a:xfrm>
             <a:prstGeom prst="rect">
               <a:avLst/>
@@ -4129,453 +4026,18 @@
       </p:grpSpPr>
       <p:grpSp>
         <p:nvGrpSpPr>
-          <p:cNvPr id="29" name="Group 28"/>
-          <p:cNvGrpSpPr/>
-          <p:nvPr/>
-        </p:nvGrpSpPr>
-        <p:grpSpPr>
-          <a:xfrm>
-            <a:off x="511728" y="332992"/>
-            <a:ext cx="9000000" cy="3447018"/>
-            <a:chOff x="511728" y="332992"/>
-            <a:chExt cx="9000000" cy="3447018"/>
-          </a:xfrm>
-        </p:grpSpPr>
-        <p:grpSp>
-          <p:nvGrpSpPr>
-            <p:cNvPr id="11" name="Group 10"/>
-            <p:cNvGrpSpPr/>
-            <p:nvPr/>
-          </p:nvGrpSpPr>
-          <p:grpSpPr>
-            <a:xfrm>
-              <a:off x="511728" y="332992"/>
-              <a:ext cx="9000000" cy="3025440"/>
-              <a:chOff x="511728" y="332992"/>
-              <a:chExt cx="9000000" cy="3025440"/>
-            </a:xfrm>
-          </p:grpSpPr>
-          <p:pic>
-            <p:nvPicPr>
-              <p:cNvPr id="4" name="Picture 3"/>
-              <p:cNvPicPr>
-                <a:picLocks noChangeAspect="1"/>
-              </p:cNvPicPr>
-              <p:nvPr/>
-            </p:nvPicPr>
-            <p:blipFill rotWithShape="1">
-              <a:blip r:embed="rId2"/>
-              <a:srcRect t="3266" b="82997"/>
-              <a:stretch/>
-            </p:blipFill>
-            <p:spPr>
-              <a:xfrm>
-                <a:off x="511728" y="332992"/>
-                <a:ext cx="9000000" cy="695474"/>
-              </a:xfrm>
-              <a:prstGeom prst="rect">
-                <a:avLst/>
-              </a:prstGeom>
-            </p:spPr>
-          </p:pic>
-          <p:pic>
-            <p:nvPicPr>
-              <p:cNvPr id="5" name="Picture 4"/>
-              <p:cNvPicPr>
-                <a:picLocks noChangeAspect="1"/>
-              </p:cNvPicPr>
-              <p:nvPr/>
-            </p:nvPicPr>
-            <p:blipFill rotWithShape="1">
-              <a:blip r:embed="rId3"/>
-              <a:srcRect t="6728" b="82993"/>
-              <a:stretch/>
-            </p:blipFill>
-            <p:spPr>
-              <a:xfrm>
-                <a:off x="511728" y="1028466"/>
-                <a:ext cx="9000000" cy="520374"/>
-              </a:xfrm>
-              <a:prstGeom prst="rect">
-                <a:avLst/>
-              </a:prstGeom>
-            </p:spPr>
-          </p:pic>
-          <p:pic>
-            <p:nvPicPr>
-              <p:cNvPr id="6" name="Picture 5"/>
-              <p:cNvPicPr>
-                <a:picLocks noChangeAspect="1"/>
-              </p:cNvPicPr>
-              <p:nvPr/>
-            </p:nvPicPr>
-            <p:blipFill rotWithShape="1">
-              <a:blip r:embed="rId4"/>
-              <a:srcRect t="6605" b="83120"/>
-              <a:stretch/>
-            </p:blipFill>
-            <p:spPr>
-              <a:xfrm>
-                <a:off x="511728" y="1539748"/>
-                <a:ext cx="9000000" cy="520183"/>
-              </a:xfrm>
-              <a:prstGeom prst="rect">
-                <a:avLst/>
-              </a:prstGeom>
-            </p:spPr>
-          </p:pic>
-          <p:pic>
-            <p:nvPicPr>
-              <p:cNvPr id="7" name="Picture 6"/>
-              <p:cNvPicPr>
-                <a:picLocks noChangeAspect="1"/>
-              </p:cNvPicPr>
-              <p:nvPr/>
-            </p:nvPicPr>
-            <p:blipFill rotWithShape="1">
-              <a:blip r:embed="rId5"/>
-              <a:srcRect t="6850" b="82997"/>
-              <a:stretch/>
-            </p:blipFill>
-            <p:spPr>
-              <a:xfrm>
-                <a:off x="511728" y="2059931"/>
-                <a:ext cx="9000000" cy="513992"/>
-              </a:xfrm>
-              <a:prstGeom prst="rect">
-                <a:avLst/>
-              </a:prstGeom>
-            </p:spPr>
-          </p:pic>
-          <p:pic>
-            <p:nvPicPr>
-              <p:cNvPr id="8" name="Picture 7"/>
-              <p:cNvPicPr>
-                <a:picLocks noChangeAspect="1"/>
-              </p:cNvPicPr>
-              <p:nvPr/>
-            </p:nvPicPr>
-            <p:blipFill rotWithShape="1">
-              <a:blip r:embed="rId6"/>
-              <a:srcRect t="6605" b="84882"/>
-              <a:stretch/>
-            </p:blipFill>
-            <p:spPr>
-              <a:xfrm>
-                <a:off x="511728" y="2533606"/>
-                <a:ext cx="9000000" cy="430990"/>
-              </a:xfrm>
-              <a:prstGeom prst="rect">
-                <a:avLst/>
-              </a:prstGeom>
-            </p:spPr>
-          </p:pic>
-          <p:pic>
-            <p:nvPicPr>
-              <p:cNvPr id="9" name="Picture 8"/>
-              <p:cNvPicPr>
-                <a:picLocks noChangeAspect="1"/>
-              </p:cNvPicPr>
-              <p:nvPr/>
-            </p:nvPicPr>
-            <p:blipFill rotWithShape="1">
-              <a:blip r:embed="rId7"/>
-              <a:srcRect t="6239" b="85982"/>
-              <a:stretch/>
-            </p:blipFill>
-            <p:spPr>
-              <a:xfrm>
-                <a:off x="511728" y="2964596"/>
-                <a:ext cx="9000000" cy="393836"/>
-              </a:xfrm>
-              <a:prstGeom prst="rect">
-                <a:avLst/>
-              </a:prstGeom>
-            </p:spPr>
-          </p:pic>
-        </p:grpSp>
-        <p:cxnSp>
-          <p:nvCxnSpPr>
-            <p:cNvPr id="13" name="Straight Arrow Connector 12"/>
-            <p:cNvCxnSpPr/>
-            <p:nvPr/>
-          </p:nvCxnSpPr>
-          <p:spPr>
-            <a:xfrm>
-              <a:off x="6459523" y="960379"/>
-              <a:ext cx="8389" cy="211387"/>
-            </a:xfrm>
-            <a:prstGeom prst="straightConnector1">
-              <a:avLst/>
-            </a:prstGeom>
-            <a:ln>
-              <a:solidFill>
-                <a:srgbClr val="FF0000"/>
-              </a:solidFill>
-              <a:tailEnd type="triangle"/>
-            </a:ln>
-          </p:spPr>
-          <p:style>
-            <a:lnRef idx="1">
-              <a:schemeClr val="accent1"/>
-            </a:lnRef>
-            <a:fillRef idx="0">
-              <a:schemeClr val="accent1"/>
-            </a:fillRef>
-            <a:effectRef idx="0">
-              <a:schemeClr val="accent1"/>
-            </a:effectRef>
-            <a:fontRef idx="minor">
-              <a:schemeClr val="tx1"/>
-            </a:fontRef>
-          </p:style>
-        </p:cxnSp>
-        <p:cxnSp>
-          <p:nvCxnSpPr>
-            <p:cNvPr id="16" name="Straight Arrow Connector 15"/>
-            <p:cNvCxnSpPr/>
-            <p:nvPr/>
-          </p:nvCxnSpPr>
-          <p:spPr>
-            <a:xfrm>
-              <a:off x="6451134" y="1468597"/>
-              <a:ext cx="8389" cy="211387"/>
-            </a:xfrm>
-            <a:prstGeom prst="straightConnector1">
-              <a:avLst/>
-            </a:prstGeom>
-            <a:ln>
-              <a:solidFill>
-                <a:srgbClr val="FF0000"/>
-              </a:solidFill>
-              <a:tailEnd type="triangle"/>
-            </a:ln>
-          </p:spPr>
-          <p:style>
-            <a:lnRef idx="1">
-              <a:schemeClr val="accent1"/>
-            </a:lnRef>
-            <a:fillRef idx="0">
-              <a:schemeClr val="accent1"/>
-            </a:fillRef>
-            <a:effectRef idx="0">
-              <a:schemeClr val="accent1"/>
-            </a:effectRef>
-            <a:fontRef idx="minor">
-              <a:schemeClr val="tx1"/>
-            </a:fontRef>
-          </p:style>
-        </p:cxnSp>
-        <p:cxnSp>
-          <p:nvCxnSpPr>
-            <p:cNvPr id="17" name="Straight Arrow Connector 16"/>
-            <p:cNvCxnSpPr/>
-            <p:nvPr/>
-          </p:nvCxnSpPr>
-          <p:spPr>
-            <a:xfrm>
-              <a:off x="6459523" y="1964963"/>
-              <a:ext cx="8389" cy="211387"/>
-            </a:xfrm>
-            <a:prstGeom prst="straightConnector1">
-              <a:avLst/>
-            </a:prstGeom>
-            <a:ln>
-              <a:solidFill>
-                <a:srgbClr val="FF0000"/>
-              </a:solidFill>
-              <a:tailEnd type="triangle"/>
-            </a:ln>
-          </p:spPr>
-          <p:style>
-            <a:lnRef idx="1">
-              <a:schemeClr val="accent1"/>
-            </a:lnRef>
-            <a:fillRef idx="0">
-              <a:schemeClr val="accent1"/>
-            </a:fillRef>
-            <a:effectRef idx="0">
-              <a:schemeClr val="accent1"/>
-            </a:effectRef>
-            <a:fontRef idx="minor">
-              <a:schemeClr val="tx1"/>
-            </a:fontRef>
-          </p:style>
-        </p:cxnSp>
-        <p:cxnSp>
-          <p:nvCxnSpPr>
-            <p:cNvPr id="18" name="Straight Arrow Connector 17"/>
-            <p:cNvCxnSpPr/>
-            <p:nvPr/>
-          </p:nvCxnSpPr>
-          <p:spPr>
-            <a:xfrm>
-              <a:off x="3558330" y="2871218"/>
-              <a:ext cx="8389" cy="211387"/>
-            </a:xfrm>
-            <a:prstGeom prst="straightConnector1">
-              <a:avLst/>
-            </a:prstGeom>
-            <a:ln>
-              <a:solidFill>
-                <a:srgbClr val="FF0000"/>
-              </a:solidFill>
-              <a:tailEnd type="triangle"/>
-            </a:ln>
-          </p:spPr>
-          <p:style>
-            <a:lnRef idx="1">
-              <a:schemeClr val="accent1"/>
-            </a:lnRef>
-            <a:fillRef idx="0">
-              <a:schemeClr val="accent1"/>
-            </a:fillRef>
-            <a:effectRef idx="0">
-              <a:schemeClr val="accent1"/>
-            </a:effectRef>
-            <a:fontRef idx="minor">
-              <a:schemeClr val="tx1"/>
-            </a:fontRef>
-          </p:style>
-        </p:cxnSp>
-        <p:cxnSp>
-          <p:nvCxnSpPr>
-            <p:cNvPr id="25" name="Straight Arrow Connector 24"/>
-            <p:cNvCxnSpPr/>
-            <p:nvPr/>
-          </p:nvCxnSpPr>
-          <p:spPr>
-            <a:xfrm flipH="1">
-              <a:off x="4890088" y="2415597"/>
-              <a:ext cx="243280" cy="78298"/>
-            </a:xfrm>
-            <a:prstGeom prst="straightConnector1">
-              <a:avLst/>
-            </a:prstGeom>
-            <a:ln>
-              <a:solidFill>
-                <a:srgbClr val="FF0000"/>
-              </a:solidFill>
-              <a:tailEnd type="triangle"/>
-            </a:ln>
-          </p:spPr>
-          <p:style>
-            <a:lnRef idx="1">
-              <a:schemeClr val="accent1"/>
-            </a:lnRef>
-            <a:fillRef idx="0">
-              <a:schemeClr val="accent1"/>
-            </a:fillRef>
-            <a:effectRef idx="0">
-              <a:schemeClr val="accent1"/>
-            </a:effectRef>
-            <a:fontRef idx="minor">
-              <a:schemeClr val="tx1"/>
-            </a:fontRef>
-          </p:style>
-        </p:cxnSp>
-        <p:sp>
-          <p:nvSpPr>
-            <p:cNvPr id="28" name="TextBox 27"/>
-            <p:cNvSpPr txBox="1"/>
-            <p:nvPr/>
-          </p:nvSpPr>
-          <p:spPr>
-            <a:xfrm>
-              <a:off x="511728" y="3379900"/>
-              <a:ext cx="3533340" cy="400110"/>
-            </a:xfrm>
-            <a:prstGeom prst="rect">
-              <a:avLst/>
-            </a:prstGeom>
-            <a:noFill/>
-          </p:spPr>
-          <p:txBody>
-            <a:bodyPr wrap="none" rtlCol="0">
-              <a:spAutoFit/>
-            </a:bodyPr>
-            <a:lstStyle/>
-            <a:p>
-              <a:r>
-                <a:rPr lang="en-SG" sz="2000" dirty="0">
-                  <a:solidFill>
-                    <a:schemeClr val="accent1"/>
-                  </a:solidFill>
-                  <a:latin typeface="Eras Medium ITC" panose="020B0602030504020804" pitchFamily="34" charset="0"/>
-                </a:rPr>
-                <a:t>Figure 6: Task Transformation</a:t>
-              </a:r>
-            </a:p>
-          </p:txBody>
-        </p:sp>
-      </p:grpSp>
-    </p:spTree>
-    <p:extLst>
-      <p:ext uri="{BB962C8B-B14F-4D97-AF65-F5344CB8AC3E}">
-        <p14:creationId xmlns:p14="http://schemas.microsoft.com/office/powerpoint/2010/main" val="3334147668"/>
-      </p:ext>
-    </p:extLst>
-  </p:cSld>
-  <p:clrMapOvr>
-    <a:masterClrMapping/>
-  </p:clrMapOvr>
-</p:sld>
-</file>
-
-<file path=ppt/slides/slide7.xml><?xml version="1.0" encoding="utf-8"?>
-<p:sld xmlns:a="http://schemas.openxmlformats.org/drawingml/2006/main" xmlns:r="http://schemas.openxmlformats.org/officeDocument/2006/relationships" xmlns:p="http://schemas.openxmlformats.org/presentationml/2006/main">
-  <p:cSld>
-    <p:spTree>
-      <p:nvGrpSpPr>
-        <p:cNvPr id="1" name=""/>
-        <p:cNvGrpSpPr/>
-        <p:nvPr/>
-      </p:nvGrpSpPr>
-      <p:grpSpPr>
-        <a:xfrm>
-          <a:off x="0" y="0"/>
-          <a:ext cx="0" cy="0"/>
-          <a:chOff x="0" y="0"/>
-          <a:chExt cx="0" cy="0"/>
-        </a:xfrm>
-      </p:grpSpPr>
-      <p:grpSp>
-        <p:nvGrpSpPr>
-          <p:cNvPr id="6" name="Group 5"/>
+          <p:cNvPr id="3" name="Group 2"/>
           <p:cNvGrpSpPr/>
           <p:nvPr/>
         </p:nvGrpSpPr>
         <p:grpSpPr>
           <a:xfrm>
             <a:off x="922787" y="352338"/>
-            <a:ext cx="9001389" cy="5800110"/>
+            <a:ext cx="9001386" cy="5800110"/>
             <a:chOff x="922787" y="352338"/>
-            <a:chExt cx="9001389" cy="5800110"/>
+            <a:chExt cx="9001386" cy="5800110"/>
           </a:xfrm>
         </p:grpSpPr>
-        <p:pic>
-          <p:nvPicPr>
-            <p:cNvPr id="4" name="Picture 3"/>
-            <p:cNvPicPr>
-              <a:picLocks noChangeAspect="1"/>
-            </p:cNvPicPr>
-            <p:nvPr/>
-          </p:nvPicPr>
-          <p:blipFill rotWithShape="1">
-            <a:blip r:embed="rId2"/>
-            <a:srcRect b="3486"/>
-            <a:stretch/>
-          </p:blipFill>
-          <p:spPr>
-            <a:xfrm>
-              <a:off x="922787" y="352338"/>
-              <a:ext cx="9001389" cy="5400000"/>
-            </a:xfrm>
-            <a:prstGeom prst="rect">
-              <a:avLst/>
-            </a:prstGeom>
-          </p:spPr>
-        </p:pic>
         <p:sp>
           <p:nvSpPr>
             <p:cNvPr id="5" name="TextBox 4"/>
@@ -4605,16 +4067,141 @@
                   </a:solidFill>
                   <a:latin typeface="Eras Medium ITC" panose="020B0602030504020804" pitchFamily="34" charset="0"/>
                 </a:rPr>
-                <a:t>Figure 7: Listing All Tasks</a:t>
+                <a:t>Figure 6: Listing All Tasks</a:t>
               </a:r>
             </a:p>
           </p:txBody>
         </p:sp>
+        <p:pic>
+          <p:nvPicPr>
+            <p:cNvPr id="2" name="Picture 1"/>
+            <p:cNvPicPr>
+              <a:picLocks noChangeAspect="1"/>
+            </p:cNvPicPr>
+            <p:nvPr/>
+          </p:nvPicPr>
+          <p:blipFill rotWithShape="1">
+            <a:blip r:embed="rId2"/>
+            <a:srcRect b="4082"/>
+            <a:stretch/>
+          </p:blipFill>
+          <p:spPr>
+            <a:xfrm>
+              <a:off x="922787" y="352338"/>
+              <a:ext cx="9001386" cy="5400000"/>
+            </a:xfrm>
+            <a:prstGeom prst="rect">
+              <a:avLst/>
+            </a:prstGeom>
+          </p:spPr>
+        </p:pic>
       </p:grpSp>
     </p:spTree>
     <p:extLst>
       <p:ext uri="{BB962C8B-B14F-4D97-AF65-F5344CB8AC3E}">
         <p14:creationId xmlns:p14="http://schemas.microsoft.com/office/powerpoint/2010/main" val="1730416472"/>
+      </p:ext>
+    </p:extLst>
+  </p:cSld>
+  <p:clrMapOvr>
+    <a:masterClrMapping/>
+  </p:clrMapOvr>
+</p:sld>
+</file>
+
+<file path=ppt/slides/slide7.xml><?xml version="1.0" encoding="utf-8"?>
+<p:sld xmlns:a="http://schemas.openxmlformats.org/drawingml/2006/main" xmlns:r="http://schemas.openxmlformats.org/officeDocument/2006/relationships" xmlns:p="http://schemas.openxmlformats.org/presentationml/2006/main">
+  <p:cSld>
+    <p:spTree>
+      <p:nvGrpSpPr>
+        <p:cNvPr id="1" name=""/>
+        <p:cNvGrpSpPr/>
+        <p:nvPr/>
+      </p:nvGrpSpPr>
+      <p:grpSpPr>
+        <a:xfrm>
+          <a:off x="0" y="0"/>
+          <a:ext cx="0" cy="0"/>
+          <a:chOff x="0" y="0"/>
+          <a:chExt cx="0" cy="0"/>
+        </a:xfrm>
+      </p:grpSpPr>
+      <p:grpSp>
+        <p:nvGrpSpPr>
+          <p:cNvPr id="4" name="Group 3"/>
+          <p:cNvGrpSpPr/>
+          <p:nvPr/>
+        </p:nvGrpSpPr>
+        <p:grpSpPr>
+          <a:xfrm>
+            <a:off x="922787" y="352338"/>
+            <a:ext cx="9001386" cy="5800110"/>
+            <a:chOff x="922787" y="352338"/>
+            <a:chExt cx="9001386" cy="5800110"/>
+          </a:xfrm>
+        </p:grpSpPr>
+        <p:sp>
+          <p:nvSpPr>
+            <p:cNvPr id="5" name="TextBox 4"/>
+            <p:cNvSpPr txBox="1"/>
+            <p:nvPr/>
+          </p:nvSpPr>
+          <p:spPr>
+            <a:xfrm>
+              <a:off x="922787" y="5752338"/>
+              <a:ext cx="4265911" cy="400110"/>
+            </a:xfrm>
+            <a:prstGeom prst="rect">
+              <a:avLst/>
+            </a:prstGeom>
+            <a:noFill/>
+          </p:spPr>
+          <p:txBody>
+            <a:bodyPr wrap="none" rtlCol="0">
+              <a:spAutoFit/>
+            </a:bodyPr>
+            <a:lstStyle/>
+            <a:p>
+              <a:r>
+                <a:rPr lang="en-SG" sz="2000" dirty="0">
+                  <a:solidFill>
+                    <a:schemeClr val="accent1"/>
+                  </a:solidFill>
+                  <a:latin typeface="Eras Medium ITC" panose="020B0602030504020804" pitchFamily="34" charset="0"/>
+                </a:rPr>
+                <a:t>Figure 7: Listing Tasks with NUS Tag</a:t>
+              </a:r>
+            </a:p>
+          </p:txBody>
+        </p:sp>
+        <p:pic>
+          <p:nvPicPr>
+            <p:cNvPr id="2" name="Picture 1"/>
+            <p:cNvPicPr>
+              <a:picLocks noChangeAspect="1"/>
+            </p:cNvPicPr>
+            <p:nvPr/>
+          </p:nvPicPr>
+          <p:blipFill rotWithShape="1">
+            <a:blip r:embed="rId2"/>
+            <a:srcRect b="3854"/>
+            <a:stretch/>
+          </p:blipFill>
+          <p:spPr>
+            <a:xfrm>
+              <a:off x="922787" y="352338"/>
+              <a:ext cx="9001386" cy="5400000"/>
+            </a:xfrm>
+            <a:prstGeom prst="rect">
+              <a:avLst/>
+            </a:prstGeom>
+          </p:spPr>
+        </p:pic>
+      </p:grpSp>
+    </p:spTree>
+    <p:extLst>
+      <p:ext uri="{BB962C8B-B14F-4D97-AF65-F5344CB8AC3E}">
+        <p14:creationId xmlns:p14="http://schemas.microsoft.com/office/powerpoint/2010/main" val="4222431348"/>
       </p:ext>
     </p:extLst>
   </p:cSld>
@@ -4643,51 +4230,28 @@
       </p:grpSpPr>
       <p:grpSp>
         <p:nvGrpSpPr>
-          <p:cNvPr id="6" name="Group 5"/>
+          <p:cNvPr id="5" name="Group 4"/>
           <p:cNvGrpSpPr/>
           <p:nvPr/>
         </p:nvGrpSpPr>
         <p:grpSpPr>
           <a:xfrm>
-            <a:off x="922787" y="352338"/>
-            <a:ext cx="9001388" cy="5800110"/>
-            <a:chOff x="922787" y="352338"/>
-            <a:chExt cx="9001388" cy="5800110"/>
+            <a:off x="989900" y="1964875"/>
+            <a:ext cx="9000000" cy="1658358"/>
+            <a:chOff x="989900" y="1964875"/>
+            <a:chExt cx="9000000" cy="1658358"/>
           </a:xfrm>
         </p:grpSpPr>
-        <p:pic>
-          <p:nvPicPr>
-            <p:cNvPr id="3" name="Picture 2"/>
-            <p:cNvPicPr>
-              <a:picLocks noChangeAspect="1"/>
-            </p:cNvPicPr>
-            <p:nvPr/>
-          </p:nvPicPr>
-          <p:blipFill rotWithShape="1">
-            <a:blip r:embed="rId2"/>
-            <a:srcRect b="3486"/>
-            <a:stretch/>
-          </p:blipFill>
-          <p:spPr>
-            <a:xfrm>
-              <a:off x="922787" y="352338"/>
-              <a:ext cx="9001388" cy="5400000"/>
-            </a:xfrm>
-            <a:prstGeom prst="rect">
-              <a:avLst/>
-            </a:prstGeom>
-          </p:spPr>
-        </p:pic>
         <p:sp>
           <p:nvSpPr>
-            <p:cNvPr id="5" name="TextBox 4"/>
+            <p:cNvPr id="7" name="TextBox 6"/>
             <p:cNvSpPr txBox="1"/>
             <p:nvPr/>
           </p:nvSpPr>
           <p:spPr>
             <a:xfrm>
-              <a:off x="922787" y="5752338"/>
-              <a:ext cx="5104282" cy="400110"/>
+              <a:off x="989900" y="3223123"/>
+              <a:ext cx="2948243" cy="400110"/>
             </a:xfrm>
             <a:prstGeom prst="rect">
               <a:avLst/>
@@ -4707,16 +4271,39 @@
                   </a:solidFill>
                   <a:latin typeface="Eras Medium ITC" panose="020B0602030504020804" pitchFamily="34" charset="0"/>
                 </a:rPr>
-                <a:t>Figure 8: Listing Tasks with Assignment Tag</a:t>
+                <a:t>Figure 8: Viewing a Task</a:t>
               </a:r>
             </a:p>
           </p:txBody>
         </p:sp>
+        <p:pic>
+          <p:nvPicPr>
+            <p:cNvPr id="4" name="Picture 3"/>
+            <p:cNvPicPr>
+              <a:picLocks noChangeAspect="1"/>
+            </p:cNvPicPr>
+            <p:nvPr/>
+          </p:nvPicPr>
+          <p:blipFill rotWithShape="1">
+            <a:blip r:embed="rId2"/>
+            <a:srcRect t="71293" b="3853"/>
+            <a:stretch/>
+          </p:blipFill>
+          <p:spPr>
+            <a:xfrm>
+              <a:off x="989900" y="1964875"/>
+              <a:ext cx="9000000" cy="1258248"/>
+            </a:xfrm>
+            <a:prstGeom prst="rect">
+              <a:avLst/>
+            </a:prstGeom>
+          </p:spPr>
+        </p:pic>
       </p:grpSp>
     </p:spTree>
     <p:extLst>
       <p:ext uri="{BB962C8B-B14F-4D97-AF65-F5344CB8AC3E}">
-        <p14:creationId xmlns:p14="http://schemas.microsoft.com/office/powerpoint/2010/main" val="4222431348"/>
+        <p14:creationId xmlns:p14="http://schemas.microsoft.com/office/powerpoint/2010/main" val="514233429"/>
       </p:ext>
     </p:extLst>
   </p:cSld>
@@ -4751,45 +4338,22 @@
         </p:nvGrpSpPr>
         <p:grpSpPr>
           <a:xfrm>
-            <a:off x="989900" y="2021747"/>
-            <a:ext cx="9000000" cy="1601486"/>
-            <a:chOff x="989900" y="2021747"/>
-            <a:chExt cx="9000000" cy="1601486"/>
+            <a:off x="813735" y="285226"/>
+            <a:ext cx="9001388" cy="5800110"/>
+            <a:chOff x="813735" y="285226"/>
+            <a:chExt cx="9001388" cy="5800110"/>
           </a:xfrm>
         </p:grpSpPr>
-        <p:pic>
-          <p:nvPicPr>
-            <p:cNvPr id="2" name="Picture 1"/>
-            <p:cNvPicPr>
-              <a:picLocks noChangeAspect="1"/>
-            </p:cNvPicPr>
-            <p:nvPr/>
-          </p:nvPicPr>
-          <p:blipFill rotWithShape="1">
-            <a:blip r:embed="rId2"/>
-            <a:srcRect t="72538" b="3732"/>
-            <a:stretch/>
-          </p:blipFill>
-          <p:spPr>
-            <a:xfrm>
-              <a:off x="989900" y="2021747"/>
-              <a:ext cx="9000000" cy="1201376"/>
-            </a:xfrm>
-            <a:prstGeom prst="rect">
-              <a:avLst/>
-            </a:prstGeom>
-          </p:spPr>
-        </p:pic>
         <p:sp>
           <p:nvSpPr>
-            <p:cNvPr id="7" name="TextBox 6"/>
+            <p:cNvPr id="6" name="TextBox 5"/>
             <p:cNvSpPr txBox="1"/>
             <p:nvPr/>
           </p:nvSpPr>
           <p:spPr>
             <a:xfrm>
-              <a:off x="989900" y="3223123"/>
-              <a:ext cx="2948243" cy="400110"/>
+              <a:off x="813735" y="5685226"/>
+              <a:ext cx="2236510" cy="400110"/>
             </a:xfrm>
             <a:prstGeom prst="rect">
               <a:avLst/>
@@ -4809,16 +4373,39 @@
                   </a:solidFill>
                   <a:latin typeface="Eras Medium ITC" panose="020B0602030504020804" pitchFamily="34" charset="0"/>
                 </a:rPr>
-                <a:t>Figure 9: Viewing a Task</a:t>
+                <a:t>Figure 9: Freetime</a:t>
               </a:r>
             </a:p>
           </p:txBody>
         </p:sp>
+        <p:pic>
+          <p:nvPicPr>
+            <p:cNvPr id="2" name="Picture 1"/>
+            <p:cNvPicPr>
+              <a:picLocks noChangeAspect="1"/>
+            </p:cNvPicPr>
+            <p:nvPr/>
+          </p:nvPicPr>
+          <p:blipFill rotWithShape="1">
+            <a:blip r:embed="rId2"/>
+            <a:srcRect b="4097"/>
+            <a:stretch/>
+          </p:blipFill>
+          <p:spPr>
+            <a:xfrm>
+              <a:off x="813735" y="285226"/>
+              <a:ext cx="9001388" cy="5400000"/>
+            </a:xfrm>
+            <a:prstGeom prst="rect">
+              <a:avLst/>
+            </a:prstGeom>
+          </p:spPr>
+        </p:pic>
       </p:grpSp>
     </p:spTree>
     <p:extLst>
       <p:ext uri="{BB962C8B-B14F-4D97-AF65-F5344CB8AC3E}">
-        <p14:creationId xmlns:p14="http://schemas.microsoft.com/office/powerpoint/2010/main" val="514233429"/>
+        <p14:creationId xmlns:p14="http://schemas.microsoft.com/office/powerpoint/2010/main" val="4248354602"/>
       </p:ext>
     </p:extLst>
   </p:cSld>

--- a/doc/UserGuide.pptx
+++ b/doc/UserGuide.pptx
@@ -3628,7 +3628,7 @@
           <p:spPr>
             <a:xfrm>
               <a:off x="1031846" y="4843279"/>
-              <a:ext cx="1167307" cy="307777"/>
+              <a:ext cx="1066318" cy="307777"/>
             </a:xfrm>
             <a:prstGeom prst="rect">
               <a:avLst/>
@@ -3648,7 +3648,7 @@
                   </a:solidFill>
                   <a:latin typeface="Eras Light ITC" panose="020B0402030504020804" pitchFamily="34" charset="0"/>
                 </a:rPr>
-                <a:t>Display Panel</a:t>
+                <a:t>Result Panel</a:t>
               </a:r>
             </a:p>
           </p:txBody>

--- a/doc/UserGuide.pptx
+++ b/doc/UserGuide.pptx
@@ -253,7 +253,7 @@
           <a:p>
             <a:fld id="{81EB79EC-C7E3-4EC7-84B9-0BB9050C86D2}" type="datetimeFigureOut">
               <a:rPr lang="en-SG" smtClean="0"/>
-              <a:t>6/11/2016</a:t>
+              <a:t>7/11/2016</a:t>
             </a:fld>
             <a:endParaRPr lang="en-SG"/>
           </a:p>
@@ -423,7 +423,7 @@
           <a:p>
             <a:fld id="{81EB79EC-C7E3-4EC7-84B9-0BB9050C86D2}" type="datetimeFigureOut">
               <a:rPr lang="en-SG" smtClean="0"/>
-              <a:t>6/11/2016</a:t>
+              <a:t>7/11/2016</a:t>
             </a:fld>
             <a:endParaRPr lang="en-SG"/>
           </a:p>
@@ -603,7 +603,7 @@
           <a:p>
             <a:fld id="{81EB79EC-C7E3-4EC7-84B9-0BB9050C86D2}" type="datetimeFigureOut">
               <a:rPr lang="en-SG" smtClean="0"/>
-              <a:t>6/11/2016</a:t>
+              <a:t>7/11/2016</a:t>
             </a:fld>
             <a:endParaRPr lang="en-SG"/>
           </a:p>
@@ -773,7 +773,7 @@
           <a:p>
             <a:fld id="{81EB79EC-C7E3-4EC7-84B9-0BB9050C86D2}" type="datetimeFigureOut">
               <a:rPr lang="en-SG" smtClean="0"/>
-              <a:t>6/11/2016</a:t>
+              <a:t>7/11/2016</a:t>
             </a:fld>
             <a:endParaRPr lang="en-SG"/>
           </a:p>
@@ -1019,7 +1019,7 @@
           <a:p>
             <a:fld id="{81EB79EC-C7E3-4EC7-84B9-0BB9050C86D2}" type="datetimeFigureOut">
               <a:rPr lang="en-SG" smtClean="0"/>
-              <a:t>6/11/2016</a:t>
+              <a:t>7/11/2016</a:t>
             </a:fld>
             <a:endParaRPr lang="en-SG"/>
           </a:p>
@@ -1251,7 +1251,7 @@
           <a:p>
             <a:fld id="{81EB79EC-C7E3-4EC7-84B9-0BB9050C86D2}" type="datetimeFigureOut">
               <a:rPr lang="en-SG" smtClean="0"/>
-              <a:t>6/11/2016</a:t>
+              <a:t>7/11/2016</a:t>
             </a:fld>
             <a:endParaRPr lang="en-SG"/>
           </a:p>
@@ -1618,7 +1618,7 @@
           <a:p>
             <a:fld id="{81EB79EC-C7E3-4EC7-84B9-0BB9050C86D2}" type="datetimeFigureOut">
               <a:rPr lang="en-SG" smtClean="0"/>
-              <a:t>6/11/2016</a:t>
+              <a:t>7/11/2016</a:t>
             </a:fld>
             <a:endParaRPr lang="en-SG"/>
           </a:p>
@@ -1736,7 +1736,7 @@
           <a:p>
             <a:fld id="{81EB79EC-C7E3-4EC7-84B9-0BB9050C86D2}" type="datetimeFigureOut">
               <a:rPr lang="en-SG" smtClean="0"/>
-              <a:t>6/11/2016</a:t>
+              <a:t>7/11/2016</a:t>
             </a:fld>
             <a:endParaRPr lang="en-SG"/>
           </a:p>
@@ -1831,7 +1831,7 @@
           <a:p>
             <a:fld id="{81EB79EC-C7E3-4EC7-84B9-0BB9050C86D2}" type="datetimeFigureOut">
               <a:rPr lang="en-SG" smtClean="0"/>
-              <a:t>6/11/2016</a:t>
+              <a:t>7/11/2016</a:t>
             </a:fld>
             <a:endParaRPr lang="en-SG"/>
           </a:p>
@@ -2108,7 +2108,7 @@
           <a:p>
             <a:fld id="{81EB79EC-C7E3-4EC7-84B9-0BB9050C86D2}" type="datetimeFigureOut">
               <a:rPr lang="en-SG" smtClean="0"/>
-              <a:t>6/11/2016</a:t>
+              <a:t>7/11/2016</a:t>
             </a:fld>
             <a:endParaRPr lang="en-SG"/>
           </a:p>
@@ -2361,7 +2361,7 @@
           <a:p>
             <a:fld id="{81EB79EC-C7E3-4EC7-84B9-0BB9050C86D2}" type="datetimeFigureOut">
               <a:rPr lang="en-SG" smtClean="0"/>
-              <a:t>6/11/2016</a:t>
+              <a:t>7/11/2016</a:t>
             </a:fld>
             <a:endParaRPr lang="en-SG"/>
           </a:p>
@@ -2574,7 +2574,7 @@
           <a:p>
             <a:fld id="{81EB79EC-C7E3-4EC7-84B9-0BB9050C86D2}" type="datetimeFigureOut">
               <a:rPr lang="en-SG" smtClean="0"/>
-              <a:t>6/11/2016</a:t>
+              <a:t>7/11/2016</a:t>
             </a:fld>
             <a:endParaRPr lang="en-SG"/>
           </a:p>
@@ -2981,70 +2981,18 @@
       </p:grpSpPr>
       <p:grpSp>
         <p:nvGrpSpPr>
-          <p:cNvPr id="14" name="Group 13"/>
+          <p:cNvPr id="6" name="Group 5"/>
           <p:cNvGrpSpPr/>
           <p:nvPr/>
         </p:nvGrpSpPr>
         <p:grpSpPr>
           <a:xfrm>
-            <a:off x="1031846" y="335560"/>
-            <a:ext cx="9000000" cy="5800110"/>
-            <a:chOff x="1031846" y="335560"/>
-            <a:chExt cx="9000000" cy="5800110"/>
+            <a:off x="2130804" y="1686188"/>
+            <a:ext cx="5897461" cy="2783354"/>
+            <a:chOff x="2130804" y="1686188"/>
+            <a:chExt cx="5897461" cy="2783354"/>
           </a:xfrm>
         </p:grpSpPr>
-        <p:sp>
-          <p:nvSpPr>
-            <p:cNvPr id="4" name="Rectangle 3"/>
-            <p:cNvSpPr/>
-            <p:nvPr/>
-          </p:nvSpPr>
-          <p:spPr>
-            <a:xfrm>
-              <a:off x="1031846" y="335560"/>
-              <a:ext cx="9000000" cy="5400000"/>
-            </a:xfrm>
-            <a:prstGeom prst="rect">
-              <a:avLst/>
-            </a:prstGeom>
-            <a:noFill/>
-            <a:ln>
-              <a:solidFill>
-                <a:schemeClr val="tx1"/>
-              </a:solidFill>
-            </a:ln>
-          </p:spPr>
-          <p:style>
-            <a:lnRef idx="2">
-              <a:schemeClr val="accent1">
-                <a:shade val="50000"/>
-              </a:schemeClr>
-            </a:lnRef>
-            <a:fillRef idx="1">
-              <a:schemeClr val="accent1"/>
-            </a:fillRef>
-            <a:effectRef idx="0">
-              <a:schemeClr val="accent1"/>
-            </a:effectRef>
-            <a:fontRef idx="minor">
-              <a:schemeClr val="lt1"/>
-            </a:fontRef>
-          </p:style>
-          <p:txBody>
-            <a:bodyPr rtlCol="0" anchor="ctr"/>
-            <a:lstStyle/>
-            <a:p>
-              <a:pPr algn="ctr"/>
-              <a:endParaRPr lang="en-SG" dirty="0">
-                <a:solidFill>
-                  <a:schemeClr val="accent2">
-                    <a:lumMod val="75000"/>
-                  </a:schemeClr>
-                </a:solidFill>
-              </a:endParaRPr>
-            </a:p>
-          </p:txBody>
-        </p:sp>
         <p:sp>
           <p:nvSpPr>
             <p:cNvPr id="5" name="TextBox 4"/>
@@ -3053,7 +3001,7 @@
           </p:nvSpPr>
           <p:spPr>
             <a:xfrm>
-              <a:off x="1031846" y="5735560"/>
+              <a:off x="2130804" y="4069432"/>
               <a:ext cx="4445448" cy="400110"/>
             </a:xfrm>
             <a:prstGeom prst="rect">
@@ -3079,66 +3027,80 @@
             </a:p>
           </p:txBody>
         </p:sp>
-        <p:cxnSp>
-          <p:nvCxnSpPr>
-            <p:cNvPr id="9" name="Straight Connector 8"/>
-            <p:cNvCxnSpPr/>
+        <p:pic>
+          <p:nvPicPr>
+            <p:cNvPr id="2" name="Picture 1"/>
+            <p:cNvPicPr>
+              <a:picLocks noChangeAspect="1"/>
+            </p:cNvPicPr>
             <p:nvPr/>
-          </p:nvCxnSpPr>
+          </p:nvPicPr>
+          <p:blipFill rotWithShape="1">
+            <a:blip r:embed="rId2"/>
+            <a:srcRect l="26835" t="29602" r="24793" b="35647"/>
+            <a:stretch/>
+          </p:blipFill>
           <p:spPr>
             <a:xfrm>
-              <a:off x="1031846" y="335560"/>
-              <a:ext cx="9000000" cy="5400000"/>
+              <a:off x="2130804" y="1686188"/>
+              <a:ext cx="5897461" cy="2383244"/>
             </a:xfrm>
-            <a:prstGeom prst="line">
+            <a:prstGeom prst="rect">
               <a:avLst/>
             </a:prstGeom>
+            <a:ln>
+              <a:solidFill>
+                <a:schemeClr val="accent1"/>
+              </a:solidFill>
+            </a:ln>
+          </p:spPr>
+        </p:pic>
+        <p:sp>
+          <p:nvSpPr>
+            <p:cNvPr id="3" name="Rectangle 2"/>
+            <p:cNvSpPr/>
+            <p:nvPr/>
+          </p:nvSpPr>
+          <p:spPr>
+            <a:xfrm>
+              <a:off x="3045204" y="3196206"/>
+              <a:ext cx="838899" cy="260058"/>
+            </a:xfrm>
+            <a:prstGeom prst="rect">
+              <a:avLst/>
+            </a:prstGeom>
+            <a:noFill/>
+            <a:ln>
+              <a:solidFill>
+                <a:srgbClr val="FF0000"/>
+              </a:solidFill>
+            </a:ln>
           </p:spPr>
           <p:style>
-            <a:lnRef idx="1">
-              <a:schemeClr val="accent2"/>
+            <a:lnRef idx="2">
+              <a:schemeClr val="accent1">
+                <a:shade val="50000"/>
+              </a:schemeClr>
             </a:lnRef>
-            <a:fillRef idx="0">
-              <a:schemeClr val="accent2"/>
+            <a:fillRef idx="1">
+              <a:schemeClr val="accent1"/>
             </a:fillRef>
             <a:effectRef idx="0">
-              <a:schemeClr val="accent2"/>
+              <a:schemeClr val="accent1"/>
             </a:effectRef>
             <a:fontRef idx="minor">
-              <a:schemeClr val="tx1"/>
+              <a:schemeClr val="lt1"/>
             </a:fontRef>
           </p:style>
-        </p:cxnSp>
-        <p:cxnSp>
-          <p:nvCxnSpPr>
-            <p:cNvPr id="11" name="Straight Connector 10"/>
-            <p:cNvCxnSpPr/>
-            <p:nvPr/>
-          </p:nvCxnSpPr>
-          <p:spPr>
-            <a:xfrm flipV="1">
-              <a:off x="1031846" y="335560"/>
-              <a:ext cx="9000000" cy="5400000"/>
-            </a:xfrm>
-            <a:prstGeom prst="line">
-              <a:avLst/>
-            </a:prstGeom>
-          </p:spPr>
-          <p:style>
-            <a:lnRef idx="1">
-              <a:schemeClr val="accent2"/>
-            </a:lnRef>
-            <a:fillRef idx="0">
-              <a:schemeClr val="accent2"/>
-            </a:fillRef>
-            <a:effectRef idx="0">
-              <a:schemeClr val="accent2"/>
-            </a:effectRef>
-            <a:fontRef idx="minor">
-              <a:schemeClr val="tx1"/>
-            </a:fontRef>
-          </p:style>
-        </p:cxnSp>
+          <p:txBody>
+            <a:bodyPr rtlCol="0" anchor="ctr"/>
+            <a:lstStyle/>
+            <a:p>
+              <a:pPr algn="ctr"/>
+              <a:endParaRPr lang="en-SG"/>
+            </a:p>
+          </p:txBody>
+        </p:sp>
       </p:grpSp>
     </p:spTree>
     <p:extLst>
